--- a/Motion Retargeting for Grasping Tasks.pptx
+++ b/Motion Retargeting for Grasping Tasks.pptx
@@ -12,7 +12,7 @@
     <p:sldId id="257" r:id="rId3"/>
     <p:sldId id="258" r:id="rId4"/>
     <p:sldId id="259" r:id="rId5"/>
-    <p:sldId id="260" r:id="rId6"/>
+    <p:sldId id="267" r:id="rId6"/>
     <p:sldId id="261" r:id="rId7"/>
     <p:sldId id="262" r:id="rId8"/>
     <p:sldId id="263" r:id="rId9"/>
@@ -125,7 +125,7 @@
             <p14:sldId id="257"/>
             <p14:sldId id="258"/>
             <p14:sldId id="259"/>
-            <p14:sldId id="260"/>
+            <p14:sldId id="267"/>
             <p14:sldId id="261"/>
             <p14:sldId id="262"/>
             <p14:sldId id="263"/>
@@ -1635,6 +1635,927 @@
   <dgm:styleLbl name="revTx">
     <dgm:fillClrLst meth="repeat">
       <a:schemeClr val="lt2">
+        <a:alpha val="0"/>
+      </a:schemeClr>
+    </dgm:fillClrLst>
+    <dgm:linClrLst meth="repeat">
+      <a:schemeClr val="dk1">
+        <a:alpha val="0"/>
+      </a:schemeClr>
+    </dgm:linClrLst>
+    <dgm:effectClrLst/>
+    <dgm:txLinClrLst/>
+    <dgm:txFillClrLst meth="repeat">
+      <a:schemeClr val="tx1"/>
+    </dgm:txFillClrLst>
+    <dgm:txEffectClrLst/>
+  </dgm:styleLbl>
+</dgm:colorsDef>
+</file>
+
+<file path=ppt/diagrams/colors3.xml><?xml version="1.0" encoding="utf-8"?>
+<dgm:colorsDef xmlns:dgm="http://schemas.openxmlformats.org/drawingml/2006/diagram" xmlns:a="http://schemas.openxmlformats.org/drawingml/2006/main" uniqueId="urn:microsoft.com/office/officeart/2018/5/colors/Iconchunking_neutralbg_colorful1">
+  <dgm:title val=""/>
+  <dgm:desc val=""/>
+  <dgm:catLst>
+    <dgm:cat type="colorful" pri="10100"/>
+  </dgm:catLst>
+  <dgm:styleLbl name="node0">
+    <dgm:fillClrLst meth="repeat">
+      <a:schemeClr val="accent1"/>
+    </dgm:fillClrLst>
+    <dgm:linClrLst meth="repeat">
+      <a:schemeClr val="lt1"/>
+    </dgm:linClrLst>
+    <dgm:effectClrLst/>
+    <dgm:txLinClrLst/>
+    <dgm:txFillClrLst/>
+    <dgm:txEffectClrLst/>
+  </dgm:styleLbl>
+  <dgm:styleLbl name="node1">
+    <dgm:fillClrLst meth="repeat">
+      <a:schemeClr val="accent2"/>
+      <a:schemeClr val="accent3"/>
+      <a:schemeClr val="accent4"/>
+      <a:schemeClr val="accent5"/>
+      <a:schemeClr val="accent6"/>
+    </dgm:fillClrLst>
+    <dgm:linClrLst meth="repeat">
+      <a:schemeClr val="lt1">
+        <a:alpha val="0"/>
+      </a:schemeClr>
+    </dgm:linClrLst>
+    <dgm:effectClrLst/>
+    <dgm:txLinClrLst/>
+    <dgm:txFillClrLst/>
+    <dgm:txEffectClrLst/>
+  </dgm:styleLbl>
+  <dgm:styleLbl name="alignNode1">
+    <dgm:fillClrLst meth="repeat">
+      <a:schemeClr val="accent2"/>
+      <a:schemeClr val="accent3"/>
+      <a:schemeClr val="accent4"/>
+      <a:schemeClr val="accent5"/>
+      <a:schemeClr val="accent6"/>
+    </dgm:fillClrLst>
+    <dgm:linClrLst meth="repeat">
+      <a:schemeClr val="accent2"/>
+      <a:schemeClr val="accent3"/>
+      <a:schemeClr val="accent4"/>
+      <a:schemeClr val="accent5"/>
+      <a:schemeClr val="accent6"/>
+    </dgm:linClrLst>
+    <dgm:effectClrLst/>
+    <dgm:txLinClrLst/>
+    <dgm:txFillClrLst/>
+    <dgm:txEffectClrLst/>
+  </dgm:styleLbl>
+  <dgm:styleLbl name="lnNode1">
+    <dgm:fillClrLst meth="repeat">
+      <a:schemeClr val="accent2"/>
+      <a:schemeClr val="accent3"/>
+      <a:schemeClr val="accent4"/>
+      <a:schemeClr val="accent5"/>
+      <a:schemeClr val="accent6"/>
+    </dgm:fillClrLst>
+    <dgm:linClrLst meth="repeat">
+      <a:schemeClr val="lt1"/>
+    </dgm:linClrLst>
+    <dgm:effectClrLst/>
+    <dgm:txLinClrLst/>
+    <dgm:txFillClrLst/>
+    <dgm:txEffectClrLst/>
+  </dgm:styleLbl>
+  <dgm:styleLbl name="vennNode1">
+    <dgm:fillClrLst meth="repeat">
+      <a:schemeClr val="accent2">
+        <a:alpha val="50000"/>
+      </a:schemeClr>
+      <a:schemeClr val="accent3">
+        <a:alpha val="50000"/>
+      </a:schemeClr>
+      <a:schemeClr val="accent4">
+        <a:alpha val="50000"/>
+      </a:schemeClr>
+      <a:schemeClr val="accent5">
+        <a:alpha val="50000"/>
+      </a:schemeClr>
+      <a:schemeClr val="accent6">
+        <a:alpha val="50000"/>
+      </a:schemeClr>
+    </dgm:fillClrLst>
+    <dgm:linClrLst meth="repeat">
+      <a:schemeClr val="lt1"/>
+    </dgm:linClrLst>
+    <dgm:effectClrLst/>
+    <dgm:txLinClrLst/>
+    <dgm:txFillClrLst/>
+    <dgm:txEffectClrLst/>
+  </dgm:styleLbl>
+  <dgm:styleLbl name="node2">
+    <dgm:fillClrLst>
+      <a:schemeClr val="accent2"/>
+    </dgm:fillClrLst>
+    <dgm:linClrLst meth="repeat">
+      <a:schemeClr val="lt1"/>
+    </dgm:linClrLst>
+    <dgm:effectClrLst/>
+    <dgm:txLinClrLst/>
+    <dgm:txFillClrLst/>
+    <dgm:txEffectClrLst/>
+  </dgm:styleLbl>
+  <dgm:styleLbl name="node3">
+    <dgm:fillClrLst>
+      <a:schemeClr val="accent3"/>
+    </dgm:fillClrLst>
+    <dgm:linClrLst meth="repeat">
+      <a:schemeClr val="lt1"/>
+    </dgm:linClrLst>
+    <dgm:effectClrLst/>
+    <dgm:txLinClrLst/>
+    <dgm:txFillClrLst/>
+    <dgm:txEffectClrLst/>
+  </dgm:styleLbl>
+  <dgm:styleLbl name="node4">
+    <dgm:fillClrLst>
+      <a:schemeClr val="accent4"/>
+    </dgm:fillClrLst>
+    <dgm:linClrLst meth="repeat">
+      <a:schemeClr val="lt1"/>
+    </dgm:linClrLst>
+    <dgm:effectClrLst/>
+    <dgm:txLinClrLst/>
+    <dgm:txFillClrLst/>
+    <dgm:txEffectClrLst/>
+  </dgm:styleLbl>
+  <dgm:styleLbl name="fgImgPlace1">
+    <dgm:fillClrLst meth="repeat">
+      <a:schemeClr val="accent2">
+        <a:tint val="50000"/>
+      </a:schemeClr>
+      <a:schemeClr val="accent3">
+        <a:tint val="50000"/>
+      </a:schemeClr>
+      <a:schemeClr val="accent4">
+        <a:tint val="50000"/>
+      </a:schemeClr>
+      <a:schemeClr val="accent5">
+        <a:tint val="50000"/>
+      </a:schemeClr>
+      <a:schemeClr val="accent6">
+        <a:tint val="50000"/>
+      </a:schemeClr>
+    </dgm:fillClrLst>
+    <dgm:linClrLst meth="repeat">
+      <a:schemeClr val="lt1"/>
+    </dgm:linClrLst>
+    <dgm:effectClrLst/>
+    <dgm:txLinClrLst/>
+    <dgm:txFillClrLst meth="repeat">
+      <a:schemeClr val="lt1"/>
+    </dgm:txFillClrLst>
+    <dgm:txEffectClrLst/>
+  </dgm:styleLbl>
+  <dgm:styleLbl name="alignImgPlace1">
+    <dgm:fillClrLst>
+      <a:schemeClr val="accent1">
+        <a:tint val="50000"/>
+      </a:schemeClr>
+      <a:schemeClr val="accent2">
+        <a:tint val="20000"/>
+      </a:schemeClr>
+    </dgm:fillClrLst>
+    <dgm:linClrLst meth="repeat">
+      <a:schemeClr val="lt1"/>
+    </dgm:linClrLst>
+    <dgm:effectClrLst/>
+    <dgm:txLinClrLst/>
+    <dgm:txFillClrLst meth="repeat">
+      <a:schemeClr val="lt1"/>
+    </dgm:txFillClrLst>
+    <dgm:txEffectClrLst/>
+  </dgm:styleLbl>
+  <dgm:styleLbl name="bgImgPlace1">
+    <dgm:fillClrLst>
+      <a:schemeClr val="accent1">
+        <a:tint val="50000"/>
+      </a:schemeClr>
+      <a:schemeClr val="accent2">
+        <a:tint val="20000"/>
+      </a:schemeClr>
+    </dgm:fillClrLst>
+    <dgm:linClrLst meth="repeat">
+      <a:schemeClr val="lt1"/>
+    </dgm:linClrLst>
+    <dgm:effectClrLst/>
+    <dgm:txLinClrLst/>
+    <dgm:txFillClrLst meth="repeat">
+      <a:schemeClr val="lt1"/>
+    </dgm:txFillClrLst>
+    <dgm:txEffectClrLst/>
+  </dgm:styleLbl>
+  <dgm:styleLbl name="sibTrans2D1">
+    <dgm:fillClrLst meth="repeat">
+      <a:schemeClr val="accent2"/>
+      <a:schemeClr val="accent3"/>
+      <a:schemeClr val="accent4"/>
+      <a:schemeClr val="accent5"/>
+      <a:schemeClr val="accent6"/>
+    </dgm:fillClrLst>
+    <dgm:linClrLst meth="cycle">
+      <a:schemeClr val="lt1"/>
+    </dgm:linClrLst>
+    <dgm:effectClrLst/>
+    <dgm:txLinClrLst/>
+    <dgm:txFillClrLst/>
+    <dgm:txEffectClrLst/>
+  </dgm:styleLbl>
+  <dgm:styleLbl name="fgSibTrans2D1">
+    <dgm:fillClrLst meth="repeat">
+      <a:schemeClr val="accent2"/>
+      <a:schemeClr val="accent3"/>
+      <a:schemeClr val="accent4"/>
+      <a:schemeClr val="accent5"/>
+      <a:schemeClr val="accent6"/>
+    </dgm:fillClrLst>
+    <dgm:linClrLst meth="cycle">
+      <a:schemeClr val="lt1"/>
+    </dgm:linClrLst>
+    <dgm:effectClrLst/>
+    <dgm:txLinClrLst/>
+    <dgm:txFillClrLst meth="repeat">
+      <a:schemeClr val="lt1"/>
+    </dgm:txFillClrLst>
+    <dgm:txEffectClrLst/>
+  </dgm:styleLbl>
+  <dgm:styleLbl name="bgSibTrans2D1">
+    <dgm:fillClrLst meth="repeat">
+      <a:schemeClr val="accent2"/>
+      <a:schemeClr val="accent3"/>
+      <a:schemeClr val="accent4"/>
+      <a:schemeClr val="accent5"/>
+      <a:schemeClr val="accent6"/>
+    </dgm:fillClrLst>
+    <dgm:linClrLst meth="cycle">
+      <a:schemeClr val="lt1"/>
+    </dgm:linClrLst>
+    <dgm:effectClrLst/>
+    <dgm:txLinClrLst/>
+    <dgm:txFillClrLst meth="repeat">
+      <a:schemeClr val="lt1"/>
+    </dgm:txFillClrLst>
+    <dgm:txEffectClrLst/>
+  </dgm:styleLbl>
+  <dgm:styleLbl name="sibTrans1D1">
+    <dgm:fillClrLst meth="repeat">
+      <a:schemeClr val="accent2"/>
+      <a:schemeClr val="accent3"/>
+      <a:schemeClr val="accent4"/>
+      <a:schemeClr val="accent5"/>
+      <a:schemeClr val="accent6"/>
+    </dgm:fillClrLst>
+    <dgm:linClrLst meth="repeat">
+      <a:schemeClr val="accent2"/>
+      <a:schemeClr val="accent3"/>
+      <a:schemeClr val="accent4"/>
+      <a:schemeClr val="accent5"/>
+      <a:schemeClr val="accent6"/>
+    </dgm:linClrLst>
+    <dgm:effectClrLst/>
+    <dgm:txLinClrLst/>
+    <dgm:txFillClrLst meth="repeat">
+      <a:schemeClr val="tx1"/>
+    </dgm:txFillClrLst>
+    <dgm:txEffectClrLst/>
+  </dgm:styleLbl>
+  <dgm:styleLbl name="callout">
+    <dgm:fillClrLst meth="repeat">
+      <a:schemeClr val="accent2"/>
+    </dgm:fillClrLst>
+    <dgm:linClrLst meth="repeat">
+      <a:schemeClr val="accent2">
+        <a:tint val="50000"/>
+      </a:schemeClr>
+    </dgm:linClrLst>
+    <dgm:effectClrLst/>
+    <dgm:txLinClrLst/>
+    <dgm:txFillClrLst meth="repeat">
+      <a:schemeClr val="tx1"/>
+    </dgm:txFillClrLst>
+    <dgm:txEffectClrLst/>
+  </dgm:styleLbl>
+  <dgm:styleLbl name="asst0">
+    <dgm:fillClrLst meth="repeat">
+      <a:schemeClr val="accent1"/>
+    </dgm:fillClrLst>
+    <dgm:linClrLst meth="repeat">
+      <a:schemeClr val="lt1"/>
+    </dgm:linClrLst>
+    <dgm:effectClrLst/>
+    <dgm:txLinClrLst/>
+    <dgm:txFillClrLst/>
+    <dgm:txEffectClrLst/>
+  </dgm:styleLbl>
+  <dgm:styleLbl name="asst1">
+    <dgm:fillClrLst meth="repeat">
+      <a:schemeClr val="accent2"/>
+    </dgm:fillClrLst>
+    <dgm:linClrLst meth="repeat">
+      <a:schemeClr val="lt1"/>
+    </dgm:linClrLst>
+    <dgm:effectClrLst/>
+    <dgm:txLinClrLst/>
+    <dgm:txFillClrLst/>
+    <dgm:txEffectClrLst/>
+  </dgm:styleLbl>
+  <dgm:styleLbl name="asst2">
+    <dgm:fillClrLst>
+      <a:schemeClr val="accent3"/>
+    </dgm:fillClrLst>
+    <dgm:linClrLst meth="repeat">
+      <a:schemeClr val="lt1"/>
+    </dgm:linClrLst>
+    <dgm:effectClrLst/>
+    <dgm:txLinClrLst/>
+    <dgm:txFillClrLst/>
+    <dgm:txEffectClrLst/>
+  </dgm:styleLbl>
+  <dgm:styleLbl name="asst3">
+    <dgm:fillClrLst>
+      <a:schemeClr val="accent4"/>
+    </dgm:fillClrLst>
+    <dgm:linClrLst meth="repeat">
+      <a:schemeClr val="lt1"/>
+    </dgm:linClrLst>
+    <dgm:effectClrLst/>
+    <dgm:txLinClrLst/>
+    <dgm:txFillClrLst/>
+    <dgm:txEffectClrLst/>
+  </dgm:styleLbl>
+  <dgm:styleLbl name="asst4">
+    <dgm:fillClrLst>
+      <a:schemeClr val="accent5"/>
+    </dgm:fillClrLst>
+    <dgm:linClrLst meth="repeat">
+      <a:schemeClr val="lt1"/>
+    </dgm:linClrLst>
+    <dgm:effectClrLst/>
+    <dgm:txLinClrLst/>
+    <dgm:txFillClrLst/>
+    <dgm:txEffectClrLst/>
+  </dgm:styleLbl>
+  <dgm:styleLbl name="parChTrans2D1">
+    <dgm:fillClrLst meth="repeat">
+      <a:schemeClr val="accent2"/>
+    </dgm:fillClrLst>
+    <dgm:linClrLst meth="repeat">
+      <a:schemeClr val="lt1"/>
+    </dgm:linClrLst>
+    <dgm:effectClrLst/>
+    <dgm:txLinClrLst/>
+    <dgm:txFillClrLst meth="repeat">
+      <a:schemeClr val="lt1"/>
+    </dgm:txFillClrLst>
+    <dgm:txEffectClrLst/>
+  </dgm:styleLbl>
+  <dgm:styleLbl name="parChTrans2D2">
+    <dgm:fillClrLst meth="repeat">
+      <a:schemeClr val="accent3"/>
+    </dgm:fillClrLst>
+    <dgm:linClrLst meth="repeat">
+      <a:schemeClr val="lt1"/>
+    </dgm:linClrLst>
+    <dgm:effectClrLst/>
+    <dgm:txLinClrLst/>
+    <dgm:txFillClrLst/>
+    <dgm:txEffectClrLst/>
+  </dgm:styleLbl>
+  <dgm:styleLbl name="parChTrans2D3">
+    <dgm:fillClrLst meth="repeat">
+      <a:schemeClr val="accent4"/>
+    </dgm:fillClrLst>
+    <dgm:linClrLst meth="repeat">
+      <a:schemeClr val="lt1"/>
+    </dgm:linClrLst>
+    <dgm:effectClrLst/>
+    <dgm:txLinClrLst/>
+    <dgm:txFillClrLst/>
+    <dgm:txEffectClrLst/>
+  </dgm:styleLbl>
+  <dgm:styleLbl name="parChTrans2D4">
+    <dgm:fillClrLst meth="repeat">
+      <a:schemeClr val="accent5"/>
+    </dgm:fillClrLst>
+    <dgm:linClrLst meth="repeat">
+      <a:schemeClr val="lt1"/>
+    </dgm:linClrLst>
+    <dgm:effectClrLst/>
+    <dgm:txLinClrLst/>
+    <dgm:txFillClrLst meth="repeat">
+      <a:schemeClr val="lt1"/>
+    </dgm:txFillClrLst>
+    <dgm:txEffectClrLst/>
+  </dgm:styleLbl>
+  <dgm:styleLbl name="parChTrans1D1">
+    <dgm:fillClrLst meth="repeat">
+      <a:schemeClr val="accent2"/>
+    </dgm:fillClrLst>
+    <dgm:linClrLst meth="repeat">
+      <a:schemeClr val="accent1"/>
+    </dgm:linClrLst>
+    <dgm:effectClrLst/>
+    <dgm:txLinClrLst/>
+    <dgm:txFillClrLst meth="repeat">
+      <a:schemeClr val="tx1"/>
+    </dgm:txFillClrLst>
+    <dgm:txEffectClrLst/>
+  </dgm:styleLbl>
+  <dgm:styleLbl name="parChTrans1D2">
+    <dgm:fillClrLst meth="repeat">
+      <a:schemeClr val="accent3">
+        <a:tint val="90000"/>
+      </a:schemeClr>
+    </dgm:fillClrLst>
+    <dgm:linClrLst meth="repeat">
+      <a:schemeClr val="accent2"/>
+    </dgm:linClrLst>
+    <dgm:effectClrLst/>
+    <dgm:txLinClrLst/>
+    <dgm:txFillClrLst meth="repeat">
+      <a:schemeClr val="tx1"/>
+    </dgm:txFillClrLst>
+    <dgm:txEffectClrLst/>
+  </dgm:styleLbl>
+  <dgm:styleLbl name="parChTrans1D3">
+    <dgm:fillClrLst meth="repeat">
+      <a:schemeClr val="accent4">
+        <a:tint val="70000"/>
+      </a:schemeClr>
+    </dgm:fillClrLst>
+    <dgm:linClrLst meth="repeat">
+      <a:schemeClr val="accent3"/>
+    </dgm:linClrLst>
+    <dgm:effectClrLst/>
+    <dgm:txLinClrLst/>
+    <dgm:txFillClrLst meth="repeat">
+      <a:schemeClr val="tx1"/>
+    </dgm:txFillClrLst>
+    <dgm:txEffectClrLst/>
+  </dgm:styleLbl>
+  <dgm:styleLbl name="parChTrans1D4">
+    <dgm:fillClrLst meth="repeat">
+      <a:schemeClr val="accent5">
+        <a:tint val="50000"/>
+      </a:schemeClr>
+    </dgm:fillClrLst>
+    <dgm:linClrLst meth="repeat">
+      <a:schemeClr val="accent4"/>
+    </dgm:linClrLst>
+    <dgm:effectClrLst/>
+    <dgm:txLinClrLst/>
+    <dgm:txFillClrLst meth="repeat">
+      <a:schemeClr val="tx1"/>
+    </dgm:txFillClrLst>
+    <dgm:txEffectClrLst/>
+  </dgm:styleLbl>
+  <dgm:styleLbl name="fgAcc1">
+    <dgm:fillClrLst meth="repeat">
+      <a:schemeClr val="lt1">
+        <a:alpha val="90000"/>
+      </a:schemeClr>
+    </dgm:fillClrLst>
+    <dgm:linClrLst meth="repeat">
+      <a:schemeClr val="accent2"/>
+      <a:schemeClr val="accent3"/>
+      <a:schemeClr val="accent4"/>
+      <a:schemeClr val="accent5"/>
+      <a:schemeClr val="accent6"/>
+    </dgm:linClrLst>
+    <dgm:effectClrLst/>
+    <dgm:txLinClrLst/>
+    <dgm:txFillClrLst meth="repeat">
+      <a:schemeClr val="dk1"/>
+    </dgm:txFillClrLst>
+    <dgm:txEffectClrLst/>
+  </dgm:styleLbl>
+  <dgm:styleLbl name="conFgAcc1">
+    <dgm:fillClrLst meth="repeat">
+      <a:schemeClr val="lt1">
+        <a:alpha val="90000"/>
+      </a:schemeClr>
+    </dgm:fillClrLst>
+    <dgm:linClrLst meth="repeat">
+      <a:schemeClr val="accent2"/>
+      <a:schemeClr val="accent3"/>
+      <a:schemeClr val="accent4"/>
+      <a:schemeClr val="accent5"/>
+      <a:schemeClr val="accent6"/>
+    </dgm:linClrLst>
+    <dgm:effectClrLst/>
+    <dgm:txLinClrLst/>
+    <dgm:txFillClrLst meth="repeat">
+      <a:schemeClr val="dk1"/>
+    </dgm:txFillClrLst>
+    <dgm:txEffectClrLst/>
+  </dgm:styleLbl>
+  <dgm:styleLbl name="alignAcc1">
+    <dgm:fillClrLst meth="repeat">
+      <a:schemeClr val="lt1">
+        <a:alpha val="90000"/>
+      </a:schemeClr>
+    </dgm:fillClrLst>
+    <dgm:linClrLst meth="repeat">
+      <a:schemeClr val="accent2"/>
+      <a:schemeClr val="accent3"/>
+      <a:schemeClr val="accent4"/>
+      <a:schemeClr val="accent5"/>
+      <a:schemeClr val="accent6"/>
+    </dgm:linClrLst>
+    <dgm:effectClrLst/>
+    <dgm:txLinClrLst/>
+    <dgm:txFillClrLst meth="repeat">
+      <a:schemeClr val="dk1"/>
+    </dgm:txFillClrLst>
+    <dgm:txEffectClrLst/>
+  </dgm:styleLbl>
+  <dgm:styleLbl name="trAlignAcc1">
+    <dgm:fillClrLst meth="repeat">
+      <a:schemeClr val="lt1">
+        <a:alpha val="40000"/>
+      </a:schemeClr>
+    </dgm:fillClrLst>
+    <dgm:linClrLst meth="repeat">
+      <a:schemeClr val="accent1"/>
+    </dgm:linClrLst>
+    <dgm:effectClrLst/>
+    <dgm:txLinClrLst/>
+    <dgm:txFillClrLst meth="repeat">
+      <a:schemeClr val="dk1"/>
+    </dgm:txFillClrLst>
+    <dgm:txEffectClrLst/>
+  </dgm:styleLbl>
+  <dgm:styleLbl name="bgAcc1">
+    <dgm:fillClrLst meth="repeat">
+      <a:schemeClr val="lt1">
+        <a:alpha val="90000"/>
+      </a:schemeClr>
+    </dgm:fillClrLst>
+    <dgm:linClrLst meth="repeat">
+      <a:schemeClr val="accent2"/>
+      <a:schemeClr val="accent3"/>
+      <a:schemeClr val="accent4"/>
+      <a:schemeClr val="accent5"/>
+      <a:schemeClr val="accent6"/>
+    </dgm:linClrLst>
+    <dgm:effectClrLst/>
+    <dgm:txLinClrLst/>
+    <dgm:txFillClrLst meth="repeat">
+      <a:schemeClr val="dk1"/>
+    </dgm:txFillClrLst>
+    <dgm:txEffectClrLst/>
+  </dgm:styleLbl>
+  <dgm:styleLbl name="solidFgAcc1">
+    <dgm:fillClrLst meth="repeat">
+      <a:schemeClr val="lt1"/>
+    </dgm:fillClrLst>
+    <dgm:linClrLst meth="repeat">
+      <a:schemeClr val="accent2"/>
+      <a:schemeClr val="accent3"/>
+      <a:schemeClr val="accent4"/>
+      <a:schemeClr val="accent5"/>
+      <a:schemeClr val="accent6"/>
+    </dgm:linClrLst>
+    <dgm:effectClrLst/>
+    <dgm:txLinClrLst/>
+    <dgm:txFillClrLst meth="repeat">
+      <a:schemeClr val="dk1"/>
+    </dgm:txFillClrLst>
+    <dgm:txEffectClrLst/>
+  </dgm:styleLbl>
+  <dgm:styleLbl name="solidAlignAcc1">
+    <dgm:fillClrLst meth="repeat">
+      <a:schemeClr val="lt1"/>
+    </dgm:fillClrLst>
+    <dgm:linClrLst meth="repeat">
+      <a:schemeClr val="accent2"/>
+      <a:schemeClr val="accent3"/>
+      <a:schemeClr val="accent4"/>
+      <a:schemeClr val="accent5"/>
+      <a:schemeClr val="accent6"/>
+    </dgm:linClrLst>
+    <dgm:effectClrLst/>
+    <dgm:txLinClrLst/>
+    <dgm:txFillClrLst meth="repeat">
+      <a:schemeClr val="dk1"/>
+    </dgm:txFillClrLst>
+    <dgm:txEffectClrLst/>
+  </dgm:styleLbl>
+  <dgm:styleLbl name="solidBgAcc1">
+    <dgm:fillClrLst meth="repeat">
+      <a:schemeClr val="lt1"/>
+    </dgm:fillClrLst>
+    <dgm:linClrLst meth="repeat">
+      <a:schemeClr val="accent2"/>
+      <a:schemeClr val="accent3"/>
+      <a:schemeClr val="accent4"/>
+      <a:schemeClr val="accent5"/>
+      <a:schemeClr val="accent6"/>
+    </dgm:linClrLst>
+    <dgm:effectClrLst/>
+    <dgm:txLinClrLst/>
+    <dgm:txFillClrLst meth="repeat">
+      <a:schemeClr val="dk1"/>
+    </dgm:txFillClrLst>
+    <dgm:txEffectClrLst/>
+  </dgm:styleLbl>
+  <dgm:styleLbl name="fgAccFollowNode1">
+    <dgm:fillClrLst meth="repeat">
+      <a:schemeClr val="accent2">
+        <a:tint val="40000"/>
+        <a:alpha val="90000"/>
+      </a:schemeClr>
+      <a:schemeClr val="accent3">
+        <a:tint val="40000"/>
+        <a:alpha val="90000"/>
+      </a:schemeClr>
+      <a:schemeClr val="accent4">
+        <a:tint val="40000"/>
+        <a:alpha val="90000"/>
+      </a:schemeClr>
+      <a:schemeClr val="accent5">
+        <a:tint val="40000"/>
+        <a:alpha val="90000"/>
+      </a:schemeClr>
+      <a:schemeClr val="accent6">
+        <a:tint val="40000"/>
+        <a:alpha val="90000"/>
+      </a:schemeClr>
+    </dgm:fillClrLst>
+    <dgm:linClrLst meth="repeat">
+      <a:schemeClr val="accent2">
+        <a:tint val="40000"/>
+        <a:alpha val="90000"/>
+      </a:schemeClr>
+      <a:schemeClr val="accent3">
+        <a:tint val="40000"/>
+        <a:alpha val="90000"/>
+      </a:schemeClr>
+      <a:schemeClr val="accent4">
+        <a:tint val="40000"/>
+        <a:alpha val="90000"/>
+      </a:schemeClr>
+      <a:schemeClr val="accent5">
+        <a:tint val="40000"/>
+        <a:alpha val="90000"/>
+      </a:schemeClr>
+      <a:schemeClr val="accent6">
+        <a:tint val="40000"/>
+        <a:alpha val="90000"/>
+      </a:schemeClr>
+    </dgm:linClrLst>
+    <dgm:effectClrLst/>
+    <dgm:txLinClrLst/>
+    <dgm:txFillClrLst meth="repeat">
+      <a:schemeClr val="dk1"/>
+    </dgm:txFillClrLst>
+    <dgm:txEffectClrLst/>
+  </dgm:styleLbl>
+  <dgm:styleLbl name="alignAccFollowNode1">
+    <dgm:fillClrLst meth="repeat">
+      <a:schemeClr val="accent2">
+        <a:tint val="40000"/>
+        <a:alpha val="90000"/>
+      </a:schemeClr>
+      <a:schemeClr val="accent3">
+        <a:tint val="40000"/>
+        <a:alpha val="90000"/>
+      </a:schemeClr>
+      <a:schemeClr val="accent4">
+        <a:tint val="40000"/>
+        <a:alpha val="90000"/>
+      </a:schemeClr>
+      <a:schemeClr val="accent5">
+        <a:tint val="40000"/>
+        <a:alpha val="90000"/>
+      </a:schemeClr>
+      <a:schemeClr val="accent6">
+        <a:tint val="40000"/>
+        <a:alpha val="90000"/>
+      </a:schemeClr>
+    </dgm:fillClrLst>
+    <dgm:linClrLst meth="repeat">
+      <a:schemeClr val="accent2">
+        <a:tint val="40000"/>
+        <a:alpha val="90000"/>
+      </a:schemeClr>
+      <a:schemeClr val="accent3">
+        <a:tint val="40000"/>
+        <a:alpha val="90000"/>
+      </a:schemeClr>
+      <a:schemeClr val="accent4">
+        <a:tint val="40000"/>
+        <a:alpha val="90000"/>
+      </a:schemeClr>
+      <a:schemeClr val="accent5">
+        <a:tint val="40000"/>
+        <a:alpha val="90000"/>
+      </a:schemeClr>
+      <a:schemeClr val="accent6">
+        <a:tint val="40000"/>
+        <a:alpha val="90000"/>
+      </a:schemeClr>
+    </dgm:linClrLst>
+    <dgm:effectClrLst/>
+    <dgm:txLinClrLst/>
+    <dgm:txFillClrLst meth="repeat">
+      <a:schemeClr val="dk1"/>
+    </dgm:txFillClrLst>
+    <dgm:txEffectClrLst/>
+  </dgm:styleLbl>
+  <dgm:styleLbl name="bgAccFollowNode1">
+    <dgm:fillClrLst meth="repeat">
+      <a:schemeClr val="accent2">
+        <a:tint val="40000"/>
+        <a:alpha val="90000"/>
+      </a:schemeClr>
+      <a:schemeClr val="accent3">
+        <a:tint val="40000"/>
+        <a:alpha val="90000"/>
+      </a:schemeClr>
+      <a:schemeClr val="accent4">
+        <a:tint val="40000"/>
+        <a:alpha val="90000"/>
+      </a:schemeClr>
+      <a:schemeClr val="accent5">
+        <a:tint val="40000"/>
+        <a:alpha val="90000"/>
+      </a:schemeClr>
+      <a:schemeClr val="accent6">
+        <a:tint val="40000"/>
+        <a:alpha val="90000"/>
+      </a:schemeClr>
+    </dgm:fillClrLst>
+    <dgm:linClrLst meth="repeat">
+      <a:schemeClr val="accent2">
+        <a:tint val="40000"/>
+        <a:alpha val="90000"/>
+      </a:schemeClr>
+      <a:schemeClr val="accent3">
+        <a:tint val="40000"/>
+        <a:alpha val="90000"/>
+      </a:schemeClr>
+      <a:schemeClr val="accent4">
+        <a:tint val="40000"/>
+        <a:alpha val="90000"/>
+      </a:schemeClr>
+      <a:schemeClr val="accent5">
+        <a:tint val="40000"/>
+        <a:alpha val="90000"/>
+      </a:schemeClr>
+      <a:schemeClr val="accent6">
+        <a:tint val="40000"/>
+        <a:alpha val="90000"/>
+      </a:schemeClr>
+    </dgm:linClrLst>
+    <dgm:effectClrLst/>
+    <dgm:txLinClrLst/>
+    <dgm:txFillClrLst meth="repeat">
+      <a:schemeClr val="dk1"/>
+    </dgm:txFillClrLst>
+    <dgm:txEffectClrLst/>
+  </dgm:styleLbl>
+  <dgm:styleLbl name="fgAcc0">
+    <dgm:fillClrLst meth="repeat">
+      <a:schemeClr val="lt1">
+        <a:alpha val="90000"/>
+      </a:schemeClr>
+    </dgm:fillClrLst>
+    <dgm:linClrLst>
+      <a:schemeClr val="accent1"/>
+    </dgm:linClrLst>
+    <dgm:effectClrLst/>
+    <dgm:txLinClrLst/>
+    <dgm:txFillClrLst meth="repeat">
+      <a:schemeClr val="dk1"/>
+    </dgm:txFillClrLst>
+    <dgm:txEffectClrLst/>
+  </dgm:styleLbl>
+  <dgm:styleLbl name="fgAcc2">
+    <dgm:fillClrLst meth="repeat">
+      <a:schemeClr val="lt1">
+        <a:alpha val="90000"/>
+      </a:schemeClr>
+    </dgm:fillClrLst>
+    <dgm:linClrLst>
+      <a:schemeClr val="accent2"/>
+    </dgm:linClrLst>
+    <dgm:effectClrLst/>
+    <dgm:txLinClrLst/>
+    <dgm:txFillClrLst meth="repeat">
+      <a:schemeClr val="dk1"/>
+    </dgm:txFillClrLst>
+    <dgm:txEffectClrLst/>
+  </dgm:styleLbl>
+  <dgm:styleLbl name="fgAcc3">
+    <dgm:fillClrLst meth="repeat">
+      <a:schemeClr val="lt1">
+        <a:alpha val="90000"/>
+      </a:schemeClr>
+    </dgm:fillClrLst>
+    <dgm:linClrLst>
+      <a:schemeClr val="accent3"/>
+    </dgm:linClrLst>
+    <dgm:effectClrLst/>
+    <dgm:txLinClrLst/>
+    <dgm:txFillClrLst meth="repeat">
+      <a:schemeClr val="dk1"/>
+    </dgm:txFillClrLst>
+    <dgm:txEffectClrLst/>
+  </dgm:styleLbl>
+  <dgm:styleLbl name="fgAcc4">
+    <dgm:fillClrLst meth="repeat">
+      <a:schemeClr val="lt1">
+        <a:alpha val="90000"/>
+      </a:schemeClr>
+    </dgm:fillClrLst>
+    <dgm:linClrLst>
+      <a:schemeClr val="accent4"/>
+    </dgm:linClrLst>
+    <dgm:effectClrLst/>
+    <dgm:txLinClrLst/>
+    <dgm:txFillClrLst meth="repeat">
+      <a:schemeClr val="dk1"/>
+    </dgm:txFillClrLst>
+    <dgm:txEffectClrLst/>
+  </dgm:styleLbl>
+  <dgm:styleLbl name="bgShp">
+    <dgm:fillClrLst meth="repeat">
+      <a:schemeClr val="bg1">
+        <a:lumMod val="95000"/>
+      </a:schemeClr>
+    </dgm:fillClrLst>
+    <dgm:linClrLst meth="repeat">
+      <a:schemeClr val="dk1"/>
+    </dgm:linClrLst>
+    <dgm:effectClrLst/>
+    <dgm:txLinClrLst/>
+    <dgm:txFillClrLst meth="repeat">
+      <a:schemeClr val="dk1"/>
+    </dgm:txFillClrLst>
+    <dgm:txEffectClrLst/>
+  </dgm:styleLbl>
+  <dgm:styleLbl name="dkBgShp">
+    <dgm:fillClrLst meth="repeat">
+      <a:schemeClr val="accent2">
+        <a:shade val="90000"/>
+      </a:schemeClr>
+    </dgm:fillClrLst>
+    <dgm:linClrLst meth="repeat">
+      <a:schemeClr val="dk1"/>
+    </dgm:linClrLst>
+    <dgm:effectClrLst/>
+    <dgm:txLinClrLst/>
+    <dgm:txFillClrLst meth="repeat">
+      <a:schemeClr val="lt1"/>
+    </dgm:txFillClrLst>
+    <dgm:txEffectClrLst/>
+  </dgm:styleLbl>
+  <dgm:styleLbl name="trBgShp">
+    <dgm:fillClrLst meth="repeat">
+      <a:schemeClr val="accent1">
+        <a:tint val="50000"/>
+        <a:alpha val="40000"/>
+      </a:schemeClr>
+    </dgm:fillClrLst>
+    <dgm:linClrLst meth="repeat">
+      <a:schemeClr val="accent2"/>
+    </dgm:linClrLst>
+    <dgm:effectClrLst/>
+    <dgm:txLinClrLst/>
+    <dgm:txFillClrLst meth="repeat">
+      <a:schemeClr val="lt1"/>
+    </dgm:txFillClrLst>
+    <dgm:txEffectClrLst/>
+  </dgm:styleLbl>
+  <dgm:styleLbl name="fgShp">
+    <dgm:fillClrLst meth="repeat">
+      <a:schemeClr val="accent2">
+        <a:tint val="40000"/>
+      </a:schemeClr>
+    </dgm:fillClrLst>
+    <dgm:linClrLst meth="repeat">
+      <a:schemeClr val="lt1"/>
+    </dgm:linClrLst>
+    <dgm:effectClrLst/>
+    <dgm:txLinClrLst/>
+    <dgm:txFillClrLst meth="repeat">
+      <a:schemeClr val="dk1"/>
+    </dgm:txFillClrLst>
+    <dgm:txEffectClrLst/>
+  </dgm:styleLbl>
+  <dgm:styleLbl name="revTx">
+    <dgm:fillClrLst meth="repeat">
+      <a:schemeClr val="lt1">
         <a:alpha val="0"/>
       </a:schemeClr>
     </dgm:fillClrLst>
@@ -2207,6 +3128,765 @@
   <dgm:extLst>
     <a:ext uri="http://schemas.microsoft.com/office/drawing/2008/diagram">
       <dsp:dataModelExt xmlns:dsp="http://schemas.microsoft.com/office/drawing/2008/diagram" relId="rId6" minVer="http://schemas.openxmlformats.org/drawingml/2006/diagram"/>
+    </a:ext>
+  </dgm:extLst>
+</dgm:dataModel>
+</file>
+
+<file path=ppt/diagrams/data3.xml><?xml version="1.0" encoding="utf-8"?>
+<dgm:dataModel xmlns:dgm="http://schemas.openxmlformats.org/drawingml/2006/diagram" xmlns:a="http://schemas.openxmlformats.org/drawingml/2006/main">
+  <dgm:ptLst>
+    <dgm:pt modelId="{E2937D62-1D5B-4021-8E4E-6831691E6C38}" type="doc">
+      <dgm:prSet loTypeId="urn:microsoft.com/office/officeart/2018/2/layout/IconVerticalSolidList" loCatId="icon" qsTypeId="urn:microsoft.com/office/officeart/2005/8/quickstyle/simple1" qsCatId="simple" csTypeId="urn:microsoft.com/office/officeart/2018/5/colors/Iconchunking_neutralbg_colorful1" csCatId="colorful" phldr="1"/>
+      <dgm:spPr/>
+      <dgm:t>
+        <a:bodyPr/>
+        <a:lstStyle/>
+        <a:p>
+          <a:endParaRPr lang="it-IT"/>
+        </a:p>
+      </dgm:t>
+    </dgm:pt>
+    <dgm:pt modelId="{1D5DED7D-9E6A-4AF3-8DF2-30E194430AC3}">
+      <dgm:prSet phldrT="[Testo]" phldr="0"/>
+      <dgm:spPr/>
+      <dgm:t>
+        <a:bodyPr/>
+        <a:lstStyle/>
+        <a:p>
+          <a:pPr>
+            <a:lnSpc>
+              <a:spcPct val="100000"/>
+            </a:lnSpc>
+          </a:pPr>
+          <a:r>
+            <a:rPr lang="it-IT" b="0" i="0" dirty="0"/>
+            <a:t>Acquisition</a:t>
+          </a:r>
+          <a:endParaRPr lang="it-IT" dirty="0"/>
+        </a:p>
+      </dgm:t>
+    </dgm:pt>
+    <dgm:pt modelId="{0B7832CE-21F4-4698-9DC0-AF721F61AA67}" type="parTrans" cxnId="{DA139A5A-A4BB-44B6-AE1D-8491DAD9458A}">
+      <dgm:prSet/>
+      <dgm:spPr/>
+      <dgm:t>
+        <a:bodyPr/>
+        <a:lstStyle/>
+        <a:p>
+          <a:endParaRPr lang="it-IT"/>
+        </a:p>
+      </dgm:t>
+    </dgm:pt>
+    <dgm:pt modelId="{C9C9E2D9-C34C-4D44-A839-F18D811D3E92}" type="sibTrans" cxnId="{DA139A5A-A4BB-44B6-AE1D-8491DAD9458A}">
+      <dgm:prSet/>
+      <dgm:spPr/>
+      <dgm:t>
+        <a:bodyPr/>
+        <a:lstStyle/>
+        <a:p>
+          <a:endParaRPr lang="it-IT"/>
+        </a:p>
+      </dgm:t>
+    </dgm:pt>
+    <dgm:pt modelId="{1B247583-3F8A-496F-9031-38BE634E86BE}">
+      <dgm:prSet phldrT="[Testo]" phldr="0"/>
+      <dgm:spPr/>
+      <dgm:t>
+        <a:bodyPr/>
+        <a:lstStyle/>
+        <a:p>
+          <a:pPr>
+            <a:lnSpc>
+              <a:spcPct val="100000"/>
+            </a:lnSpc>
+          </a:pPr>
+          <a:r>
+            <a:rPr lang="it-IT" dirty="0"/>
+            <a:t>The Weart TouchDIVER G1 haptic </a:t>
+          </a:r>
+          <a:r>
+            <a:rPr lang="it-IT" dirty="0" err="1"/>
+            <a:t>glove</a:t>
+          </a:r>
+          <a:r>
+            <a:rPr lang="it-IT" dirty="0"/>
+            <a:t> </a:t>
+          </a:r>
+          <a:r>
+            <a:rPr lang="it-IT" dirty="0" err="1"/>
+            <a:t>captures</a:t>
+          </a:r>
+          <a:r>
+            <a:rPr lang="it-IT" dirty="0"/>
+            <a:t> </a:t>
+          </a:r>
+          <a:r>
+            <a:rPr lang="it-IT" dirty="0" err="1"/>
+            <a:t>sensor</a:t>
+          </a:r>
+          <a:r>
+            <a:rPr lang="it-IT" dirty="0"/>
+            <a:t> data.</a:t>
+          </a:r>
+        </a:p>
+      </dgm:t>
+    </dgm:pt>
+    <dgm:pt modelId="{C6E6F112-D18D-4694-9DFF-90DD561E5FE6}" type="parTrans" cxnId="{E4D4BA57-6250-4CFD-ACC7-787EFCCFD233}">
+      <dgm:prSet/>
+      <dgm:spPr/>
+      <dgm:t>
+        <a:bodyPr/>
+        <a:lstStyle/>
+        <a:p>
+          <a:endParaRPr lang="it-IT"/>
+        </a:p>
+      </dgm:t>
+    </dgm:pt>
+    <dgm:pt modelId="{BCA7C705-B05D-44B7-8C85-EA6FE98C3C61}" type="sibTrans" cxnId="{E4D4BA57-6250-4CFD-ACC7-787EFCCFD233}">
+      <dgm:prSet/>
+      <dgm:spPr/>
+      <dgm:t>
+        <a:bodyPr/>
+        <a:lstStyle/>
+        <a:p>
+          <a:endParaRPr lang="it-IT"/>
+        </a:p>
+      </dgm:t>
+    </dgm:pt>
+    <dgm:pt modelId="{A1599513-AE27-4CDC-A1EF-9E59506214D6}">
+      <dgm:prSet phldrT="[Testo]" phldr="0"/>
+      <dgm:spPr/>
+      <dgm:t>
+        <a:bodyPr/>
+        <a:lstStyle/>
+        <a:p>
+          <a:pPr>
+            <a:lnSpc>
+              <a:spcPct val="100000"/>
+            </a:lnSpc>
+          </a:pPr>
+          <a:r>
+            <a:rPr lang="it-IT"/>
+            <a:t>Reconstruction</a:t>
+          </a:r>
+        </a:p>
+      </dgm:t>
+    </dgm:pt>
+    <dgm:pt modelId="{79E2FB67-4D1D-498B-B488-309C9BC004FE}" type="parTrans" cxnId="{095C4057-1675-4242-A650-A322F308E3C7}">
+      <dgm:prSet/>
+      <dgm:spPr/>
+      <dgm:t>
+        <a:bodyPr/>
+        <a:lstStyle/>
+        <a:p>
+          <a:endParaRPr lang="it-IT"/>
+        </a:p>
+      </dgm:t>
+    </dgm:pt>
+    <dgm:pt modelId="{66FFDF4A-5FF5-4D7E-96DC-A25BA9B812D9}" type="sibTrans" cxnId="{095C4057-1675-4242-A650-A322F308E3C7}">
+      <dgm:prSet/>
+      <dgm:spPr/>
+      <dgm:t>
+        <a:bodyPr/>
+        <a:lstStyle/>
+        <a:p>
+          <a:endParaRPr lang="it-IT"/>
+        </a:p>
+      </dgm:t>
+    </dgm:pt>
+    <dgm:pt modelId="{5A20C633-36DA-4395-9812-F5B4C9F1267E}">
+      <dgm:prSet phldrT="[Testo]" phldr="0"/>
+      <dgm:spPr/>
+      <dgm:t>
+        <a:bodyPr/>
+        <a:lstStyle/>
+        <a:p>
+          <a:pPr>
+            <a:lnSpc>
+              <a:spcPct val="100000"/>
+            </a:lnSpc>
+          </a:pPr>
+          <a:r>
+            <a:rPr lang="it-IT"/>
+            <a:t>The server processes the glove inputs using a neural network to reconstruct the full pose of the virtual human hand in Unity.</a:t>
+          </a:r>
+        </a:p>
+      </dgm:t>
+    </dgm:pt>
+    <dgm:pt modelId="{5B740C0A-114A-4E18-92EC-778C4FF949BE}" type="parTrans" cxnId="{EAAFD84F-DE40-4D1E-AAA9-E0EA44C23F4D}">
+      <dgm:prSet/>
+      <dgm:spPr/>
+      <dgm:t>
+        <a:bodyPr/>
+        <a:lstStyle/>
+        <a:p>
+          <a:endParaRPr lang="it-IT"/>
+        </a:p>
+      </dgm:t>
+    </dgm:pt>
+    <dgm:pt modelId="{4C4EABDB-86B8-43D7-935A-768068139D9B}" type="sibTrans" cxnId="{EAAFD84F-DE40-4D1E-AAA9-E0EA44C23F4D}">
+      <dgm:prSet/>
+      <dgm:spPr/>
+      <dgm:t>
+        <a:bodyPr/>
+        <a:lstStyle/>
+        <a:p>
+          <a:endParaRPr lang="it-IT"/>
+        </a:p>
+      </dgm:t>
+    </dgm:pt>
+    <dgm:pt modelId="{E961D8F2-06BA-4A17-8DA0-0B3DAE829B31}">
+      <dgm:prSet phldrT="[Testo]" phldr="0"/>
+      <dgm:spPr/>
+      <dgm:t>
+        <a:bodyPr/>
+        <a:lstStyle/>
+        <a:p>
+          <a:pPr>
+            <a:lnSpc>
+              <a:spcPct val="100000"/>
+            </a:lnSpc>
+          </a:pPr>
+          <a:r>
+            <a:rPr lang="it-IT"/>
+            <a:t>Transmission</a:t>
+          </a:r>
+        </a:p>
+      </dgm:t>
+    </dgm:pt>
+    <dgm:pt modelId="{F8E2D95D-6EDC-4BD4-B31D-870D6003CD7C}" type="parTrans" cxnId="{B3FA53D6-C6D5-4CF5-A5DB-64AE44C31D2B}">
+      <dgm:prSet/>
+      <dgm:spPr/>
+      <dgm:t>
+        <a:bodyPr/>
+        <a:lstStyle/>
+        <a:p>
+          <a:endParaRPr lang="it-IT"/>
+        </a:p>
+      </dgm:t>
+    </dgm:pt>
+    <dgm:pt modelId="{AB765BF8-5EE3-425E-B558-488F9C9B00AF}" type="sibTrans" cxnId="{B3FA53D6-C6D5-4CF5-A5DB-64AE44C31D2B}">
+      <dgm:prSet/>
+      <dgm:spPr/>
+      <dgm:t>
+        <a:bodyPr/>
+        <a:lstStyle/>
+        <a:p>
+          <a:endParaRPr lang="it-IT"/>
+        </a:p>
+      </dgm:t>
+    </dgm:pt>
+    <dgm:pt modelId="{3B97ECBA-1488-4C50-A416-F4A66A7A2B3E}">
+      <dgm:prSet phldrT="[Testo]" phldr="0"/>
+      <dgm:spPr/>
+      <dgm:t>
+        <a:bodyPr/>
+        <a:lstStyle/>
+        <a:p>
+          <a:pPr>
+            <a:lnSpc>
+              <a:spcPct val="100000"/>
+            </a:lnSpc>
+          </a:pPr>
+          <a:r>
+            <a:rPr lang="it-IT"/>
+            <a:t>The reconstructed joint angles are sent to the Unity simulation in realt-time.</a:t>
+          </a:r>
+        </a:p>
+      </dgm:t>
+    </dgm:pt>
+    <dgm:pt modelId="{C2D385BA-D170-45A6-9BD4-253D02A29D21}" type="parTrans" cxnId="{57F02016-CD24-4EAE-A7E8-541533E2BEAC}">
+      <dgm:prSet/>
+      <dgm:spPr/>
+      <dgm:t>
+        <a:bodyPr/>
+        <a:lstStyle/>
+        <a:p>
+          <a:endParaRPr lang="it-IT"/>
+        </a:p>
+      </dgm:t>
+    </dgm:pt>
+    <dgm:pt modelId="{ED0BCFA9-06E1-48D4-9A8D-DB1B9A1EABB1}" type="sibTrans" cxnId="{57F02016-CD24-4EAE-A7E8-541533E2BEAC}">
+      <dgm:prSet/>
+      <dgm:spPr/>
+      <dgm:t>
+        <a:bodyPr/>
+        <a:lstStyle/>
+        <a:p>
+          <a:endParaRPr lang="it-IT"/>
+        </a:p>
+      </dgm:t>
+    </dgm:pt>
+    <dgm:pt modelId="{FEA354E5-CD55-40B3-BBA8-7B17CB32BD65}">
+      <dgm:prSet phldrT="[Testo]" phldr="0"/>
+      <dgm:spPr/>
+      <dgm:t>
+        <a:bodyPr/>
+        <a:lstStyle/>
+        <a:p>
+          <a:pPr>
+            <a:lnSpc>
+              <a:spcPct val="100000"/>
+            </a:lnSpc>
+          </a:pPr>
+          <a:r>
+            <a:rPr lang="it-IT"/>
+            <a:t>Retargeting</a:t>
+          </a:r>
+        </a:p>
+      </dgm:t>
+    </dgm:pt>
+    <dgm:pt modelId="{04EA7268-D705-4EAD-A2EE-43A3E9EAC78D}" type="parTrans" cxnId="{CF37DD1A-15E3-4CF9-86EB-340718492881}">
+      <dgm:prSet/>
+      <dgm:spPr/>
+      <dgm:t>
+        <a:bodyPr/>
+        <a:lstStyle/>
+        <a:p>
+          <a:endParaRPr lang="it-IT"/>
+        </a:p>
+      </dgm:t>
+    </dgm:pt>
+    <dgm:pt modelId="{F9A5C144-D281-4CB4-9F0C-A29AE6041C73}" type="sibTrans" cxnId="{CF37DD1A-15E3-4CF9-86EB-340718492881}">
+      <dgm:prSet/>
+      <dgm:spPr/>
+      <dgm:t>
+        <a:bodyPr/>
+        <a:lstStyle/>
+        <a:p>
+          <a:endParaRPr lang="it-IT"/>
+        </a:p>
+      </dgm:t>
+    </dgm:pt>
+    <dgm:pt modelId="{1D782D9B-323A-43FE-BCA6-C5BBE2FED2C5}">
+      <dgm:prSet phldrT="[Testo]" phldr="0"/>
+      <dgm:spPr/>
+      <dgm:t>
+        <a:bodyPr/>
+        <a:lstStyle/>
+        <a:p>
+          <a:pPr>
+            <a:lnSpc>
+              <a:spcPct val="100000"/>
+            </a:lnSpc>
+          </a:pPr>
+          <a:r>
+            <a:rPr lang="it-IT"/>
+            <a:t>Actuation</a:t>
+          </a:r>
+        </a:p>
+      </dgm:t>
+    </dgm:pt>
+    <dgm:pt modelId="{E7EAD8EC-046F-4FB1-94AA-A89895C97921}" type="parTrans" cxnId="{26E16E02-4A06-41FC-BFB6-E5EDF7AE48CE}">
+      <dgm:prSet/>
+      <dgm:spPr/>
+      <dgm:t>
+        <a:bodyPr/>
+        <a:lstStyle/>
+        <a:p>
+          <a:endParaRPr lang="it-IT"/>
+        </a:p>
+      </dgm:t>
+    </dgm:pt>
+    <dgm:pt modelId="{3911A6F3-A516-4363-AB43-65D1EB84818D}" type="sibTrans" cxnId="{26E16E02-4A06-41FC-BFB6-E5EDF7AE48CE}">
+      <dgm:prSet/>
+      <dgm:spPr/>
+      <dgm:t>
+        <a:bodyPr/>
+        <a:lstStyle/>
+        <a:p>
+          <a:endParaRPr lang="it-IT"/>
+        </a:p>
+      </dgm:t>
+    </dgm:pt>
+    <dgm:pt modelId="{CF3FA1C8-F6BD-4166-9834-CEAC7B6DC39B}">
+      <dgm:prSet phldrT="[Testo]" phldr="0"/>
+      <dgm:spPr/>
+      <dgm:t>
+        <a:bodyPr/>
+        <a:lstStyle/>
+        <a:p>
+          <a:pPr>
+            <a:lnSpc>
+              <a:spcPct val="100000"/>
+            </a:lnSpc>
+          </a:pPr>
+          <a:r>
+            <a:rPr lang="it-IT"/>
+            <a:t>The resulting joint velocities are integrated to update the visual pose of the robotic hand in the simulation.</a:t>
+          </a:r>
+        </a:p>
+      </dgm:t>
+    </dgm:pt>
+    <dgm:pt modelId="{11879B11-6F21-4A05-BCB9-B4D236617E5B}" type="parTrans" cxnId="{82749379-72FC-403F-ADEC-C63E0BE29062}">
+      <dgm:prSet/>
+      <dgm:spPr/>
+      <dgm:t>
+        <a:bodyPr/>
+        <a:lstStyle/>
+        <a:p>
+          <a:endParaRPr lang="it-IT"/>
+        </a:p>
+      </dgm:t>
+    </dgm:pt>
+    <dgm:pt modelId="{2DD2529B-1438-4D7D-BB81-76547AD2C47A}" type="sibTrans" cxnId="{82749379-72FC-403F-ADEC-C63E0BE29062}">
+      <dgm:prSet/>
+      <dgm:spPr/>
+      <dgm:t>
+        <a:bodyPr/>
+        <a:lstStyle/>
+        <a:p>
+          <a:endParaRPr lang="it-IT"/>
+        </a:p>
+      </dgm:t>
+    </dgm:pt>
+    <dgm:pt modelId="{B9D400A8-B788-4B05-9760-7E171ED69577}">
+      <dgm:prSet phldrT="[Testo]" phldr="0"/>
+      <dgm:spPr/>
+      <dgm:t>
+        <a:bodyPr/>
+        <a:lstStyle/>
+        <a:p>
+          <a:pPr>
+            <a:lnSpc>
+              <a:spcPct val="100000"/>
+            </a:lnSpc>
+          </a:pPr>
+          <a:r>
+            <a:rPr lang="en-US"/>
+            <a:t>The Unity retargeting algorithm maps the virtual sphere deformation to the joint velocities of the target robotic hand.</a:t>
+          </a:r>
+          <a:endParaRPr lang="it-IT"/>
+        </a:p>
+      </dgm:t>
+    </dgm:pt>
+    <dgm:pt modelId="{0A47250B-DBCD-45E8-BAC7-C86DC5A44B74}" type="parTrans" cxnId="{B4CFB066-B60D-486B-9CF2-55A69094EF54}">
+      <dgm:prSet/>
+      <dgm:spPr/>
+      <dgm:t>
+        <a:bodyPr/>
+        <a:lstStyle/>
+        <a:p>
+          <a:endParaRPr lang="it-IT"/>
+        </a:p>
+      </dgm:t>
+    </dgm:pt>
+    <dgm:pt modelId="{6B5F6AE4-E022-4645-8F33-C55E2F4D1C11}" type="sibTrans" cxnId="{B4CFB066-B60D-486B-9CF2-55A69094EF54}">
+      <dgm:prSet/>
+      <dgm:spPr/>
+      <dgm:t>
+        <a:bodyPr/>
+        <a:lstStyle/>
+        <a:p>
+          <a:endParaRPr lang="it-IT"/>
+        </a:p>
+      </dgm:t>
+    </dgm:pt>
+    <dgm:pt modelId="{D5B0A97B-A7B7-4BA4-8B60-8947DE78A4FA}" type="pres">
+      <dgm:prSet presAssocID="{E2937D62-1D5B-4021-8E4E-6831691E6C38}" presName="root" presStyleCnt="0">
+        <dgm:presLayoutVars>
+          <dgm:dir/>
+          <dgm:resizeHandles val="exact"/>
+        </dgm:presLayoutVars>
+      </dgm:prSet>
+      <dgm:spPr/>
+    </dgm:pt>
+    <dgm:pt modelId="{AF8F14C1-F5CF-401A-A931-1919AB16C43C}" type="pres">
+      <dgm:prSet presAssocID="{1D5DED7D-9E6A-4AF3-8DF2-30E194430AC3}" presName="compNode" presStyleCnt="0"/>
+      <dgm:spPr/>
+    </dgm:pt>
+    <dgm:pt modelId="{E7D2A098-62CC-490F-8346-53F3076981D3}" type="pres">
+      <dgm:prSet presAssocID="{1D5DED7D-9E6A-4AF3-8DF2-30E194430AC3}" presName="bgRect" presStyleLbl="bgShp" presStyleIdx="0" presStyleCnt="5" custLinFactNeighborX="1195" custLinFactNeighborY="-14279"/>
+      <dgm:spPr/>
+    </dgm:pt>
+    <dgm:pt modelId="{44B02095-B674-4B9F-85EB-BDBA8CEDEB94}" type="pres">
+      <dgm:prSet presAssocID="{1D5DED7D-9E6A-4AF3-8DF2-30E194430AC3}" presName="iconRect" presStyleLbl="node1" presStyleIdx="0" presStyleCnt="5" custScaleX="153290" custScaleY="153289"/>
+      <dgm:spPr>
+        <a:blipFill rotWithShape="1">
+          <a:blip xmlns:r="http://schemas.openxmlformats.org/officeDocument/2006/relationships" r:embed="rId1">
+            <a:extLst>
+              <a:ext uri="{28A0092B-C50C-407E-A947-70E740481C1C}">
+                <a14:useLocalDpi xmlns:a14="http://schemas.microsoft.com/office/drawing/2010/main" val="0"/>
+              </a:ext>
+            </a:extLst>
+          </a:blip>
+          <a:srcRect/>
+          <a:stretch>
+            <a:fillRect l="-38000" r="-38000"/>
+          </a:stretch>
+        </a:blipFill>
+        <a:ln>
+          <a:noFill/>
+        </a:ln>
+      </dgm:spPr>
+    </dgm:pt>
+    <dgm:pt modelId="{8D5CE27A-AB50-4673-ACBF-647BE0F1A760}" type="pres">
+      <dgm:prSet presAssocID="{1D5DED7D-9E6A-4AF3-8DF2-30E194430AC3}" presName="spaceRect" presStyleCnt="0"/>
+      <dgm:spPr/>
+    </dgm:pt>
+    <dgm:pt modelId="{5C5C40E2-0202-4D79-8847-0C5405789002}" type="pres">
+      <dgm:prSet presAssocID="{1D5DED7D-9E6A-4AF3-8DF2-30E194430AC3}" presName="parTx" presStyleLbl="revTx" presStyleIdx="0" presStyleCnt="10">
+        <dgm:presLayoutVars>
+          <dgm:chMax val="0"/>
+          <dgm:chPref val="0"/>
+        </dgm:presLayoutVars>
+      </dgm:prSet>
+      <dgm:spPr/>
+    </dgm:pt>
+    <dgm:pt modelId="{32831736-E5EF-43B7-AFB7-1842341374BE}" type="pres">
+      <dgm:prSet presAssocID="{1D5DED7D-9E6A-4AF3-8DF2-30E194430AC3}" presName="desTx" presStyleLbl="revTx" presStyleIdx="1" presStyleCnt="10">
+        <dgm:presLayoutVars/>
+      </dgm:prSet>
+      <dgm:spPr/>
+    </dgm:pt>
+    <dgm:pt modelId="{EB7D7ECD-C088-414F-8CDC-4507C6F2C2D9}" type="pres">
+      <dgm:prSet presAssocID="{C9C9E2D9-C34C-4D44-A839-F18D811D3E92}" presName="sibTrans" presStyleCnt="0"/>
+      <dgm:spPr/>
+    </dgm:pt>
+    <dgm:pt modelId="{392007D7-A90B-4CE8-A941-966ED03DEF44}" type="pres">
+      <dgm:prSet presAssocID="{A1599513-AE27-4CDC-A1EF-9E59506214D6}" presName="compNode" presStyleCnt="0"/>
+      <dgm:spPr/>
+    </dgm:pt>
+    <dgm:pt modelId="{34BAAD51-921F-4790-A41C-A6BAA2D0844B}" type="pres">
+      <dgm:prSet presAssocID="{A1599513-AE27-4CDC-A1EF-9E59506214D6}" presName="bgRect" presStyleLbl="bgShp" presStyleIdx="1" presStyleCnt="5"/>
+      <dgm:spPr/>
+    </dgm:pt>
+    <dgm:pt modelId="{940A6F0E-7920-429A-8B0E-F8769C6355CF}" type="pres">
+      <dgm:prSet presAssocID="{A1599513-AE27-4CDC-A1EF-9E59506214D6}" presName="iconRect" presStyleLbl="node1" presStyleIdx="1" presStyleCnt="5" custScaleX="153290" custScaleY="153289"/>
+      <dgm:spPr>
+        <a:blipFill rotWithShape="1">
+          <a:blip xmlns:r="http://schemas.openxmlformats.org/officeDocument/2006/relationships" r:embed="rId2"/>
+          <a:srcRect/>
+          <a:stretch>
+            <a:fillRect/>
+          </a:stretch>
+        </a:blipFill>
+        <a:ln>
+          <a:noFill/>
+        </a:ln>
+      </dgm:spPr>
+    </dgm:pt>
+    <dgm:pt modelId="{858AE044-3CAB-4959-9992-9978895BC7DF}" type="pres">
+      <dgm:prSet presAssocID="{A1599513-AE27-4CDC-A1EF-9E59506214D6}" presName="spaceRect" presStyleCnt="0"/>
+      <dgm:spPr/>
+    </dgm:pt>
+    <dgm:pt modelId="{BC1E8947-7336-497F-8B84-384F7F837BDD}" type="pres">
+      <dgm:prSet presAssocID="{A1599513-AE27-4CDC-A1EF-9E59506214D6}" presName="parTx" presStyleLbl="revTx" presStyleIdx="2" presStyleCnt="10">
+        <dgm:presLayoutVars>
+          <dgm:chMax val="0"/>
+          <dgm:chPref val="0"/>
+        </dgm:presLayoutVars>
+      </dgm:prSet>
+      <dgm:spPr/>
+    </dgm:pt>
+    <dgm:pt modelId="{CC864E5B-C799-40AC-8AB1-3C241759644F}" type="pres">
+      <dgm:prSet presAssocID="{A1599513-AE27-4CDC-A1EF-9E59506214D6}" presName="desTx" presStyleLbl="revTx" presStyleIdx="3" presStyleCnt="10">
+        <dgm:presLayoutVars/>
+      </dgm:prSet>
+      <dgm:spPr/>
+    </dgm:pt>
+    <dgm:pt modelId="{D6110EFB-DED8-41A4-8181-B97002123602}" type="pres">
+      <dgm:prSet presAssocID="{66FFDF4A-5FF5-4D7E-96DC-A25BA9B812D9}" presName="sibTrans" presStyleCnt="0"/>
+      <dgm:spPr/>
+    </dgm:pt>
+    <dgm:pt modelId="{AE77F20C-DF80-4845-96BC-4BFF0F6CAF50}" type="pres">
+      <dgm:prSet presAssocID="{E961D8F2-06BA-4A17-8DA0-0B3DAE829B31}" presName="compNode" presStyleCnt="0"/>
+      <dgm:spPr/>
+    </dgm:pt>
+    <dgm:pt modelId="{C108FE40-76F9-4BF2-AB1C-FACB80F87859}" type="pres">
+      <dgm:prSet presAssocID="{E961D8F2-06BA-4A17-8DA0-0B3DAE829B31}" presName="bgRect" presStyleLbl="bgShp" presStyleIdx="2" presStyleCnt="5"/>
+      <dgm:spPr/>
+    </dgm:pt>
+    <dgm:pt modelId="{87114B76-89C3-4FE6-B7F6-94E67914B0FA}" type="pres">
+      <dgm:prSet presAssocID="{E961D8F2-06BA-4A17-8DA0-0B3DAE829B31}" presName="iconRect" presStyleLbl="node1" presStyleIdx="2" presStyleCnt="5" custScaleX="153290" custScaleY="153289"/>
+      <dgm:spPr>
+        <a:blipFill rotWithShape="1">
+          <a:blip xmlns:r="http://schemas.openxmlformats.org/officeDocument/2006/relationships" r:embed="rId3"/>
+          <a:srcRect/>
+          <a:stretch>
+            <a:fillRect/>
+          </a:stretch>
+        </a:blipFill>
+        <a:ln>
+          <a:noFill/>
+        </a:ln>
+      </dgm:spPr>
+    </dgm:pt>
+    <dgm:pt modelId="{B7C555D1-BDB8-445F-BF6D-DD7A8A410A3F}" type="pres">
+      <dgm:prSet presAssocID="{E961D8F2-06BA-4A17-8DA0-0B3DAE829B31}" presName="spaceRect" presStyleCnt="0"/>
+      <dgm:spPr/>
+    </dgm:pt>
+    <dgm:pt modelId="{F8F9F0E4-E32A-4F10-9466-E2D852D74783}" type="pres">
+      <dgm:prSet presAssocID="{E961D8F2-06BA-4A17-8DA0-0B3DAE829B31}" presName="parTx" presStyleLbl="revTx" presStyleIdx="4" presStyleCnt="10">
+        <dgm:presLayoutVars>
+          <dgm:chMax val="0"/>
+          <dgm:chPref val="0"/>
+        </dgm:presLayoutVars>
+      </dgm:prSet>
+      <dgm:spPr/>
+    </dgm:pt>
+    <dgm:pt modelId="{46A4770D-BB94-4EA0-B0D7-B77544DE37AD}" type="pres">
+      <dgm:prSet presAssocID="{E961D8F2-06BA-4A17-8DA0-0B3DAE829B31}" presName="desTx" presStyleLbl="revTx" presStyleIdx="5" presStyleCnt="10">
+        <dgm:presLayoutVars/>
+      </dgm:prSet>
+      <dgm:spPr/>
+    </dgm:pt>
+    <dgm:pt modelId="{EDEE7AA4-077D-4724-A46C-02BECB260B23}" type="pres">
+      <dgm:prSet presAssocID="{AB765BF8-5EE3-425E-B558-488F9C9B00AF}" presName="sibTrans" presStyleCnt="0"/>
+      <dgm:spPr/>
+    </dgm:pt>
+    <dgm:pt modelId="{D8EA86A7-1CEC-4971-AE38-3B914F9266F2}" type="pres">
+      <dgm:prSet presAssocID="{FEA354E5-CD55-40B3-BBA8-7B17CB32BD65}" presName="compNode" presStyleCnt="0"/>
+      <dgm:spPr/>
+    </dgm:pt>
+    <dgm:pt modelId="{C7D5F85B-5E96-40BD-96E9-EB847C699A66}" type="pres">
+      <dgm:prSet presAssocID="{FEA354E5-CD55-40B3-BBA8-7B17CB32BD65}" presName="bgRect" presStyleLbl="bgShp" presStyleIdx="3" presStyleCnt="5"/>
+      <dgm:spPr/>
+    </dgm:pt>
+    <dgm:pt modelId="{876FDBE4-50EF-4EE3-969F-D72439DA941F}" type="pres">
+      <dgm:prSet presAssocID="{FEA354E5-CD55-40B3-BBA8-7B17CB32BD65}" presName="iconRect" presStyleLbl="node1" presStyleIdx="3" presStyleCnt="5" custScaleX="153290" custScaleY="153289"/>
+      <dgm:spPr>
+        <a:blipFill rotWithShape="1">
+          <a:blip xmlns:r="http://schemas.openxmlformats.org/officeDocument/2006/relationships" r:embed="rId4"/>
+          <a:srcRect/>
+          <a:stretch>
+            <a:fillRect l="-6000" r="-6000"/>
+          </a:stretch>
+        </a:blipFill>
+        <a:ln>
+          <a:noFill/>
+        </a:ln>
+      </dgm:spPr>
+    </dgm:pt>
+    <dgm:pt modelId="{2483F4C7-66C5-4E13-A716-56FF669C117F}" type="pres">
+      <dgm:prSet presAssocID="{FEA354E5-CD55-40B3-BBA8-7B17CB32BD65}" presName="spaceRect" presStyleCnt="0"/>
+      <dgm:spPr/>
+    </dgm:pt>
+    <dgm:pt modelId="{0590E409-760D-4FF5-B21B-818D7185E04F}" type="pres">
+      <dgm:prSet presAssocID="{FEA354E5-CD55-40B3-BBA8-7B17CB32BD65}" presName="parTx" presStyleLbl="revTx" presStyleIdx="6" presStyleCnt="10">
+        <dgm:presLayoutVars>
+          <dgm:chMax val="0"/>
+          <dgm:chPref val="0"/>
+        </dgm:presLayoutVars>
+      </dgm:prSet>
+      <dgm:spPr/>
+    </dgm:pt>
+    <dgm:pt modelId="{D20EB7C9-F03C-45E5-95E1-14ADA12CF3BE}" type="pres">
+      <dgm:prSet presAssocID="{FEA354E5-CD55-40B3-BBA8-7B17CB32BD65}" presName="desTx" presStyleLbl="revTx" presStyleIdx="7" presStyleCnt="10">
+        <dgm:presLayoutVars/>
+      </dgm:prSet>
+      <dgm:spPr/>
+    </dgm:pt>
+    <dgm:pt modelId="{60D8E4B8-0A41-4B34-AEA0-80F1C5BFD519}" type="pres">
+      <dgm:prSet presAssocID="{F9A5C144-D281-4CB4-9F0C-A29AE6041C73}" presName="sibTrans" presStyleCnt="0"/>
+      <dgm:spPr/>
+    </dgm:pt>
+    <dgm:pt modelId="{9416AC0F-318E-4B95-AF8F-BCB122157989}" type="pres">
+      <dgm:prSet presAssocID="{1D782D9B-323A-43FE-BCA6-C5BBE2FED2C5}" presName="compNode" presStyleCnt="0"/>
+      <dgm:spPr/>
+    </dgm:pt>
+    <dgm:pt modelId="{BFB49C8E-37FB-4201-96B4-1240510281C2}" type="pres">
+      <dgm:prSet presAssocID="{1D782D9B-323A-43FE-BCA6-C5BBE2FED2C5}" presName="bgRect" presStyleLbl="bgShp" presStyleIdx="4" presStyleCnt="5"/>
+      <dgm:spPr/>
+    </dgm:pt>
+    <dgm:pt modelId="{B93C29F1-0179-49C3-8340-3B12462A44D8}" type="pres">
+      <dgm:prSet presAssocID="{1D782D9B-323A-43FE-BCA6-C5BBE2FED2C5}" presName="iconRect" presStyleLbl="node1" presStyleIdx="4" presStyleCnt="5" custScaleX="153290" custScaleY="153289"/>
+      <dgm:spPr>
+        <a:blipFill rotWithShape="1">
+          <a:blip xmlns:r="http://schemas.openxmlformats.org/officeDocument/2006/relationships" r:embed="rId5"/>
+          <a:srcRect/>
+          <a:stretch>
+            <a:fillRect l="-9000" r="-9000"/>
+          </a:stretch>
+        </a:blipFill>
+        <a:ln>
+          <a:noFill/>
+        </a:ln>
+      </dgm:spPr>
+    </dgm:pt>
+    <dgm:pt modelId="{D4E8F1D5-44A9-4B80-879A-F44BB334A177}" type="pres">
+      <dgm:prSet presAssocID="{1D782D9B-323A-43FE-BCA6-C5BBE2FED2C5}" presName="spaceRect" presStyleCnt="0"/>
+      <dgm:spPr/>
+    </dgm:pt>
+    <dgm:pt modelId="{18C4619D-0C8A-4938-96E9-49C66092A2F4}" type="pres">
+      <dgm:prSet presAssocID="{1D782D9B-323A-43FE-BCA6-C5BBE2FED2C5}" presName="parTx" presStyleLbl="revTx" presStyleIdx="8" presStyleCnt="10">
+        <dgm:presLayoutVars>
+          <dgm:chMax val="0"/>
+          <dgm:chPref val="0"/>
+        </dgm:presLayoutVars>
+      </dgm:prSet>
+      <dgm:spPr/>
+    </dgm:pt>
+    <dgm:pt modelId="{4616B0FE-5885-40D6-9148-F2B81C310587}" type="pres">
+      <dgm:prSet presAssocID="{1D782D9B-323A-43FE-BCA6-C5BBE2FED2C5}" presName="desTx" presStyleLbl="revTx" presStyleIdx="9" presStyleCnt="10">
+        <dgm:presLayoutVars/>
+      </dgm:prSet>
+      <dgm:spPr/>
+    </dgm:pt>
+  </dgm:ptLst>
+  <dgm:cxnLst>
+    <dgm:cxn modelId="{26E16E02-4A06-41FC-BFB6-E5EDF7AE48CE}" srcId="{E2937D62-1D5B-4021-8E4E-6831691E6C38}" destId="{1D782D9B-323A-43FE-BCA6-C5BBE2FED2C5}" srcOrd="4" destOrd="0" parTransId="{E7EAD8EC-046F-4FB1-94AA-A89895C97921}" sibTransId="{3911A6F3-A516-4363-AB43-65D1EB84818D}"/>
+    <dgm:cxn modelId="{02B9A709-0BE4-4DCF-90A3-8F2A78DF3A4D}" type="presOf" srcId="{CF3FA1C8-F6BD-4166-9834-CEAC7B6DC39B}" destId="{4616B0FE-5885-40D6-9148-F2B81C310587}" srcOrd="0" destOrd="0" presId="urn:microsoft.com/office/officeart/2018/2/layout/IconVerticalSolidList"/>
+    <dgm:cxn modelId="{57F02016-CD24-4EAE-A7E8-541533E2BEAC}" srcId="{E961D8F2-06BA-4A17-8DA0-0B3DAE829B31}" destId="{3B97ECBA-1488-4C50-A416-F4A66A7A2B3E}" srcOrd="0" destOrd="0" parTransId="{C2D385BA-D170-45A6-9BD4-253D02A29D21}" sibTransId="{ED0BCFA9-06E1-48D4-9A8D-DB1B9A1EABB1}"/>
+    <dgm:cxn modelId="{CF37DD1A-15E3-4CF9-86EB-340718492881}" srcId="{E2937D62-1D5B-4021-8E4E-6831691E6C38}" destId="{FEA354E5-CD55-40B3-BBA8-7B17CB32BD65}" srcOrd="3" destOrd="0" parTransId="{04EA7268-D705-4EAD-A2EE-43A3E9EAC78D}" sibTransId="{F9A5C144-D281-4CB4-9F0C-A29AE6041C73}"/>
+    <dgm:cxn modelId="{9E257B60-9527-4F8E-A65C-99CADB8B522E}" type="presOf" srcId="{1B247583-3F8A-496F-9031-38BE634E86BE}" destId="{32831736-E5EF-43B7-AFB7-1842341374BE}" srcOrd="0" destOrd="0" presId="urn:microsoft.com/office/officeart/2018/2/layout/IconVerticalSolidList"/>
+    <dgm:cxn modelId="{B7E98846-6B79-4D46-AA0A-6A8F2D83308B}" type="presOf" srcId="{1D5DED7D-9E6A-4AF3-8DF2-30E194430AC3}" destId="{5C5C40E2-0202-4D79-8847-0C5405789002}" srcOrd="0" destOrd="0" presId="urn:microsoft.com/office/officeart/2018/2/layout/IconVerticalSolidList"/>
+    <dgm:cxn modelId="{B4CFB066-B60D-486B-9CF2-55A69094EF54}" srcId="{FEA354E5-CD55-40B3-BBA8-7B17CB32BD65}" destId="{B9D400A8-B788-4B05-9760-7E171ED69577}" srcOrd="0" destOrd="0" parTransId="{0A47250B-DBCD-45E8-BAC7-C86DC5A44B74}" sibTransId="{6B5F6AE4-E022-4645-8F33-C55E2F4D1C11}"/>
+    <dgm:cxn modelId="{EAAFD84F-DE40-4D1E-AAA9-E0EA44C23F4D}" srcId="{A1599513-AE27-4CDC-A1EF-9E59506214D6}" destId="{5A20C633-36DA-4395-9812-F5B4C9F1267E}" srcOrd="0" destOrd="0" parTransId="{5B740C0A-114A-4E18-92EC-778C4FF949BE}" sibTransId="{4C4EABDB-86B8-43D7-935A-768068139D9B}"/>
+    <dgm:cxn modelId="{095C4057-1675-4242-A650-A322F308E3C7}" srcId="{E2937D62-1D5B-4021-8E4E-6831691E6C38}" destId="{A1599513-AE27-4CDC-A1EF-9E59506214D6}" srcOrd="1" destOrd="0" parTransId="{79E2FB67-4D1D-498B-B488-309C9BC004FE}" sibTransId="{66FFDF4A-5FF5-4D7E-96DC-A25BA9B812D9}"/>
+    <dgm:cxn modelId="{E4D4BA57-6250-4CFD-ACC7-787EFCCFD233}" srcId="{1D5DED7D-9E6A-4AF3-8DF2-30E194430AC3}" destId="{1B247583-3F8A-496F-9031-38BE634E86BE}" srcOrd="0" destOrd="0" parTransId="{C6E6F112-D18D-4694-9DFF-90DD561E5FE6}" sibTransId="{BCA7C705-B05D-44B7-8C85-EA6FE98C3C61}"/>
+    <dgm:cxn modelId="{82749379-72FC-403F-ADEC-C63E0BE29062}" srcId="{1D782D9B-323A-43FE-BCA6-C5BBE2FED2C5}" destId="{CF3FA1C8-F6BD-4166-9834-CEAC7B6DC39B}" srcOrd="0" destOrd="0" parTransId="{11879B11-6F21-4A05-BCB9-B4D236617E5B}" sibTransId="{2DD2529B-1438-4D7D-BB81-76547AD2C47A}"/>
+    <dgm:cxn modelId="{DA139A5A-A4BB-44B6-AE1D-8491DAD9458A}" srcId="{E2937D62-1D5B-4021-8E4E-6831691E6C38}" destId="{1D5DED7D-9E6A-4AF3-8DF2-30E194430AC3}" srcOrd="0" destOrd="0" parTransId="{0B7832CE-21F4-4698-9DC0-AF721F61AA67}" sibTransId="{C9C9E2D9-C34C-4D44-A839-F18D811D3E92}"/>
+    <dgm:cxn modelId="{C74F6EA1-A03C-40CD-9D61-150FA8D2372D}" type="presOf" srcId="{5A20C633-36DA-4395-9812-F5B4C9F1267E}" destId="{CC864E5B-C799-40AC-8AB1-3C241759644F}" srcOrd="0" destOrd="0" presId="urn:microsoft.com/office/officeart/2018/2/layout/IconVerticalSolidList"/>
+    <dgm:cxn modelId="{8A7D0EA8-DE67-4954-8216-13406A731D92}" type="presOf" srcId="{B9D400A8-B788-4B05-9760-7E171ED69577}" destId="{D20EB7C9-F03C-45E5-95E1-14ADA12CF3BE}" srcOrd="0" destOrd="0" presId="urn:microsoft.com/office/officeart/2018/2/layout/IconVerticalSolidList"/>
+    <dgm:cxn modelId="{10D1D0AC-84AA-435B-A11C-54500F883577}" type="presOf" srcId="{1D782D9B-323A-43FE-BCA6-C5BBE2FED2C5}" destId="{18C4619D-0C8A-4938-96E9-49C66092A2F4}" srcOrd="0" destOrd="0" presId="urn:microsoft.com/office/officeart/2018/2/layout/IconVerticalSolidList"/>
+    <dgm:cxn modelId="{3D57B5BD-ADBD-46C2-A040-7B7F144D2F0E}" type="presOf" srcId="{A1599513-AE27-4CDC-A1EF-9E59506214D6}" destId="{BC1E8947-7336-497F-8B84-384F7F837BDD}" srcOrd="0" destOrd="0" presId="urn:microsoft.com/office/officeart/2018/2/layout/IconVerticalSolidList"/>
+    <dgm:cxn modelId="{0E399EC5-7CBD-4BE5-9F38-B79E114BAC8A}" type="presOf" srcId="{E2937D62-1D5B-4021-8E4E-6831691E6C38}" destId="{D5B0A97B-A7B7-4BA4-8B60-8947DE78A4FA}" srcOrd="0" destOrd="0" presId="urn:microsoft.com/office/officeart/2018/2/layout/IconVerticalSolidList"/>
+    <dgm:cxn modelId="{274F92CB-AC0C-466F-ADAB-CAB8FFFCF815}" type="presOf" srcId="{3B97ECBA-1488-4C50-A416-F4A66A7A2B3E}" destId="{46A4770D-BB94-4EA0-B0D7-B77544DE37AD}" srcOrd="0" destOrd="0" presId="urn:microsoft.com/office/officeart/2018/2/layout/IconVerticalSolidList"/>
+    <dgm:cxn modelId="{B3FA53D6-C6D5-4CF5-A5DB-64AE44C31D2B}" srcId="{E2937D62-1D5B-4021-8E4E-6831691E6C38}" destId="{E961D8F2-06BA-4A17-8DA0-0B3DAE829B31}" srcOrd="2" destOrd="0" parTransId="{F8E2D95D-6EDC-4BD4-B31D-870D6003CD7C}" sibTransId="{AB765BF8-5EE3-425E-B558-488F9C9B00AF}"/>
+    <dgm:cxn modelId="{61626EDB-B0A3-445F-8D8D-1427D6F6395D}" type="presOf" srcId="{FEA354E5-CD55-40B3-BBA8-7B17CB32BD65}" destId="{0590E409-760D-4FF5-B21B-818D7185E04F}" srcOrd="0" destOrd="0" presId="urn:microsoft.com/office/officeart/2018/2/layout/IconVerticalSolidList"/>
+    <dgm:cxn modelId="{660CEAE2-2F3C-4B5F-992E-4F50FCB6E769}" type="presOf" srcId="{E961D8F2-06BA-4A17-8DA0-0B3DAE829B31}" destId="{F8F9F0E4-E32A-4F10-9466-E2D852D74783}" srcOrd="0" destOrd="0" presId="urn:microsoft.com/office/officeart/2018/2/layout/IconVerticalSolidList"/>
+    <dgm:cxn modelId="{EE747998-CD89-4369-9423-08DD7C40F2B2}" type="presParOf" srcId="{D5B0A97B-A7B7-4BA4-8B60-8947DE78A4FA}" destId="{AF8F14C1-F5CF-401A-A931-1919AB16C43C}" srcOrd="0" destOrd="0" presId="urn:microsoft.com/office/officeart/2018/2/layout/IconVerticalSolidList"/>
+    <dgm:cxn modelId="{EE7013EC-A510-4BCD-A7DF-C3204C71D08F}" type="presParOf" srcId="{AF8F14C1-F5CF-401A-A931-1919AB16C43C}" destId="{E7D2A098-62CC-490F-8346-53F3076981D3}" srcOrd="0" destOrd="0" presId="urn:microsoft.com/office/officeart/2018/2/layout/IconVerticalSolidList"/>
+    <dgm:cxn modelId="{98AE1B31-F5CC-46F1-AAB5-F3F3EDA2B7E9}" type="presParOf" srcId="{AF8F14C1-F5CF-401A-A931-1919AB16C43C}" destId="{44B02095-B674-4B9F-85EB-BDBA8CEDEB94}" srcOrd="1" destOrd="0" presId="urn:microsoft.com/office/officeart/2018/2/layout/IconVerticalSolidList"/>
+    <dgm:cxn modelId="{A50D6E20-33A0-49C1-A7C2-3AEE1301D929}" type="presParOf" srcId="{AF8F14C1-F5CF-401A-A931-1919AB16C43C}" destId="{8D5CE27A-AB50-4673-ACBF-647BE0F1A760}" srcOrd="2" destOrd="0" presId="urn:microsoft.com/office/officeart/2018/2/layout/IconVerticalSolidList"/>
+    <dgm:cxn modelId="{DBDE219C-33F5-4543-B63E-61F575083439}" type="presParOf" srcId="{AF8F14C1-F5CF-401A-A931-1919AB16C43C}" destId="{5C5C40E2-0202-4D79-8847-0C5405789002}" srcOrd="3" destOrd="0" presId="urn:microsoft.com/office/officeart/2018/2/layout/IconVerticalSolidList"/>
+    <dgm:cxn modelId="{6684253A-62F4-4EB2-A13C-0B0D520BA385}" type="presParOf" srcId="{AF8F14C1-F5CF-401A-A931-1919AB16C43C}" destId="{32831736-E5EF-43B7-AFB7-1842341374BE}" srcOrd="4" destOrd="0" presId="urn:microsoft.com/office/officeart/2018/2/layout/IconVerticalSolidList"/>
+    <dgm:cxn modelId="{4709B759-FA21-48D4-98CF-967F637673CA}" type="presParOf" srcId="{D5B0A97B-A7B7-4BA4-8B60-8947DE78A4FA}" destId="{EB7D7ECD-C088-414F-8CDC-4507C6F2C2D9}" srcOrd="1" destOrd="0" presId="urn:microsoft.com/office/officeart/2018/2/layout/IconVerticalSolidList"/>
+    <dgm:cxn modelId="{12F6BF1B-54CD-4613-A580-91AE21FB5DEA}" type="presParOf" srcId="{D5B0A97B-A7B7-4BA4-8B60-8947DE78A4FA}" destId="{392007D7-A90B-4CE8-A941-966ED03DEF44}" srcOrd="2" destOrd="0" presId="urn:microsoft.com/office/officeart/2018/2/layout/IconVerticalSolidList"/>
+    <dgm:cxn modelId="{CCEC6865-22A1-46DF-8D92-25BB7E203A45}" type="presParOf" srcId="{392007D7-A90B-4CE8-A941-966ED03DEF44}" destId="{34BAAD51-921F-4790-A41C-A6BAA2D0844B}" srcOrd="0" destOrd="0" presId="urn:microsoft.com/office/officeart/2018/2/layout/IconVerticalSolidList"/>
+    <dgm:cxn modelId="{610604AF-82F6-40B2-9D29-39A93CFC4C32}" type="presParOf" srcId="{392007D7-A90B-4CE8-A941-966ED03DEF44}" destId="{940A6F0E-7920-429A-8B0E-F8769C6355CF}" srcOrd="1" destOrd="0" presId="urn:microsoft.com/office/officeart/2018/2/layout/IconVerticalSolidList"/>
+    <dgm:cxn modelId="{91C482F3-5D30-4A8E-A56B-1FBEA321EF41}" type="presParOf" srcId="{392007D7-A90B-4CE8-A941-966ED03DEF44}" destId="{858AE044-3CAB-4959-9992-9978895BC7DF}" srcOrd="2" destOrd="0" presId="urn:microsoft.com/office/officeart/2018/2/layout/IconVerticalSolidList"/>
+    <dgm:cxn modelId="{102B9A45-450B-45B2-B616-313E8343ADB0}" type="presParOf" srcId="{392007D7-A90B-4CE8-A941-966ED03DEF44}" destId="{BC1E8947-7336-497F-8B84-384F7F837BDD}" srcOrd="3" destOrd="0" presId="urn:microsoft.com/office/officeart/2018/2/layout/IconVerticalSolidList"/>
+    <dgm:cxn modelId="{511E012F-57C5-4FDA-AC84-937028B98A0A}" type="presParOf" srcId="{392007D7-A90B-4CE8-A941-966ED03DEF44}" destId="{CC864E5B-C799-40AC-8AB1-3C241759644F}" srcOrd="4" destOrd="0" presId="urn:microsoft.com/office/officeart/2018/2/layout/IconVerticalSolidList"/>
+    <dgm:cxn modelId="{E1F491EE-116B-4E0B-96E8-C2787EE5471E}" type="presParOf" srcId="{D5B0A97B-A7B7-4BA4-8B60-8947DE78A4FA}" destId="{D6110EFB-DED8-41A4-8181-B97002123602}" srcOrd="3" destOrd="0" presId="urn:microsoft.com/office/officeart/2018/2/layout/IconVerticalSolidList"/>
+    <dgm:cxn modelId="{18DE8588-5067-45A8-A12C-4D19C65D3422}" type="presParOf" srcId="{D5B0A97B-A7B7-4BA4-8B60-8947DE78A4FA}" destId="{AE77F20C-DF80-4845-96BC-4BFF0F6CAF50}" srcOrd="4" destOrd="0" presId="urn:microsoft.com/office/officeart/2018/2/layout/IconVerticalSolidList"/>
+    <dgm:cxn modelId="{51785716-8D89-40C5-B726-C6B338E5564B}" type="presParOf" srcId="{AE77F20C-DF80-4845-96BC-4BFF0F6CAF50}" destId="{C108FE40-76F9-4BF2-AB1C-FACB80F87859}" srcOrd="0" destOrd="0" presId="urn:microsoft.com/office/officeart/2018/2/layout/IconVerticalSolidList"/>
+    <dgm:cxn modelId="{B79F6E23-62EA-4D61-8215-21F893503B3C}" type="presParOf" srcId="{AE77F20C-DF80-4845-96BC-4BFF0F6CAF50}" destId="{87114B76-89C3-4FE6-B7F6-94E67914B0FA}" srcOrd="1" destOrd="0" presId="urn:microsoft.com/office/officeart/2018/2/layout/IconVerticalSolidList"/>
+    <dgm:cxn modelId="{8F03D942-3781-48DF-972F-CC22824F13AF}" type="presParOf" srcId="{AE77F20C-DF80-4845-96BC-4BFF0F6CAF50}" destId="{B7C555D1-BDB8-445F-BF6D-DD7A8A410A3F}" srcOrd="2" destOrd="0" presId="urn:microsoft.com/office/officeart/2018/2/layout/IconVerticalSolidList"/>
+    <dgm:cxn modelId="{EE4FAA1B-BF19-46AB-88CF-45775E7671E6}" type="presParOf" srcId="{AE77F20C-DF80-4845-96BC-4BFF0F6CAF50}" destId="{F8F9F0E4-E32A-4F10-9466-E2D852D74783}" srcOrd="3" destOrd="0" presId="urn:microsoft.com/office/officeart/2018/2/layout/IconVerticalSolidList"/>
+    <dgm:cxn modelId="{8CCCE376-2487-4535-97CD-AA9A807A6803}" type="presParOf" srcId="{AE77F20C-DF80-4845-96BC-4BFF0F6CAF50}" destId="{46A4770D-BB94-4EA0-B0D7-B77544DE37AD}" srcOrd="4" destOrd="0" presId="urn:microsoft.com/office/officeart/2018/2/layout/IconVerticalSolidList"/>
+    <dgm:cxn modelId="{0382C854-BE55-401C-B1EE-26530F5BCE42}" type="presParOf" srcId="{D5B0A97B-A7B7-4BA4-8B60-8947DE78A4FA}" destId="{EDEE7AA4-077D-4724-A46C-02BECB260B23}" srcOrd="5" destOrd="0" presId="urn:microsoft.com/office/officeart/2018/2/layout/IconVerticalSolidList"/>
+    <dgm:cxn modelId="{2682B1E0-4D51-4AC9-8B47-3A36EC931B82}" type="presParOf" srcId="{D5B0A97B-A7B7-4BA4-8B60-8947DE78A4FA}" destId="{D8EA86A7-1CEC-4971-AE38-3B914F9266F2}" srcOrd="6" destOrd="0" presId="urn:microsoft.com/office/officeart/2018/2/layout/IconVerticalSolidList"/>
+    <dgm:cxn modelId="{1D0C9FE3-9957-489D-A752-F88D98FE7E9E}" type="presParOf" srcId="{D8EA86A7-1CEC-4971-AE38-3B914F9266F2}" destId="{C7D5F85B-5E96-40BD-96E9-EB847C699A66}" srcOrd="0" destOrd="0" presId="urn:microsoft.com/office/officeart/2018/2/layout/IconVerticalSolidList"/>
+    <dgm:cxn modelId="{C0813179-81BF-486A-A43B-4BEBCD5EC7AE}" type="presParOf" srcId="{D8EA86A7-1CEC-4971-AE38-3B914F9266F2}" destId="{876FDBE4-50EF-4EE3-969F-D72439DA941F}" srcOrd="1" destOrd="0" presId="urn:microsoft.com/office/officeart/2018/2/layout/IconVerticalSolidList"/>
+    <dgm:cxn modelId="{D790439D-5369-4AF6-947B-E351193B99D8}" type="presParOf" srcId="{D8EA86A7-1CEC-4971-AE38-3B914F9266F2}" destId="{2483F4C7-66C5-4E13-A716-56FF669C117F}" srcOrd="2" destOrd="0" presId="urn:microsoft.com/office/officeart/2018/2/layout/IconVerticalSolidList"/>
+    <dgm:cxn modelId="{503BF0CF-EEF0-4694-9F3A-C38BD58F7E5F}" type="presParOf" srcId="{D8EA86A7-1CEC-4971-AE38-3B914F9266F2}" destId="{0590E409-760D-4FF5-B21B-818D7185E04F}" srcOrd="3" destOrd="0" presId="urn:microsoft.com/office/officeart/2018/2/layout/IconVerticalSolidList"/>
+    <dgm:cxn modelId="{7CF5AF9D-84C5-4DEF-9528-430362E06E82}" type="presParOf" srcId="{D8EA86A7-1CEC-4971-AE38-3B914F9266F2}" destId="{D20EB7C9-F03C-45E5-95E1-14ADA12CF3BE}" srcOrd="4" destOrd="0" presId="urn:microsoft.com/office/officeart/2018/2/layout/IconVerticalSolidList"/>
+    <dgm:cxn modelId="{D3871337-7B58-430B-9C52-E04A4238C744}" type="presParOf" srcId="{D5B0A97B-A7B7-4BA4-8B60-8947DE78A4FA}" destId="{60D8E4B8-0A41-4B34-AEA0-80F1C5BFD519}" srcOrd="7" destOrd="0" presId="urn:microsoft.com/office/officeart/2018/2/layout/IconVerticalSolidList"/>
+    <dgm:cxn modelId="{CBFBB94B-CA08-49FB-B1B0-DE6B8B11AE6E}" type="presParOf" srcId="{D5B0A97B-A7B7-4BA4-8B60-8947DE78A4FA}" destId="{9416AC0F-318E-4B95-AF8F-BCB122157989}" srcOrd="8" destOrd="0" presId="urn:microsoft.com/office/officeart/2018/2/layout/IconVerticalSolidList"/>
+    <dgm:cxn modelId="{D3363CA6-F521-4905-A3E1-2D47A7CDBBE7}" type="presParOf" srcId="{9416AC0F-318E-4B95-AF8F-BCB122157989}" destId="{BFB49C8E-37FB-4201-96B4-1240510281C2}" srcOrd="0" destOrd="0" presId="urn:microsoft.com/office/officeart/2018/2/layout/IconVerticalSolidList"/>
+    <dgm:cxn modelId="{88EACF2E-BD18-458B-A964-C9F3717DB104}" type="presParOf" srcId="{9416AC0F-318E-4B95-AF8F-BCB122157989}" destId="{B93C29F1-0179-49C3-8340-3B12462A44D8}" srcOrd="1" destOrd="0" presId="urn:microsoft.com/office/officeart/2018/2/layout/IconVerticalSolidList"/>
+    <dgm:cxn modelId="{A9BE8EB1-B14A-4FED-9376-D1A3CCC5CE76}" type="presParOf" srcId="{9416AC0F-318E-4B95-AF8F-BCB122157989}" destId="{D4E8F1D5-44A9-4B80-879A-F44BB334A177}" srcOrd="2" destOrd="0" presId="urn:microsoft.com/office/officeart/2018/2/layout/IconVerticalSolidList"/>
+    <dgm:cxn modelId="{BA911E15-E7D6-48A2-85E7-42F494C90FC4}" type="presParOf" srcId="{9416AC0F-318E-4B95-AF8F-BCB122157989}" destId="{18C4619D-0C8A-4938-96E9-49C66092A2F4}" srcOrd="3" destOrd="0" presId="urn:microsoft.com/office/officeart/2018/2/layout/IconVerticalSolidList"/>
+    <dgm:cxn modelId="{AA3AA264-4EBF-4FB4-8E20-C579D2ABF914}" type="presParOf" srcId="{9416AC0F-318E-4B95-AF8F-BCB122157989}" destId="{4616B0FE-5885-40D6-9148-F2B81C310587}" srcOrd="4" destOrd="0" presId="urn:microsoft.com/office/officeart/2018/2/layout/IconVerticalSolidList"/>
+  </dgm:cxnLst>
+  <dgm:bg/>
+  <dgm:whole/>
+  <dgm:extLst>
+    <a:ext uri="http://schemas.microsoft.com/office/drawing/2008/diagram">
+      <dsp:dataModelExt xmlns:dsp="http://schemas.microsoft.com/office/drawing/2008/diagram" relId="rId7" minVer="http://schemas.openxmlformats.org/drawingml/2006/diagram"/>
     </a:ext>
   </dgm:extLst>
 </dgm:dataModel>
@@ -2914,6 +4594,1065 @@
 </dsp:drawing>
 </file>
 
+<file path=ppt/diagrams/drawing3.xml><?xml version="1.0" encoding="utf-8"?>
+<dsp:drawing xmlns:dgm="http://schemas.openxmlformats.org/drawingml/2006/diagram" xmlns:dsp="http://schemas.microsoft.com/office/drawing/2008/diagram" xmlns:a="http://schemas.openxmlformats.org/drawingml/2006/main">
+  <dsp:spTree>
+    <dsp:nvGrpSpPr>
+      <dsp:cNvPr id="0" name=""/>
+      <dsp:cNvGrpSpPr/>
+    </dsp:nvGrpSpPr>
+    <dsp:grpSpPr/>
+    <dsp:sp modelId="{E7D2A098-62CC-490F-8346-53F3076981D3}">
+      <dsp:nvSpPr>
+        <dsp:cNvPr id="0" name=""/>
+        <dsp:cNvSpPr/>
+      </dsp:nvSpPr>
+      <dsp:spPr>
+        <a:xfrm>
+          <a:off x="0" y="0"/>
+          <a:ext cx="7164385" cy="840588"/>
+        </a:xfrm>
+        <a:prstGeom prst="roundRect">
+          <a:avLst>
+            <a:gd name="adj" fmla="val 10000"/>
+          </a:avLst>
+        </a:prstGeom>
+        <a:solidFill>
+          <a:schemeClr val="bg1">
+            <a:lumMod val="95000"/>
+            <a:hueOff val="0"/>
+            <a:satOff val="0"/>
+            <a:lumOff val="0"/>
+            <a:alphaOff val="0"/>
+          </a:schemeClr>
+        </a:solidFill>
+        <a:ln>
+          <a:noFill/>
+        </a:ln>
+        <a:effectLst/>
+      </dsp:spPr>
+      <dsp:style>
+        <a:lnRef idx="0">
+          <a:scrgbClr r="0" g="0" b="0"/>
+        </a:lnRef>
+        <a:fillRef idx="1">
+          <a:scrgbClr r="0" g="0" b="0"/>
+        </a:fillRef>
+        <a:effectRef idx="0">
+          <a:scrgbClr r="0" g="0" b="0"/>
+        </a:effectRef>
+        <a:fontRef idx="minor"/>
+      </dsp:style>
+    </dsp:sp>
+    <dsp:sp modelId="{44B02095-B674-4B9F-85EB-BDBA8CEDEB94}">
+      <dsp:nvSpPr>
+        <dsp:cNvPr id="0" name=""/>
+        <dsp:cNvSpPr/>
+      </dsp:nvSpPr>
+      <dsp:spPr>
+        <a:xfrm>
+          <a:off x="131091" y="69895"/>
+          <a:ext cx="708696" cy="708691"/>
+        </a:xfrm>
+        <a:prstGeom prst="rect">
+          <a:avLst/>
+        </a:prstGeom>
+        <a:blipFill rotWithShape="1">
+          <a:blip xmlns:r="http://schemas.openxmlformats.org/officeDocument/2006/relationships" r:embed="rId1">
+            <a:extLst>
+              <a:ext uri="{28A0092B-C50C-407E-A947-70E740481C1C}">
+                <a14:useLocalDpi xmlns:a14="http://schemas.microsoft.com/office/drawing/2010/main" val="0"/>
+              </a:ext>
+            </a:extLst>
+          </a:blip>
+          <a:srcRect/>
+          <a:stretch>
+            <a:fillRect l="-38000" r="-38000"/>
+          </a:stretch>
+        </a:blipFill>
+        <a:ln w="15875" cap="flat" cmpd="sng" algn="ctr">
+          <a:noFill/>
+          <a:prstDash val="solid"/>
+        </a:ln>
+        <a:effectLst/>
+      </dsp:spPr>
+      <dsp:style>
+        <a:lnRef idx="2">
+          <a:scrgbClr r="0" g="0" b="0"/>
+        </a:lnRef>
+        <a:fillRef idx="1">
+          <a:scrgbClr r="0" g="0" b="0"/>
+        </a:fillRef>
+        <a:effectRef idx="0">
+          <a:scrgbClr r="0" g="0" b="0"/>
+        </a:effectRef>
+        <a:fontRef idx="minor">
+          <a:schemeClr val="lt1"/>
+        </a:fontRef>
+      </dsp:style>
+    </dsp:sp>
+    <dsp:sp modelId="{5C5C40E2-0202-4D79-8847-0C5405789002}">
+      <dsp:nvSpPr>
+        <dsp:cNvPr id="0" name=""/>
+        <dsp:cNvSpPr/>
+      </dsp:nvSpPr>
+      <dsp:spPr>
+        <a:xfrm>
+          <a:off x="970879" y="3946"/>
+          <a:ext cx="3223973" cy="840588"/>
+        </a:xfrm>
+        <a:prstGeom prst="rect">
+          <a:avLst/>
+        </a:prstGeom>
+        <a:noFill/>
+        <a:ln>
+          <a:noFill/>
+        </a:ln>
+        <a:effectLst/>
+      </dsp:spPr>
+      <dsp:style>
+        <a:lnRef idx="0">
+          <a:scrgbClr r="0" g="0" b="0"/>
+        </a:lnRef>
+        <a:fillRef idx="0">
+          <a:scrgbClr r="0" g="0" b="0"/>
+        </a:fillRef>
+        <a:effectRef idx="0">
+          <a:scrgbClr r="0" g="0" b="0"/>
+        </a:effectRef>
+        <a:fontRef idx="minor"/>
+      </dsp:style>
+      <dsp:txBody>
+        <a:bodyPr spcFirstLastPara="0" vert="horz" wrap="square" lIns="88962" tIns="88962" rIns="88962" bIns="88962" numCol="1" spcCol="1270" anchor="ctr" anchorCtr="0">
+          <a:noAutofit/>
+        </a:bodyPr>
+        <a:lstStyle/>
+        <a:p>
+          <a:pPr marL="0" lvl="0" indent="0" algn="l" defTabSz="844550">
+            <a:lnSpc>
+              <a:spcPct val="100000"/>
+            </a:lnSpc>
+            <a:spcBef>
+              <a:spcPct val="0"/>
+            </a:spcBef>
+            <a:spcAft>
+              <a:spcPct val="35000"/>
+            </a:spcAft>
+            <a:buNone/>
+          </a:pPr>
+          <a:r>
+            <a:rPr lang="it-IT" sz="1900" b="0" i="0" kern="1200" dirty="0"/>
+            <a:t>Acquisition</a:t>
+          </a:r>
+          <a:endParaRPr lang="it-IT" sz="1900" kern="1200" dirty="0"/>
+        </a:p>
+      </dsp:txBody>
+      <dsp:txXfrm>
+        <a:off x="970879" y="3946"/>
+        <a:ext cx="3223973" cy="840588"/>
+      </dsp:txXfrm>
+    </dsp:sp>
+    <dsp:sp modelId="{32831736-E5EF-43B7-AFB7-1842341374BE}">
+      <dsp:nvSpPr>
+        <dsp:cNvPr id="0" name=""/>
+        <dsp:cNvSpPr/>
+      </dsp:nvSpPr>
+      <dsp:spPr>
+        <a:xfrm>
+          <a:off x="4194853" y="3946"/>
+          <a:ext cx="2969531" cy="840588"/>
+        </a:xfrm>
+        <a:prstGeom prst="rect">
+          <a:avLst/>
+        </a:prstGeom>
+        <a:noFill/>
+        <a:ln>
+          <a:noFill/>
+        </a:ln>
+        <a:effectLst/>
+      </dsp:spPr>
+      <dsp:style>
+        <a:lnRef idx="0">
+          <a:scrgbClr r="0" g="0" b="0"/>
+        </a:lnRef>
+        <a:fillRef idx="0">
+          <a:scrgbClr r="0" g="0" b="0"/>
+        </a:fillRef>
+        <a:effectRef idx="0">
+          <a:scrgbClr r="0" g="0" b="0"/>
+        </a:effectRef>
+        <a:fontRef idx="minor"/>
+      </dsp:style>
+      <dsp:txBody>
+        <a:bodyPr spcFirstLastPara="0" vert="horz" wrap="square" lIns="88962" tIns="88962" rIns="88962" bIns="88962" numCol="1" spcCol="1270" anchor="ctr" anchorCtr="0">
+          <a:noAutofit/>
+        </a:bodyPr>
+        <a:lstStyle/>
+        <a:p>
+          <a:pPr marL="0" lvl="0" indent="0" algn="l" defTabSz="533400">
+            <a:lnSpc>
+              <a:spcPct val="100000"/>
+            </a:lnSpc>
+            <a:spcBef>
+              <a:spcPct val="0"/>
+            </a:spcBef>
+            <a:spcAft>
+              <a:spcPct val="35000"/>
+            </a:spcAft>
+            <a:buNone/>
+          </a:pPr>
+          <a:r>
+            <a:rPr lang="it-IT" sz="1200" kern="1200" dirty="0"/>
+            <a:t>The Weart TouchDIVER G1 haptic </a:t>
+          </a:r>
+          <a:r>
+            <a:rPr lang="it-IT" sz="1200" kern="1200" dirty="0" err="1"/>
+            <a:t>glove</a:t>
+          </a:r>
+          <a:r>
+            <a:rPr lang="it-IT" sz="1200" kern="1200" dirty="0"/>
+            <a:t> </a:t>
+          </a:r>
+          <a:r>
+            <a:rPr lang="it-IT" sz="1200" kern="1200" dirty="0" err="1"/>
+            <a:t>captures</a:t>
+          </a:r>
+          <a:r>
+            <a:rPr lang="it-IT" sz="1200" kern="1200" dirty="0"/>
+            <a:t> </a:t>
+          </a:r>
+          <a:r>
+            <a:rPr lang="it-IT" sz="1200" kern="1200" dirty="0" err="1"/>
+            <a:t>sensor</a:t>
+          </a:r>
+          <a:r>
+            <a:rPr lang="it-IT" sz="1200" kern="1200" dirty="0"/>
+            <a:t> data.</a:t>
+          </a:r>
+        </a:p>
+      </dsp:txBody>
+      <dsp:txXfrm>
+        <a:off x="4194853" y="3946"/>
+        <a:ext cx="2969531" cy="840588"/>
+      </dsp:txXfrm>
+    </dsp:sp>
+    <dsp:sp modelId="{34BAAD51-921F-4790-A41C-A6BAA2D0844B}">
+      <dsp:nvSpPr>
+        <dsp:cNvPr id="0" name=""/>
+        <dsp:cNvSpPr/>
+      </dsp:nvSpPr>
+      <dsp:spPr>
+        <a:xfrm>
+          <a:off x="0" y="1054682"/>
+          <a:ext cx="7164385" cy="840588"/>
+        </a:xfrm>
+        <a:prstGeom prst="roundRect">
+          <a:avLst>
+            <a:gd name="adj" fmla="val 10000"/>
+          </a:avLst>
+        </a:prstGeom>
+        <a:solidFill>
+          <a:schemeClr val="bg1">
+            <a:lumMod val="95000"/>
+            <a:hueOff val="0"/>
+            <a:satOff val="0"/>
+            <a:lumOff val="0"/>
+            <a:alphaOff val="0"/>
+          </a:schemeClr>
+        </a:solidFill>
+        <a:ln>
+          <a:noFill/>
+        </a:ln>
+        <a:effectLst/>
+      </dsp:spPr>
+      <dsp:style>
+        <a:lnRef idx="0">
+          <a:scrgbClr r="0" g="0" b="0"/>
+        </a:lnRef>
+        <a:fillRef idx="1">
+          <a:scrgbClr r="0" g="0" b="0"/>
+        </a:fillRef>
+        <a:effectRef idx="0">
+          <a:scrgbClr r="0" g="0" b="0"/>
+        </a:effectRef>
+        <a:fontRef idx="minor"/>
+      </dsp:style>
+    </dsp:sp>
+    <dsp:sp modelId="{940A6F0E-7920-429A-8B0E-F8769C6355CF}">
+      <dsp:nvSpPr>
+        <dsp:cNvPr id="0" name=""/>
+        <dsp:cNvSpPr/>
+      </dsp:nvSpPr>
+      <dsp:spPr>
+        <a:xfrm>
+          <a:off x="131091" y="1120630"/>
+          <a:ext cx="708696" cy="708691"/>
+        </a:xfrm>
+        <a:prstGeom prst="rect">
+          <a:avLst/>
+        </a:prstGeom>
+        <a:blipFill rotWithShape="1">
+          <a:blip xmlns:r="http://schemas.openxmlformats.org/officeDocument/2006/relationships" r:embed="rId2"/>
+          <a:srcRect/>
+          <a:stretch>
+            <a:fillRect/>
+          </a:stretch>
+        </a:blipFill>
+        <a:ln w="15875" cap="flat" cmpd="sng" algn="ctr">
+          <a:noFill/>
+          <a:prstDash val="solid"/>
+        </a:ln>
+        <a:effectLst/>
+      </dsp:spPr>
+      <dsp:style>
+        <a:lnRef idx="2">
+          <a:scrgbClr r="0" g="0" b="0"/>
+        </a:lnRef>
+        <a:fillRef idx="1">
+          <a:scrgbClr r="0" g="0" b="0"/>
+        </a:fillRef>
+        <a:effectRef idx="0">
+          <a:scrgbClr r="0" g="0" b="0"/>
+        </a:effectRef>
+        <a:fontRef idx="minor">
+          <a:schemeClr val="lt1"/>
+        </a:fontRef>
+      </dsp:style>
+    </dsp:sp>
+    <dsp:sp modelId="{BC1E8947-7336-497F-8B84-384F7F837BDD}">
+      <dsp:nvSpPr>
+        <dsp:cNvPr id="0" name=""/>
+        <dsp:cNvSpPr/>
+      </dsp:nvSpPr>
+      <dsp:spPr>
+        <a:xfrm>
+          <a:off x="970879" y="1054682"/>
+          <a:ext cx="3223973" cy="840588"/>
+        </a:xfrm>
+        <a:prstGeom prst="rect">
+          <a:avLst/>
+        </a:prstGeom>
+        <a:noFill/>
+        <a:ln>
+          <a:noFill/>
+        </a:ln>
+        <a:effectLst/>
+      </dsp:spPr>
+      <dsp:style>
+        <a:lnRef idx="0">
+          <a:scrgbClr r="0" g="0" b="0"/>
+        </a:lnRef>
+        <a:fillRef idx="0">
+          <a:scrgbClr r="0" g="0" b="0"/>
+        </a:fillRef>
+        <a:effectRef idx="0">
+          <a:scrgbClr r="0" g="0" b="0"/>
+        </a:effectRef>
+        <a:fontRef idx="minor"/>
+      </dsp:style>
+      <dsp:txBody>
+        <a:bodyPr spcFirstLastPara="0" vert="horz" wrap="square" lIns="88962" tIns="88962" rIns="88962" bIns="88962" numCol="1" spcCol="1270" anchor="ctr" anchorCtr="0">
+          <a:noAutofit/>
+        </a:bodyPr>
+        <a:lstStyle/>
+        <a:p>
+          <a:pPr marL="0" lvl="0" indent="0" algn="l" defTabSz="844550">
+            <a:lnSpc>
+              <a:spcPct val="100000"/>
+            </a:lnSpc>
+            <a:spcBef>
+              <a:spcPct val="0"/>
+            </a:spcBef>
+            <a:spcAft>
+              <a:spcPct val="35000"/>
+            </a:spcAft>
+            <a:buNone/>
+          </a:pPr>
+          <a:r>
+            <a:rPr lang="it-IT" sz="1900" kern="1200"/>
+            <a:t>Reconstruction</a:t>
+          </a:r>
+        </a:p>
+      </dsp:txBody>
+      <dsp:txXfrm>
+        <a:off x="970879" y="1054682"/>
+        <a:ext cx="3223973" cy="840588"/>
+      </dsp:txXfrm>
+    </dsp:sp>
+    <dsp:sp modelId="{CC864E5B-C799-40AC-8AB1-3C241759644F}">
+      <dsp:nvSpPr>
+        <dsp:cNvPr id="0" name=""/>
+        <dsp:cNvSpPr/>
+      </dsp:nvSpPr>
+      <dsp:spPr>
+        <a:xfrm>
+          <a:off x="4194853" y="1054682"/>
+          <a:ext cx="2969531" cy="840588"/>
+        </a:xfrm>
+        <a:prstGeom prst="rect">
+          <a:avLst/>
+        </a:prstGeom>
+        <a:noFill/>
+        <a:ln>
+          <a:noFill/>
+        </a:ln>
+        <a:effectLst/>
+      </dsp:spPr>
+      <dsp:style>
+        <a:lnRef idx="0">
+          <a:scrgbClr r="0" g="0" b="0"/>
+        </a:lnRef>
+        <a:fillRef idx="0">
+          <a:scrgbClr r="0" g="0" b="0"/>
+        </a:fillRef>
+        <a:effectRef idx="0">
+          <a:scrgbClr r="0" g="0" b="0"/>
+        </a:effectRef>
+        <a:fontRef idx="minor"/>
+      </dsp:style>
+      <dsp:txBody>
+        <a:bodyPr spcFirstLastPara="0" vert="horz" wrap="square" lIns="88962" tIns="88962" rIns="88962" bIns="88962" numCol="1" spcCol="1270" anchor="ctr" anchorCtr="0">
+          <a:noAutofit/>
+        </a:bodyPr>
+        <a:lstStyle/>
+        <a:p>
+          <a:pPr marL="0" lvl="0" indent="0" algn="l" defTabSz="533400">
+            <a:lnSpc>
+              <a:spcPct val="100000"/>
+            </a:lnSpc>
+            <a:spcBef>
+              <a:spcPct val="0"/>
+            </a:spcBef>
+            <a:spcAft>
+              <a:spcPct val="35000"/>
+            </a:spcAft>
+            <a:buNone/>
+          </a:pPr>
+          <a:r>
+            <a:rPr lang="it-IT" sz="1200" kern="1200"/>
+            <a:t>The server processes the glove inputs using a neural network to reconstruct the full pose of the virtual human hand in Unity.</a:t>
+          </a:r>
+        </a:p>
+      </dsp:txBody>
+      <dsp:txXfrm>
+        <a:off x="4194853" y="1054682"/>
+        <a:ext cx="2969531" cy="840588"/>
+      </dsp:txXfrm>
+    </dsp:sp>
+    <dsp:sp modelId="{C108FE40-76F9-4BF2-AB1C-FACB80F87859}">
+      <dsp:nvSpPr>
+        <dsp:cNvPr id="0" name=""/>
+        <dsp:cNvSpPr/>
+      </dsp:nvSpPr>
+      <dsp:spPr>
+        <a:xfrm>
+          <a:off x="0" y="2105418"/>
+          <a:ext cx="7164385" cy="840588"/>
+        </a:xfrm>
+        <a:prstGeom prst="roundRect">
+          <a:avLst>
+            <a:gd name="adj" fmla="val 10000"/>
+          </a:avLst>
+        </a:prstGeom>
+        <a:solidFill>
+          <a:schemeClr val="bg1">
+            <a:lumMod val="95000"/>
+            <a:hueOff val="0"/>
+            <a:satOff val="0"/>
+            <a:lumOff val="0"/>
+            <a:alphaOff val="0"/>
+          </a:schemeClr>
+        </a:solidFill>
+        <a:ln>
+          <a:noFill/>
+        </a:ln>
+        <a:effectLst/>
+      </dsp:spPr>
+      <dsp:style>
+        <a:lnRef idx="0">
+          <a:scrgbClr r="0" g="0" b="0"/>
+        </a:lnRef>
+        <a:fillRef idx="1">
+          <a:scrgbClr r="0" g="0" b="0"/>
+        </a:fillRef>
+        <a:effectRef idx="0">
+          <a:scrgbClr r="0" g="0" b="0"/>
+        </a:effectRef>
+        <a:fontRef idx="minor"/>
+      </dsp:style>
+    </dsp:sp>
+    <dsp:sp modelId="{87114B76-89C3-4FE6-B7F6-94E67914B0FA}">
+      <dsp:nvSpPr>
+        <dsp:cNvPr id="0" name=""/>
+        <dsp:cNvSpPr/>
+      </dsp:nvSpPr>
+      <dsp:spPr>
+        <a:xfrm>
+          <a:off x="131091" y="2171366"/>
+          <a:ext cx="708696" cy="708691"/>
+        </a:xfrm>
+        <a:prstGeom prst="rect">
+          <a:avLst/>
+        </a:prstGeom>
+        <a:blipFill rotWithShape="1">
+          <a:blip xmlns:r="http://schemas.openxmlformats.org/officeDocument/2006/relationships" r:embed="rId3"/>
+          <a:srcRect/>
+          <a:stretch>
+            <a:fillRect/>
+          </a:stretch>
+        </a:blipFill>
+        <a:ln w="15875" cap="flat" cmpd="sng" algn="ctr">
+          <a:noFill/>
+          <a:prstDash val="solid"/>
+        </a:ln>
+        <a:effectLst/>
+      </dsp:spPr>
+      <dsp:style>
+        <a:lnRef idx="2">
+          <a:scrgbClr r="0" g="0" b="0"/>
+        </a:lnRef>
+        <a:fillRef idx="1">
+          <a:scrgbClr r="0" g="0" b="0"/>
+        </a:fillRef>
+        <a:effectRef idx="0">
+          <a:scrgbClr r="0" g="0" b="0"/>
+        </a:effectRef>
+        <a:fontRef idx="minor">
+          <a:schemeClr val="lt1"/>
+        </a:fontRef>
+      </dsp:style>
+    </dsp:sp>
+    <dsp:sp modelId="{F8F9F0E4-E32A-4F10-9466-E2D852D74783}">
+      <dsp:nvSpPr>
+        <dsp:cNvPr id="0" name=""/>
+        <dsp:cNvSpPr/>
+      </dsp:nvSpPr>
+      <dsp:spPr>
+        <a:xfrm>
+          <a:off x="970879" y="2105418"/>
+          <a:ext cx="3223973" cy="840588"/>
+        </a:xfrm>
+        <a:prstGeom prst="rect">
+          <a:avLst/>
+        </a:prstGeom>
+        <a:noFill/>
+        <a:ln>
+          <a:noFill/>
+        </a:ln>
+        <a:effectLst/>
+      </dsp:spPr>
+      <dsp:style>
+        <a:lnRef idx="0">
+          <a:scrgbClr r="0" g="0" b="0"/>
+        </a:lnRef>
+        <a:fillRef idx="0">
+          <a:scrgbClr r="0" g="0" b="0"/>
+        </a:fillRef>
+        <a:effectRef idx="0">
+          <a:scrgbClr r="0" g="0" b="0"/>
+        </a:effectRef>
+        <a:fontRef idx="minor"/>
+      </dsp:style>
+      <dsp:txBody>
+        <a:bodyPr spcFirstLastPara="0" vert="horz" wrap="square" lIns="88962" tIns="88962" rIns="88962" bIns="88962" numCol="1" spcCol="1270" anchor="ctr" anchorCtr="0">
+          <a:noAutofit/>
+        </a:bodyPr>
+        <a:lstStyle/>
+        <a:p>
+          <a:pPr marL="0" lvl="0" indent="0" algn="l" defTabSz="844550">
+            <a:lnSpc>
+              <a:spcPct val="100000"/>
+            </a:lnSpc>
+            <a:spcBef>
+              <a:spcPct val="0"/>
+            </a:spcBef>
+            <a:spcAft>
+              <a:spcPct val="35000"/>
+            </a:spcAft>
+            <a:buNone/>
+          </a:pPr>
+          <a:r>
+            <a:rPr lang="it-IT" sz="1900" kern="1200"/>
+            <a:t>Transmission</a:t>
+          </a:r>
+        </a:p>
+      </dsp:txBody>
+      <dsp:txXfrm>
+        <a:off x="970879" y="2105418"/>
+        <a:ext cx="3223973" cy="840588"/>
+      </dsp:txXfrm>
+    </dsp:sp>
+    <dsp:sp modelId="{46A4770D-BB94-4EA0-B0D7-B77544DE37AD}">
+      <dsp:nvSpPr>
+        <dsp:cNvPr id="0" name=""/>
+        <dsp:cNvSpPr/>
+      </dsp:nvSpPr>
+      <dsp:spPr>
+        <a:xfrm>
+          <a:off x="4194853" y="2105418"/>
+          <a:ext cx="2969531" cy="840588"/>
+        </a:xfrm>
+        <a:prstGeom prst="rect">
+          <a:avLst/>
+        </a:prstGeom>
+        <a:noFill/>
+        <a:ln>
+          <a:noFill/>
+        </a:ln>
+        <a:effectLst/>
+      </dsp:spPr>
+      <dsp:style>
+        <a:lnRef idx="0">
+          <a:scrgbClr r="0" g="0" b="0"/>
+        </a:lnRef>
+        <a:fillRef idx="0">
+          <a:scrgbClr r="0" g="0" b="0"/>
+        </a:fillRef>
+        <a:effectRef idx="0">
+          <a:scrgbClr r="0" g="0" b="0"/>
+        </a:effectRef>
+        <a:fontRef idx="minor"/>
+      </dsp:style>
+      <dsp:txBody>
+        <a:bodyPr spcFirstLastPara="0" vert="horz" wrap="square" lIns="88962" tIns="88962" rIns="88962" bIns="88962" numCol="1" spcCol="1270" anchor="ctr" anchorCtr="0">
+          <a:noAutofit/>
+        </a:bodyPr>
+        <a:lstStyle/>
+        <a:p>
+          <a:pPr marL="0" lvl="0" indent="0" algn="l" defTabSz="533400">
+            <a:lnSpc>
+              <a:spcPct val="100000"/>
+            </a:lnSpc>
+            <a:spcBef>
+              <a:spcPct val="0"/>
+            </a:spcBef>
+            <a:spcAft>
+              <a:spcPct val="35000"/>
+            </a:spcAft>
+            <a:buNone/>
+          </a:pPr>
+          <a:r>
+            <a:rPr lang="it-IT" sz="1200" kern="1200"/>
+            <a:t>The reconstructed joint angles are sent to the Unity simulation in realt-time.</a:t>
+          </a:r>
+        </a:p>
+      </dsp:txBody>
+      <dsp:txXfrm>
+        <a:off x="4194853" y="2105418"/>
+        <a:ext cx="2969531" cy="840588"/>
+      </dsp:txXfrm>
+    </dsp:sp>
+    <dsp:sp modelId="{C7D5F85B-5E96-40BD-96E9-EB847C699A66}">
+      <dsp:nvSpPr>
+        <dsp:cNvPr id="0" name=""/>
+        <dsp:cNvSpPr/>
+      </dsp:nvSpPr>
+      <dsp:spPr>
+        <a:xfrm>
+          <a:off x="0" y="3156154"/>
+          <a:ext cx="7164385" cy="840588"/>
+        </a:xfrm>
+        <a:prstGeom prst="roundRect">
+          <a:avLst>
+            <a:gd name="adj" fmla="val 10000"/>
+          </a:avLst>
+        </a:prstGeom>
+        <a:solidFill>
+          <a:schemeClr val="bg1">
+            <a:lumMod val="95000"/>
+            <a:hueOff val="0"/>
+            <a:satOff val="0"/>
+            <a:lumOff val="0"/>
+            <a:alphaOff val="0"/>
+          </a:schemeClr>
+        </a:solidFill>
+        <a:ln>
+          <a:noFill/>
+        </a:ln>
+        <a:effectLst/>
+      </dsp:spPr>
+      <dsp:style>
+        <a:lnRef idx="0">
+          <a:scrgbClr r="0" g="0" b="0"/>
+        </a:lnRef>
+        <a:fillRef idx="1">
+          <a:scrgbClr r="0" g="0" b="0"/>
+        </a:fillRef>
+        <a:effectRef idx="0">
+          <a:scrgbClr r="0" g="0" b="0"/>
+        </a:effectRef>
+        <a:fontRef idx="minor"/>
+      </dsp:style>
+    </dsp:sp>
+    <dsp:sp modelId="{876FDBE4-50EF-4EE3-969F-D72439DA941F}">
+      <dsp:nvSpPr>
+        <dsp:cNvPr id="0" name=""/>
+        <dsp:cNvSpPr/>
+      </dsp:nvSpPr>
+      <dsp:spPr>
+        <a:xfrm>
+          <a:off x="131091" y="3222102"/>
+          <a:ext cx="708696" cy="708691"/>
+        </a:xfrm>
+        <a:prstGeom prst="rect">
+          <a:avLst/>
+        </a:prstGeom>
+        <a:blipFill rotWithShape="1">
+          <a:blip xmlns:r="http://schemas.openxmlformats.org/officeDocument/2006/relationships" r:embed="rId4"/>
+          <a:srcRect/>
+          <a:stretch>
+            <a:fillRect l="-6000" r="-6000"/>
+          </a:stretch>
+        </a:blipFill>
+        <a:ln w="15875" cap="flat" cmpd="sng" algn="ctr">
+          <a:noFill/>
+          <a:prstDash val="solid"/>
+        </a:ln>
+        <a:effectLst/>
+      </dsp:spPr>
+      <dsp:style>
+        <a:lnRef idx="2">
+          <a:scrgbClr r="0" g="0" b="0"/>
+        </a:lnRef>
+        <a:fillRef idx="1">
+          <a:scrgbClr r="0" g="0" b="0"/>
+        </a:fillRef>
+        <a:effectRef idx="0">
+          <a:scrgbClr r="0" g="0" b="0"/>
+        </a:effectRef>
+        <a:fontRef idx="minor">
+          <a:schemeClr val="lt1"/>
+        </a:fontRef>
+      </dsp:style>
+    </dsp:sp>
+    <dsp:sp modelId="{0590E409-760D-4FF5-B21B-818D7185E04F}">
+      <dsp:nvSpPr>
+        <dsp:cNvPr id="0" name=""/>
+        <dsp:cNvSpPr/>
+      </dsp:nvSpPr>
+      <dsp:spPr>
+        <a:xfrm>
+          <a:off x="970879" y="3156154"/>
+          <a:ext cx="3223973" cy="840588"/>
+        </a:xfrm>
+        <a:prstGeom prst="rect">
+          <a:avLst/>
+        </a:prstGeom>
+        <a:noFill/>
+        <a:ln>
+          <a:noFill/>
+        </a:ln>
+        <a:effectLst/>
+      </dsp:spPr>
+      <dsp:style>
+        <a:lnRef idx="0">
+          <a:scrgbClr r="0" g="0" b="0"/>
+        </a:lnRef>
+        <a:fillRef idx="0">
+          <a:scrgbClr r="0" g="0" b="0"/>
+        </a:fillRef>
+        <a:effectRef idx="0">
+          <a:scrgbClr r="0" g="0" b="0"/>
+        </a:effectRef>
+        <a:fontRef idx="minor"/>
+      </dsp:style>
+      <dsp:txBody>
+        <a:bodyPr spcFirstLastPara="0" vert="horz" wrap="square" lIns="88962" tIns="88962" rIns="88962" bIns="88962" numCol="1" spcCol="1270" anchor="ctr" anchorCtr="0">
+          <a:noAutofit/>
+        </a:bodyPr>
+        <a:lstStyle/>
+        <a:p>
+          <a:pPr marL="0" lvl="0" indent="0" algn="l" defTabSz="844550">
+            <a:lnSpc>
+              <a:spcPct val="100000"/>
+            </a:lnSpc>
+            <a:spcBef>
+              <a:spcPct val="0"/>
+            </a:spcBef>
+            <a:spcAft>
+              <a:spcPct val="35000"/>
+            </a:spcAft>
+            <a:buNone/>
+          </a:pPr>
+          <a:r>
+            <a:rPr lang="it-IT" sz="1900" kern="1200"/>
+            <a:t>Retargeting</a:t>
+          </a:r>
+        </a:p>
+      </dsp:txBody>
+      <dsp:txXfrm>
+        <a:off x="970879" y="3156154"/>
+        <a:ext cx="3223973" cy="840588"/>
+      </dsp:txXfrm>
+    </dsp:sp>
+    <dsp:sp modelId="{D20EB7C9-F03C-45E5-95E1-14ADA12CF3BE}">
+      <dsp:nvSpPr>
+        <dsp:cNvPr id="0" name=""/>
+        <dsp:cNvSpPr/>
+      </dsp:nvSpPr>
+      <dsp:spPr>
+        <a:xfrm>
+          <a:off x="4194853" y="3156154"/>
+          <a:ext cx="2969531" cy="840588"/>
+        </a:xfrm>
+        <a:prstGeom prst="rect">
+          <a:avLst/>
+        </a:prstGeom>
+        <a:noFill/>
+        <a:ln>
+          <a:noFill/>
+        </a:ln>
+        <a:effectLst/>
+      </dsp:spPr>
+      <dsp:style>
+        <a:lnRef idx="0">
+          <a:scrgbClr r="0" g="0" b="0"/>
+        </a:lnRef>
+        <a:fillRef idx="0">
+          <a:scrgbClr r="0" g="0" b="0"/>
+        </a:fillRef>
+        <a:effectRef idx="0">
+          <a:scrgbClr r="0" g="0" b="0"/>
+        </a:effectRef>
+        <a:fontRef idx="minor"/>
+      </dsp:style>
+      <dsp:txBody>
+        <a:bodyPr spcFirstLastPara="0" vert="horz" wrap="square" lIns="88962" tIns="88962" rIns="88962" bIns="88962" numCol="1" spcCol="1270" anchor="ctr" anchorCtr="0">
+          <a:noAutofit/>
+        </a:bodyPr>
+        <a:lstStyle/>
+        <a:p>
+          <a:pPr marL="0" lvl="0" indent="0" algn="l" defTabSz="533400">
+            <a:lnSpc>
+              <a:spcPct val="100000"/>
+            </a:lnSpc>
+            <a:spcBef>
+              <a:spcPct val="0"/>
+            </a:spcBef>
+            <a:spcAft>
+              <a:spcPct val="35000"/>
+            </a:spcAft>
+            <a:buNone/>
+          </a:pPr>
+          <a:r>
+            <a:rPr lang="en-US" sz="1200" kern="1200"/>
+            <a:t>The Unity retargeting algorithm maps the virtual sphere deformation to the joint velocities of the target robotic hand.</a:t>
+          </a:r>
+          <a:endParaRPr lang="it-IT" sz="1200" kern="1200"/>
+        </a:p>
+      </dsp:txBody>
+      <dsp:txXfrm>
+        <a:off x="4194853" y="3156154"/>
+        <a:ext cx="2969531" cy="840588"/>
+      </dsp:txXfrm>
+    </dsp:sp>
+    <dsp:sp modelId="{BFB49C8E-37FB-4201-96B4-1240510281C2}">
+      <dsp:nvSpPr>
+        <dsp:cNvPr id="0" name=""/>
+        <dsp:cNvSpPr/>
+      </dsp:nvSpPr>
+      <dsp:spPr>
+        <a:xfrm>
+          <a:off x="0" y="4206889"/>
+          <a:ext cx="7164385" cy="840588"/>
+        </a:xfrm>
+        <a:prstGeom prst="roundRect">
+          <a:avLst>
+            <a:gd name="adj" fmla="val 10000"/>
+          </a:avLst>
+        </a:prstGeom>
+        <a:solidFill>
+          <a:schemeClr val="bg1">
+            <a:lumMod val="95000"/>
+            <a:hueOff val="0"/>
+            <a:satOff val="0"/>
+            <a:lumOff val="0"/>
+            <a:alphaOff val="0"/>
+          </a:schemeClr>
+        </a:solidFill>
+        <a:ln>
+          <a:noFill/>
+        </a:ln>
+        <a:effectLst/>
+      </dsp:spPr>
+      <dsp:style>
+        <a:lnRef idx="0">
+          <a:scrgbClr r="0" g="0" b="0"/>
+        </a:lnRef>
+        <a:fillRef idx="1">
+          <a:scrgbClr r="0" g="0" b="0"/>
+        </a:fillRef>
+        <a:effectRef idx="0">
+          <a:scrgbClr r="0" g="0" b="0"/>
+        </a:effectRef>
+        <a:fontRef idx="minor"/>
+      </dsp:style>
+    </dsp:sp>
+    <dsp:sp modelId="{B93C29F1-0179-49C3-8340-3B12462A44D8}">
+      <dsp:nvSpPr>
+        <dsp:cNvPr id="0" name=""/>
+        <dsp:cNvSpPr/>
+      </dsp:nvSpPr>
+      <dsp:spPr>
+        <a:xfrm>
+          <a:off x="131091" y="4272838"/>
+          <a:ext cx="708696" cy="708691"/>
+        </a:xfrm>
+        <a:prstGeom prst="rect">
+          <a:avLst/>
+        </a:prstGeom>
+        <a:blipFill rotWithShape="1">
+          <a:blip xmlns:r="http://schemas.openxmlformats.org/officeDocument/2006/relationships" r:embed="rId5"/>
+          <a:srcRect/>
+          <a:stretch>
+            <a:fillRect l="-9000" r="-9000"/>
+          </a:stretch>
+        </a:blipFill>
+        <a:ln w="15875" cap="flat" cmpd="sng" algn="ctr">
+          <a:noFill/>
+          <a:prstDash val="solid"/>
+        </a:ln>
+        <a:effectLst/>
+      </dsp:spPr>
+      <dsp:style>
+        <a:lnRef idx="2">
+          <a:scrgbClr r="0" g="0" b="0"/>
+        </a:lnRef>
+        <a:fillRef idx="1">
+          <a:scrgbClr r="0" g="0" b="0"/>
+        </a:fillRef>
+        <a:effectRef idx="0">
+          <a:scrgbClr r="0" g="0" b="0"/>
+        </a:effectRef>
+        <a:fontRef idx="minor">
+          <a:schemeClr val="lt1"/>
+        </a:fontRef>
+      </dsp:style>
+    </dsp:sp>
+    <dsp:sp modelId="{18C4619D-0C8A-4938-96E9-49C66092A2F4}">
+      <dsp:nvSpPr>
+        <dsp:cNvPr id="0" name=""/>
+        <dsp:cNvSpPr/>
+      </dsp:nvSpPr>
+      <dsp:spPr>
+        <a:xfrm>
+          <a:off x="970879" y="4206889"/>
+          <a:ext cx="3223973" cy="840588"/>
+        </a:xfrm>
+        <a:prstGeom prst="rect">
+          <a:avLst/>
+        </a:prstGeom>
+        <a:noFill/>
+        <a:ln>
+          <a:noFill/>
+        </a:ln>
+        <a:effectLst/>
+      </dsp:spPr>
+      <dsp:style>
+        <a:lnRef idx="0">
+          <a:scrgbClr r="0" g="0" b="0"/>
+        </a:lnRef>
+        <a:fillRef idx="0">
+          <a:scrgbClr r="0" g="0" b="0"/>
+        </a:fillRef>
+        <a:effectRef idx="0">
+          <a:scrgbClr r="0" g="0" b="0"/>
+        </a:effectRef>
+        <a:fontRef idx="minor"/>
+      </dsp:style>
+      <dsp:txBody>
+        <a:bodyPr spcFirstLastPara="0" vert="horz" wrap="square" lIns="88962" tIns="88962" rIns="88962" bIns="88962" numCol="1" spcCol="1270" anchor="ctr" anchorCtr="0">
+          <a:noAutofit/>
+        </a:bodyPr>
+        <a:lstStyle/>
+        <a:p>
+          <a:pPr marL="0" lvl="0" indent="0" algn="l" defTabSz="844550">
+            <a:lnSpc>
+              <a:spcPct val="100000"/>
+            </a:lnSpc>
+            <a:spcBef>
+              <a:spcPct val="0"/>
+            </a:spcBef>
+            <a:spcAft>
+              <a:spcPct val="35000"/>
+            </a:spcAft>
+            <a:buNone/>
+          </a:pPr>
+          <a:r>
+            <a:rPr lang="it-IT" sz="1900" kern="1200"/>
+            <a:t>Actuation</a:t>
+          </a:r>
+        </a:p>
+      </dsp:txBody>
+      <dsp:txXfrm>
+        <a:off x="970879" y="4206889"/>
+        <a:ext cx="3223973" cy="840588"/>
+      </dsp:txXfrm>
+    </dsp:sp>
+    <dsp:sp modelId="{4616B0FE-5885-40D6-9148-F2B81C310587}">
+      <dsp:nvSpPr>
+        <dsp:cNvPr id="0" name=""/>
+        <dsp:cNvSpPr/>
+      </dsp:nvSpPr>
+      <dsp:spPr>
+        <a:xfrm>
+          <a:off x="4194853" y="4206889"/>
+          <a:ext cx="2969531" cy="840588"/>
+        </a:xfrm>
+        <a:prstGeom prst="rect">
+          <a:avLst/>
+        </a:prstGeom>
+        <a:noFill/>
+        <a:ln>
+          <a:noFill/>
+        </a:ln>
+        <a:effectLst/>
+      </dsp:spPr>
+      <dsp:style>
+        <a:lnRef idx="0">
+          <a:scrgbClr r="0" g="0" b="0"/>
+        </a:lnRef>
+        <a:fillRef idx="0">
+          <a:scrgbClr r="0" g="0" b="0"/>
+        </a:fillRef>
+        <a:effectRef idx="0">
+          <a:scrgbClr r="0" g="0" b="0"/>
+        </a:effectRef>
+        <a:fontRef idx="minor"/>
+      </dsp:style>
+      <dsp:txBody>
+        <a:bodyPr spcFirstLastPara="0" vert="horz" wrap="square" lIns="88962" tIns="88962" rIns="88962" bIns="88962" numCol="1" spcCol="1270" anchor="ctr" anchorCtr="0">
+          <a:noAutofit/>
+        </a:bodyPr>
+        <a:lstStyle/>
+        <a:p>
+          <a:pPr marL="0" lvl="0" indent="0" algn="l" defTabSz="533400">
+            <a:lnSpc>
+              <a:spcPct val="100000"/>
+            </a:lnSpc>
+            <a:spcBef>
+              <a:spcPct val="0"/>
+            </a:spcBef>
+            <a:spcAft>
+              <a:spcPct val="35000"/>
+            </a:spcAft>
+            <a:buNone/>
+          </a:pPr>
+          <a:r>
+            <a:rPr lang="it-IT" sz="1200" kern="1200"/>
+            <a:t>The resulting joint velocities are integrated to update the visual pose of the robotic hand in the simulation.</a:t>
+          </a:r>
+        </a:p>
+      </dsp:txBody>
+      <dsp:txXfrm>
+        <a:off x="4194853" y="4206889"/>
+        <a:ext cx="2969531" cy="840588"/>
+      </dsp:txXfrm>
+    </dsp:sp>
+  </dsp:spTree>
+</dsp:drawing>
+</file>
+
 <file path=ppt/diagrams/layout1.xml><?xml version="1.0" encoding="utf-8"?>
 <dgm:layoutDef xmlns:dgm="http://schemas.openxmlformats.org/drawingml/2006/diagram" xmlns:a="http://schemas.openxmlformats.org/drawingml/2006/main" uniqueId="urn:microsoft.com/office/officeart/2008/layout/LinedList">
   <dgm:title val=""/>
@@ -3570,6 +6309,300 @@
 </dgm:layoutDef>
 </file>
 
+<file path=ppt/diagrams/layout3.xml><?xml version="1.0" encoding="utf-8"?>
+<dgm:layoutDef xmlns:dgm="http://schemas.openxmlformats.org/drawingml/2006/diagram" xmlns:a="http://schemas.openxmlformats.org/drawingml/2006/main" uniqueId="urn:microsoft.com/office/officeart/2018/2/layout/IconVerticalSolidList">
+  <dgm:title val="Icon Vertical Solid List"/>
+  <dgm:desc val="Use to show a series of visuals from top to bottom with Level 1 or Level 1 and Level 2 text grouped in a shape. Works best with icons or small pictures with lengthier descriptions."/>
+  <dgm:catLst>
+    <dgm:cat type="icon" pri="500"/>
+  </dgm:catLst>
+  <dgm:sampData useDef="1">
+    <dgm:dataModel>
+      <dgm:ptLst/>
+      <dgm:bg/>
+      <dgm:whole/>
+    </dgm:dataModel>
+  </dgm:sampData>
+  <dgm:styleData useDef="1">
+    <dgm:dataModel>
+      <dgm:ptLst/>
+      <dgm:bg/>
+      <dgm:whole/>
+    </dgm:dataModel>
+  </dgm:styleData>
+  <dgm:clrData useDef="1">
+    <dgm:dataModel>
+      <dgm:ptLst/>
+      <dgm:bg/>
+      <dgm:whole/>
+    </dgm:dataModel>
+  </dgm:clrData>
+  <dgm:layoutNode name="root">
+    <dgm:varLst>
+      <dgm:dir/>
+      <dgm:resizeHandles val="exact"/>
+    </dgm:varLst>
+    <dgm:choose name="Name0">
+      <dgm:if name="Name1" axis="self" func="var" arg="dir" op="equ" val="norm">
+        <dgm:alg type="lin">
+          <dgm:param type="linDir" val="fromT"/>
+          <dgm:param type="nodeHorzAlign" val="l"/>
+        </dgm:alg>
+      </dgm:if>
+      <dgm:else name="Name2">
+        <dgm:alg type="lin">
+          <dgm:param type="linDir" val="fromT"/>
+          <dgm:param type="nodeHorzAlign" val="r"/>
+        </dgm:alg>
+      </dgm:else>
+    </dgm:choose>
+    <dgm:shape xmlns:r="http://schemas.openxmlformats.org/officeDocument/2006/relationships" r:blip="">
+      <dgm:adjLst/>
+    </dgm:shape>
+    <dgm:presOf/>
+    <dgm:choose name="Name3">
+      <dgm:if name="Name4" axis="ch" ptType="node" func="cnt" op="lte" val="3">
+        <dgm:constrLst>
+          <dgm:constr type="h" for="ch" forName="compNode" refType="h" fact="0.3"/>
+          <dgm:constr type="w" for="ch" forName="compNode" refType="w"/>
+          <dgm:constr type="h" for="ch" forName="sibTrans" refType="h" refFor="ch" refForName="compNode" fact="0.25"/>
+          <dgm:constr type="primFontSz" for="des" forName="parTx" val="25"/>
+          <dgm:constr type="primFontSz" for="des" forName="desTx" refType="primFontSz" refFor="des" refForName="parTx" op="lte" fact="0.75"/>
+          <dgm:constr type="h" for="des" forName="compNode" op="equ"/>
+          <dgm:constr type="h" for="des" forName="bgRect" op="equ"/>
+          <dgm:constr type="h" for="des" forName="iconRect" op="equ"/>
+          <dgm:constr type="w" for="des" forName="iconRect" op="equ"/>
+          <dgm:constr type="h" for="des" forName="spaceRect" op="equ"/>
+          <dgm:constr type="h" for="des" forName="parTx" op="equ"/>
+          <dgm:constr type="h" for="des" forName="desTx" op="equ"/>
+        </dgm:constrLst>
+      </dgm:if>
+      <dgm:if name="Name5" axis="ch" ptType="node" func="cnt" op="lte" val="4">
+        <dgm:constrLst>
+          <dgm:constr type="h" for="ch" forName="compNode" refType="h" fact="0.3"/>
+          <dgm:constr type="w" for="ch" forName="compNode" refType="w"/>
+          <dgm:constr type="h" for="ch" forName="sibTrans" refType="h" refFor="ch" refForName="compNode" fact="0.25"/>
+          <dgm:constr type="primFontSz" for="des" forName="parTx" val="22"/>
+          <dgm:constr type="primFontSz" for="des" forName="desTx" refType="primFontSz" refFor="des" refForName="parTx" op="lte" fact="0.75"/>
+          <dgm:constr type="h" for="des" forName="compNode" op="equ"/>
+          <dgm:constr type="h" for="des" forName="bgRect" op="equ"/>
+          <dgm:constr type="h" for="des" forName="iconRect" op="equ"/>
+          <dgm:constr type="w" for="des" forName="iconRect" op="equ"/>
+          <dgm:constr type="h" for="des" forName="spaceRect" op="equ"/>
+          <dgm:constr type="h" for="des" forName="parTx" op="equ"/>
+          <dgm:constr type="h" for="des" forName="desTx" op="equ"/>
+        </dgm:constrLst>
+      </dgm:if>
+      <dgm:if name="Name6" axis="ch" ptType="node" func="cnt" op="lte" val="6">
+        <dgm:constrLst>
+          <dgm:constr type="h" for="ch" forName="compNode" refType="h" fact="0.3"/>
+          <dgm:constr type="w" for="ch" forName="compNode" refType="w"/>
+          <dgm:constr type="h" for="ch" forName="sibTrans" refType="h" refFor="ch" refForName="compNode" fact="0.25"/>
+          <dgm:constr type="primFontSz" for="des" forName="parTx" val="19"/>
+          <dgm:constr type="primFontSz" for="des" forName="desTx" refType="primFontSz" refFor="des" refForName="parTx" op="lte" fact="0.75"/>
+          <dgm:constr type="h" for="des" forName="compNode" op="equ"/>
+          <dgm:constr type="h" for="des" forName="bgRect" op="equ"/>
+          <dgm:constr type="h" for="des" forName="iconRect" op="equ"/>
+          <dgm:constr type="w" for="des" forName="iconRect" op="equ"/>
+          <dgm:constr type="h" for="des" forName="spaceRect" op="equ"/>
+          <dgm:constr type="h" for="des" forName="parTx" op="equ"/>
+          <dgm:constr type="h" for="des" forName="desTx" op="equ"/>
+        </dgm:constrLst>
+      </dgm:if>
+      <dgm:else name="Name7">
+        <dgm:constrLst>
+          <dgm:constr type="h" for="ch" forName="compNode" refType="h" fact="0.3"/>
+          <dgm:constr type="w" for="ch" forName="compNode" refType="w"/>
+          <dgm:constr type="h" for="ch" forName="sibTrans" refType="h" refFor="ch" refForName="compNode" fact="0.25"/>
+          <dgm:constr type="primFontSz" for="des" forName="parTx" val="16"/>
+          <dgm:constr type="primFontSz" for="des" forName="desTx" refType="primFontSz" refFor="des" refForName="parTx" op="lte" fact="0.75"/>
+          <dgm:constr type="h" for="des" forName="compNode" op="equ"/>
+          <dgm:constr type="h" for="des" forName="bgRect" op="equ"/>
+          <dgm:constr type="h" for="des" forName="iconRect" op="equ"/>
+          <dgm:constr type="w" for="des" forName="iconRect" op="equ"/>
+          <dgm:constr type="h" for="des" forName="spaceRect" op="equ"/>
+          <dgm:constr type="h" for="des" forName="parTx" op="equ"/>
+          <dgm:constr type="h" for="des" forName="desTx" op="equ"/>
+        </dgm:constrLst>
+      </dgm:else>
+    </dgm:choose>
+    <dgm:ruleLst>
+      <dgm:rule type="h" for="ch" forName="compNode" val="0" fact="NaN" max="NaN"/>
+    </dgm:ruleLst>
+    <dgm:forEach name="Name8" axis="ch" ptType="node">
+      <dgm:layoutNode name="compNode">
+        <dgm:alg type="composite"/>
+        <dgm:shape xmlns:r="http://schemas.openxmlformats.org/officeDocument/2006/relationships" r:blip="">
+          <dgm:adjLst/>
+        </dgm:shape>
+        <dgm:presOf axis="self"/>
+        <dgm:choose name="Name9">
+          <dgm:if name="Name10" axis="ch" ptType="node" func="cnt" op="gte" val="1">
+            <dgm:constrLst>
+              <dgm:constr type="w" for="ch" forName="bgRect" refType="w"/>
+              <dgm:constr type="h" for="ch" forName="bgRect" refType="h"/>
+              <dgm:constr type="l" for="ch" forName="bgRect"/>
+              <dgm:constr type="t" for="ch" forName="bgRect"/>
+              <dgm:constr type="h" for="ch" forName="iconRect" refType="h" fact="0.55"/>
+              <dgm:constr type="w" for="ch" forName="iconRect" refType="h" refFor="ch" refForName="iconRect"/>
+              <dgm:constr type="l" for="ch" forName="iconRect" refType="h" refFor="ch" refForName="iconRect" fact="0.55"/>
+              <dgm:constr type="ctrY" for="ch" forName="iconRect" refType="ctrY" refFor="ch" refForName="bgRect"/>
+              <dgm:constr type="w" for="ch" forName="spaceRect" refType="l" refFor="ch" refForName="iconRect"/>
+              <dgm:constr type="h" for="ch" forName="spaceRect" refType="h"/>
+              <dgm:constr type="l" for="ch" forName="spaceRect" refType="r" refFor="ch" refForName="iconRect"/>
+              <dgm:constr type="t" for="ch" forName="spaceRect"/>
+              <dgm:constr type="w" for="ch" forName="parTx" refType="w" fact="0.45"/>
+              <dgm:constr type="h" for="ch" forName="parTx" refType="h"/>
+              <dgm:constr type="l" for="ch" forName="parTx" refType="r" refFor="ch" refForName="spaceRect"/>
+              <dgm:constr type="t" for="ch" forName="parTx"/>
+              <dgm:constr type="h" for="ch" forName="desTx" refType="h"/>
+              <dgm:constr type="l" for="ch" forName="desTx" refType="r" refFor="ch" refForName="parTx"/>
+              <dgm:constr type="t" for="ch" forName="desTx"/>
+            </dgm:constrLst>
+          </dgm:if>
+          <dgm:else name="Name11">
+            <dgm:constrLst>
+              <dgm:constr type="w" for="ch" forName="bgRect" refType="w"/>
+              <dgm:constr type="h" for="ch" forName="bgRect" refType="h"/>
+              <dgm:constr type="l" for="ch" forName="bgRect"/>
+              <dgm:constr type="t" for="ch" forName="bgRect"/>
+              <dgm:constr type="h" for="ch" forName="iconRect" refType="h" fact="0.55"/>
+              <dgm:constr type="w" for="ch" forName="iconRect" refType="h" refFor="ch" refForName="iconRect"/>
+              <dgm:constr type="l" for="ch" forName="iconRect" refType="h" refFor="ch" refForName="iconRect" fact="0.55"/>
+              <dgm:constr type="ctrY" for="ch" forName="iconRect" refType="ctrY" refFor="ch" refForName="bgRect"/>
+              <dgm:constr type="w" for="ch" forName="spaceRect" refType="l" refFor="ch" refForName="iconRect"/>
+              <dgm:constr type="h" for="ch" forName="spaceRect" refType="h"/>
+              <dgm:constr type="l" for="ch" forName="spaceRect" refType="r" refFor="ch" refForName="iconRect"/>
+              <dgm:constr type="t" for="ch" forName="spaceRect"/>
+              <dgm:constr type="h" for="ch" forName="parTx" refType="h"/>
+              <dgm:constr type="l" for="ch" forName="parTx" refType="r" refFor="ch" refForName="spaceRect"/>
+              <dgm:constr type="t" for="ch" forName="parTx"/>
+            </dgm:constrLst>
+          </dgm:else>
+        </dgm:choose>
+        <dgm:ruleLst>
+          <dgm:rule type="h" val="INF" fact="NaN" max="NaN"/>
+        </dgm:ruleLst>
+        <dgm:layoutNode name="bgRect" styleLbl="bgShp">
+          <dgm:alg type="sp"/>
+          <dgm:shape xmlns:r="http://schemas.openxmlformats.org/officeDocument/2006/relationships" type="roundRect" r:blip="">
+            <dgm:adjLst>
+              <dgm:adj idx="1" val="0.1"/>
+            </dgm:adjLst>
+          </dgm:shape>
+          <dgm:presOf/>
+          <dgm:constrLst/>
+          <dgm:ruleLst/>
+        </dgm:layoutNode>
+        <dgm:layoutNode name="iconRect" styleLbl="node1">
+          <dgm:alg type="sp"/>
+          <dgm:shape xmlns:r="http://schemas.openxmlformats.org/officeDocument/2006/relationships" type="rect" r:blip="" blipPhldr="1">
+            <dgm:adjLst/>
+          </dgm:shape>
+          <dgm:presOf/>
+          <dgm:constrLst/>
+          <dgm:ruleLst/>
+        </dgm:layoutNode>
+        <dgm:layoutNode name="spaceRect">
+          <dgm:alg type="sp"/>
+          <dgm:shape xmlns:r="http://schemas.openxmlformats.org/officeDocument/2006/relationships" r:blip="">
+            <dgm:adjLst/>
+          </dgm:shape>
+          <dgm:presOf/>
+          <dgm:constrLst/>
+          <dgm:ruleLst/>
+        </dgm:layoutNode>
+        <dgm:layoutNode name="parTx" styleLbl="revTx">
+          <dgm:varLst>
+            <dgm:chMax val="0"/>
+            <dgm:chPref val="0"/>
+          </dgm:varLst>
+          <dgm:alg type="tx">
+            <dgm:param type="txAnchorVert" val="mid"/>
+            <dgm:param type="parTxLTRAlign" val="l"/>
+            <dgm:param type="shpTxLTRAlignCh" val="l"/>
+            <dgm:param type="parTxRTLAlign" val="r"/>
+            <dgm:param type="shpTxRTLAlignCh" val="r"/>
+          </dgm:alg>
+          <dgm:shape xmlns:r="http://schemas.openxmlformats.org/officeDocument/2006/relationships" type="rect" r:blip="">
+            <dgm:adjLst/>
+          </dgm:shape>
+          <dgm:presOf axis="self" ptType="node"/>
+          <dgm:constrLst>
+            <dgm:constr type="lMarg" refType="h" fact="0.3"/>
+            <dgm:constr type="rMarg" refType="h" fact="0.3"/>
+            <dgm:constr type="tMarg" refType="h" fact="0.3"/>
+            <dgm:constr type="bMarg" refType="h" fact="0.3"/>
+          </dgm:constrLst>
+          <dgm:ruleLst>
+            <dgm:rule type="primFontSz" val="14" fact="NaN" max="NaN"/>
+            <dgm:rule type="h" val="INF" fact="NaN" max="NaN"/>
+          </dgm:ruleLst>
+        </dgm:layoutNode>
+        <dgm:choose name="Name12">
+          <dgm:if name="Name13" axis="ch" ptType="node" func="cnt" op="gte" val="1">
+            <dgm:layoutNode name="desTx" styleLbl="revTx">
+              <dgm:varLst/>
+              <dgm:alg type="tx">
+                <dgm:param type="txAnchorVertCh" val="mid"/>
+                <dgm:param type="parTxLTRAlign" val="l"/>
+                <dgm:param type="shpTxLTRAlignCh" val="l"/>
+                <dgm:param type="parTxRTLAlign" val="r"/>
+                <dgm:param type="shpTxRTLAlignCh" val="r"/>
+                <dgm:param type="stBulletLvl" val="0"/>
+              </dgm:alg>
+              <dgm:shape xmlns:r="http://schemas.openxmlformats.org/officeDocument/2006/relationships" type="rect" r:blip="">
+                <dgm:adjLst/>
+              </dgm:shape>
+              <dgm:presOf axis="des" ptType="node"/>
+              <dgm:constrLst>
+                <dgm:constr type="primFontSz" val="18"/>
+                <dgm:constr type="secFontSz" refType="primFontSz"/>
+                <dgm:constr type="lMarg" refType="h" fact="0.3"/>
+                <dgm:constr type="rMarg" refType="h" fact="0.3"/>
+                <dgm:constr type="tMarg" refType="h" fact="0.3"/>
+                <dgm:constr type="bMarg" refType="h" fact="0.3"/>
+              </dgm:constrLst>
+              <dgm:ruleLst>
+                <dgm:rule type="primFontSz" val="11" fact="NaN" max="NaN"/>
+              </dgm:ruleLst>
+            </dgm:layoutNode>
+          </dgm:if>
+          <dgm:else name="Name14"/>
+        </dgm:choose>
+      </dgm:layoutNode>
+      <dgm:forEach name="Name15" axis="followSib" ptType="sibTrans" cnt="1">
+        <dgm:layoutNode name="sibTrans">
+          <dgm:alg type="sp"/>
+          <dgm:shape xmlns:r="http://schemas.openxmlformats.org/officeDocument/2006/relationships" r:blip="">
+            <dgm:adjLst/>
+          </dgm:shape>
+          <dgm:presOf axis="self"/>
+          <dgm:constrLst/>
+          <dgm:ruleLst/>
+        </dgm:layoutNode>
+      </dgm:forEach>
+    </dgm:forEach>
+  </dgm:layoutNode>
+  <dgm:extLst>
+    <a:ext uri="{68A01E43-0DF5-4B5B-8FA6-DAF915123BFB}">
+      <dgm1612:lstStyle xmlns:dgm1612="http://schemas.microsoft.com/office/drawing/2016/12/diagram">
+        <a:lvl1pPr>
+          <a:lnSpc>
+            <a:spcPct val="100000"/>
+          </a:lnSpc>
+        </a:lvl1pPr>
+        <a:lvl2pPr>
+          <a:lnSpc>
+            <a:spcPct val="100000"/>
+          </a:lnSpc>
+        </a:lvl2pPr>
+      </dgm1612:lstStyle>
+    </a:ext>
+  </dgm:extLst>
+</dgm:layoutDef>
+</file>
+
 <file path=ppt/diagrams/quickStyle1.xml><?xml version="1.0" encoding="utf-8"?>
 <dgm:styleDef xmlns:dgm="http://schemas.openxmlformats.org/drawingml/2006/diagram" xmlns:a="http://schemas.openxmlformats.org/drawingml/2006/main" uniqueId="urn:microsoft.com/office/officeart/2005/8/quickstyle/simple1">
   <dgm:title val=""/>
@@ -4605,6 +7638,1040 @@
 </file>
 
 <file path=ppt/diagrams/quickStyle2.xml><?xml version="1.0" encoding="utf-8"?>
+<dgm:styleDef xmlns:dgm="http://schemas.openxmlformats.org/drawingml/2006/diagram" xmlns:a="http://schemas.openxmlformats.org/drawingml/2006/main" uniqueId="urn:microsoft.com/office/officeart/2005/8/quickstyle/simple1">
+  <dgm:title val=""/>
+  <dgm:desc val=""/>
+  <dgm:catLst>
+    <dgm:cat type="simple" pri="10100"/>
+  </dgm:catLst>
+  <dgm:scene3d>
+    <a:camera prst="orthographicFront"/>
+    <a:lightRig rig="threePt" dir="t"/>
+  </dgm:scene3d>
+  <dgm:styleLbl name="node0">
+    <dgm:scene3d>
+      <a:camera prst="orthographicFront"/>
+      <a:lightRig rig="threePt" dir="t"/>
+    </dgm:scene3d>
+    <dgm:sp3d/>
+    <dgm:txPr/>
+    <dgm:style>
+      <a:lnRef idx="2">
+        <a:scrgbClr r="0" g="0" b="0"/>
+      </a:lnRef>
+      <a:fillRef idx="1">
+        <a:scrgbClr r="0" g="0" b="0"/>
+      </a:fillRef>
+      <a:effectRef idx="0">
+        <a:scrgbClr r="0" g="0" b="0"/>
+      </a:effectRef>
+      <a:fontRef idx="minor">
+        <a:schemeClr val="lt1"/>
+      </a:fontRef>
+    </dgm:style>
+  </dgm:styleLbl>
+  <dgm:styleLbl name="lnNode1">
+    <dgm:scene3d>
+      <a:camera prst="orthographicFront"/>
+      <a:lightRig rig="threePt" dir="t"/>
+    </dgm:scene3d>
+    <dgm:sp3d/>
+    <dgm:txPr/>
+    <dgm:style>
+      <a:lnRef idx="2">
+        <a:scrgbClr r="0" g="0" b="0"/>
+      </a:lnRef>
+      <a:fillRef idx="1">
+        <a:scrgbClr r="0" g="0" b="0"/>
+      </a:fillRef>
+      <a:effectRef idx="0">
+        <a:scrgbClr r="0" g="0" b="0"/>
+      </a:effectRef>
+      <a:fontRef idx="minor">
+        <a:schemeClr val="lt1"/>
+      </a:fontRef>
+    </dgm:style>
+  </dgm:styleLbl>
+  <dgm:styleLbl name="vennNode1">
+    <dgm:scene3d>
+      <a:camera prst="orthographicFront"/>
+      <a:lightRig rig="threePt" dir="t"/>
+    </dgm:scene3d>
+    <dgm:sp3d/>
+    <dgm:txPr/>
+    <dgm:style>
+      <a:lnRef idx="2">
+        <a:scrgbClr r="0" g="0" b="0"/>
+      </a:lnRef>
+      <a:fillRef idx="1">
+        <a:scrgbClr r="0" g="0" b="0"/>
+      </a:fillRef>
+      <a:effectRef idx="0">
+        <a:scrgbClr r="0" g="0" b="0"/>
+      </a:effectRef>
+      <a:fontRef idx="minor">
+        <a:schemeClr val="tx1"/>
+      </a:fontRef>
+    </dgm:style>
+  </dgm:styleLbl>
+  <dgm:styleLbl name="alignNode1">
+    <dgm:scene3d>
+      <a:camera prst="orthographicFront"/>
+      <a:lightRig rig="threePt" dir="t"/>
+    </dgm:scene3d>
+    <dgm:sp3d/>
+    <dgm:txPr/>
+    <dgm:style>
+      <a:lnRef idx="2">
+        <a:scrgbClr r="0" g="0" b="0"/>
+      </a:lnRef>
+      <a:fillRef idx="1">
+        <a:scrgbClr r="0" g="0" b="0"/>
+      </a:fillRef>
+      <a:effectRef idx="0">
+        <a:scrgbClr r="0" g="0" b="0"/>
+      </a:effectRef>
+      <a:fontRef idx="minor">
+        <a:schemeClr val="lt1"/>
+      </a:fontRef>
+    </dgm:style>
+  </dgm:styleLbl>
+  <dgm:styleLbl name="node1">
+    <dgm:scene3d>
+      <a:camera prst="orthographicFront"/>
+      <a:lightRig rig="threePt" dir="t"/>
+    </dgm:scene3d>
+    <dgm:sp3d/>
+    <dgm:txPr/>
+    <dgm:style>
+      <a:lnRef idx="2">
+        <a:scrgbClr r="0" g="0" b="0"/>
+      </a:lnRef>
+      <a:fillRef idx="1">
+        <a:scrgbClr r="0" g="0" b="0"/>
+      </a:fillRef>
+      <a:effectRef idx="0">
+        <a:scrgbClr r="0" g="0" b="0"/>
+      </a:effectRef>
+      <a:fontRef idx="minor">
+        <a:schemeClr val="lt1"/>
+      </a:fontRef>
+    </dgm:style>
+  </dgm:styleLbl>
+  <dgm:styleLbl name="node2">
+    <dgm:scene3d>
+      <a:camera prst="orthographicFront"/>
+      <a:lightRig rig="threePt" dir="t"/>
+    </dgm:scene3d>
+    <dgm:sp3d/>
+    <dgm:txPr/>
+    <dgm:style>
+      <a:lnRef idx="2">
+        <a:scrgbClr r="0" g="0" b="0"/>
+      </a:lnRef>
+      <a:fillRef idx="1">
+        <a:scrgbClr r="0" g="0" b="0"/>
+      </a:fillRef>
+      <a:effectRef idx="0">
+        <a:scrgbClr r="0" g="0" b="0"/>
+      </a:effectRef>
+      <a:fontRef idx="minor">
+        <a:schemeClr val="lt1"/>
+      </a:fontRef>
+    </dgm:style>
+  </dgm:styleLbl>
+  <dgm:styleLbl name="node3">
+    <dgm:scene3d>
+      <a:camera prst="orthographicFront"/>
+      <a:lightRig rig="threePt" dir="t"/>
+    </dgm:scene3d>
+    <dgm:sp3d/>
+    <dgm:txPr/>
+    <dgm:style>
+      <a:lnRef idx="2">
+        <a:scrgbClr r="0" g="0" b="0"/>
+      </a:lnRef>
+      <a:fillRef idx="1">
+        <a:scrgbClr r="0" g="0" b="0"/>
+      </a:fillRef>
+      <a:effectRef idx="0">
+        <a:scrgbClr r="0" g="0" b="0"/>
+      </a:effectRef>
+      <a:fontRef idx="minor">
+        <a:schemeClr val="lt1"/>
+      </a:fontRef>
+    </dgm:style>
+  </dgm:styleLbl>
+  <dgm:styleLbl name="node4">
+    <dgm:scene3d>
+      <a:camera prst="orthographicFront"/>
+      <a:lightRig rig="threePt" dir="t"/>
+    </dgm:scene3d>
+    <dgm:sp3d/>
+    <dgm:txPr/>
+    <dgm:style>
+      <a:lnRef idx="2">
+        <a:scrgbClr r="0" g="0" b="0"/>
+      </a:lnRef>
+      <a:fillRef idx="1">
+        <a:scrgbClr r="0" g="0" b="0"/>
+      </a:fillRef>
+      <a:effectRef idx="0">
+        <a:scrgbClr r="0" g="0" b="0"/>
+      </a:effectRef>
+      <a:fontRef idx="minor">
+        <a:schemeClr val="lt1"/>
+      </a:fontRef>
+    </dgm:style>
+  </dgm:styleLbl>
+  <dgm:styleLbl name="fgImgPlace1">
+    <dgm:scene3d>
+      <a:camera prst="orthographicFront"/>
+      <a:lightRig rig="threePt" dir="t"/>
+    </dgm:scene3d>
+    <dgm:sp3d/>
+    <dgm:txPr/>
+    <dgm:style>
+      <a:lnRef idx="2">
+        <a:scrgbClr r="0" g="0" b="0"/>
+      </a:lnRef>
+      <a:fillRef idx="1">
+        <a:scrgbClr r="0" g="0" b="0"/>
+      </a:fillRef>
+      <a:effectRef idx="0">
+        <a:scrgbClr r="0" g="0" b="0"/>
+      </a:effectRef>
+      <a:fontRef idx="minor"/>
+    </dgm:style>
+  </dgm:styleLbl>
+  <dgm:styleLbl name="alignImgPlace1">
+    <dgm:scene3d>
+      <a:camera prst="orthographicFront"/>
+      <a:lightRig rig="threePt" dir="t"/>
+    </dgm:scene3d>
+    <dgm:sp3d/>
+    <dgm:txPr/>
+    <dgm:style>
+      <a:lnRef idx="2">
+        <a:scrgbClr r="0" g="0" b="0"/>
+      </a:lnRef>
+      <a:fillRef idx="1">
+        <a:scrgbClr r="0" g="0" b="0"/>
+      </a:fillRef>
+      <a:effectRef idx="0">
+        <a:scrgbClr r="0" g="0" b="0"/>
+      </a:effectRef>
+      <a:fontRef idx="minor"/>
+    </dgm:style>
+  </dgm:styleLbl>
+  <dgm:styleLbl name="bgImgPlace1">
+    <dgm:scene3d>
+      <a:camera prst="orthographicFront"/>
+      <a:lightRig rig="threePt" dir="t"/>
+    </dgm:scene3d>
+    <dgm:sp3d/>
+    <dgm:txPr/>
+    <dgm:style>
+      <a:lnRef idx="2">
+        <a:scrgbClr r="0" g="0" b="0"/>
+      </a:lnRef>
+      <a:fillRef idx="1">
+        <a:scrgbClr r="0" g="0" b="0"/>
+      </a:fillRef>
+      <a:effectRef idx="0">
+        <a:scrgbClr r="0" g="0" b="0"/>
+      </a:effectRef>
+      <a:fontRef idx="minor"/>
+    </dgm:style>
+  </dgm:styleLbl>
+  <dgm:styleLbl name="sibTrans2D1">
+    <dgm:scene3d>
+      <a:camera prst="orthographicFront"/>
+      <a:lightRig rig="threePt" dir="t"/>
+    </dgm:scene3d>
+    <dgm:sp3d/>
+    <dgm:txPr/>
+    <dgm:style>
+      <a:lnRef idx="0">
+        <a:scrgbClr r="0" g="0" b="0"/>
+      </a:lnRef>
+      <a:fillRef idx="1">
+        <a:scrgbClr r="0" g="0" b="0"/>
+      </a:fillRef>
+      <a:effectRef idx="0">
+        <a:scrgbClr r="0" g="0" b="0"/>
+      </a:effectRef>
+      <a:fontRef idx="minor">
+        <a:schemeClr val="lt1"/>
+      </a:fontRef>
+    </dgm:style>
+  </dgm:styleLbl>
+  <dgm:styleLbl name="fgSibTrans2D1">
+    <dgm:scene3d>
+      <a:camera prst="orthographicFront"/>
+      <a:lightRig rig="threePt" dir="t"/>
+    </dgm:scene3d>
+    <dgm:sp3d/>
+    <dgm:txPr/>
+    <dgm:style>
+      <a:lnRef idx="0">
+        <a:scrgbClr r="0" g="0" b="0"/>
+      </a:lnRef>
+      <a:fillRef idx="1">
+        <a:scrgbClr r="0" g="0" b="0"/>
+      </a:fillRef>
+      <a:effectRef idx="0">
+        <a:scrgbClr r="0" g="0" b="0"/>
+      </a:effectRef>
+      <a:fontRef idx="minor">
+        <a:schemeClr val="lt1"/>
+      </a:fontRef>
+    </dgm:style>
+  </dgm:styleLbl>
+  <dgm:styleLbl name="bgSibTrans2D1">
+    <dgm:scene3d>
+      <a:camera prst="orthographicFront"/>
+      <a:lightRig rig="threePt" dir="t"/>
+    </dgm:scene3d>
+    <dgm:sp3d/>
+    <dgm:txPr/>
+    <dgm:style>
+      <a:lnRef idx="0">
+        <a:scrgbClr r="0" g="0" b="0"/>
+      </a:lnRef>
+      <a:fillRef idx="1">
+        <a:scrgbClr r="0" g="0" b="0"/>
+      </a:fillRef>
+      <a:effectRef idx="0">
+        <a:scrgbClr r="0" g="0" b="0"/>
+      </a:effectRef>
+      <a:fontRef idx="minor">
+        <a:schemeClr val="lt1"/>
+      </a:fontRef>
+    </dgm:style>
+  </dgm:styleLbl>
+  <dgm:styleLbl name="sibTrans1D1">
+    <dgm:scene3d>
+      <a:camera prst="orthographicFront"/>
+      <a:lightRig rig="threePt" dir="t"/>
+    </dgm:scene3d>
+    <dgm:sp3d/>
+    <dgm:txPr/>
+    <dgm:style>
+      <a:lnRef idx="1">
+        <a:scrgbClr r="0" g="0" b="0"/>
+      </a:lnRef>
+      <a:fillRef idx="0">
+        <a:scrgbClr r="0" g="0" b="0"/>
+      </a:fillRef>
+      <a:effectRef idx="0">
+        <a:scrgbClr r="0" g="0" b="0"/>
+      </a:effectRef>
+      <a:fontRef idx="minor"/>
+    </dgm:style>
+  </dgm:styleLbl>
+  <dgm:styleLbl name="callout">
+    <dgm:scene3d>
+      <a:camera prst="orthographicFront"/>
+      <a:lightRig rig="threePt" dir="t"/>
+    </dgm:scene3d>
+    <dgm:sp3d/>
+    <dgm:txPr/>
+    <dgm:style>
+      <a:lnRef idx="2">
+        <a:scrgbClr r="0" g="0" b="0"/>
+      </a:lnRef>
+      <a:fillRef idx="1">
+        <a:scrgbClr r="0" g="0" b="0"/>
+      </a:fillRef>
+      <a:effectRef idx="0">
+        <a:scrgbClr r="0" g="0" b="0"/>
+      </a:effectRef>
+      <a:fontRef idx="minor"/>
+    </dgm:style>
+  </dgm:styleLbl>
+  <dgm:styleLbl name="asst0">
+    <dgm:scene3d>
+      <a:camera prst="orthographicFront"/>
+      <a:lightRig rig="threePt" dir="t"/>
+    </dgm:scene3d>
+    <dgm:sp3d/>
+    <dgm:txPr/>
+    <dgm:style>
+      <a:lnRef idx="2">
+        <a:scrgbClr r="0" g="0" b="0"/>
+      </a:lnRef>
+      <a:fillRef idx="1">
+        <a:scrgbClr r="0" g="0" b="0"/>
+      </a:fillRef>
+      <a:effectRef idx="0">
+        <a:scrgbClr r="0" g="0" b="0"/>
+      </a:effectRef>
+      <a:fontRef idx="minor">
+        <a:schemeClr val="lt1"/>
+      </a:fontRef>
+    </dgm:style>
+  </dgm:styleLbl>
+  <dgm:styleLbl name="asst1">
+    <dgm:scene3d>
+      <a:camera prst="orthographicFront"/>
+      <a:lightRig rig="threePt" dir="t"/>
+    </dgm:scene3d>
+    <dgm:sp3d/>
+    <dgm:txPr/>
+    <dgm:style>
+      <a:lnRef idx="2">
+        <a:scrgbClr r="0" g="0" b="0"/>
+      </a:lnRef>
+      <a:fillRef idx="1">
+        <a:scrgbClr r="0" g="0" b="0"/>
+      </a:fillRef>
+      <a:effectRef idx="0">
+        <a:scrgbClr r="0" g="0" b="0"/>
+      </a:effectRef>
+      <a:fontRef idx="minor">
+        <a:schemeClr val="lt1"/>
+      </a:fontRef>
+    </dgm:style>
+  </dgm:styleLbl>
+  <dgm:styleLbl name="asst2">
+    <dgm:scene3d>
+      <a:camera prst="orthographicFront"/>
+      <a:lightRig rig="threePt" dir="t"/>
+    </dgm:scene3d>
+    <dgm:sp3d/>
+    <dgm:txPr/>
+    <dgm:style>
+      <a:lnRef idx="2">
+        <a:scrgbClr r="0" g="0" b="0"/>
+      </a:lnRef>
+      <a:fillRef idx="1">
+        <a:scrgbClr r="0" g="0" b="0"/>
+      </a:fillRef>
+      <a:effectRef idx="0">
+        <a:scrgbClr r="0" g="0" b="0"/>
+      </a:effectRef>
+      <a:fontRef idx="minor">
+        <a:schemeClr val="lt1"/>
+      </a:fontRef>
+    </dgm:style>
+  </dgm:styleLbl>
+  <dgm:styleLbl name="asst3">
+    <dgm:scene3d>
+      <a:camera prst="orthographicFront"/>
+      <a:lightRig rig="threePt" dir="t"/>
+    </dgm:scene3d>
+    <dgm:sp3d/>
+    <dgm:txPr/>
+    <dgm:style>
+      <a:lnRef idx="2">
+        <a:scrgbClr r="0" g="0" b="0"/>
+      </a:lnRef>
+      <a:fillRef idx="1">
+        <a:scrgbClr r="0" g="0" b="0"/>
+      </a:fillRef>
+      <a:effectRef idx="0">
+        <a:scrgbClr r="0" g="0" b="0"/>
+      </a:effectRef>
+      <a:fontRef idx="minor">
+        <a:schemeClr val="lt1"/>
+      </a:fontRef>
+    </dgm:style>
+  </dgm:styleLbl>
+  <dgm:styleLbl name="asst4">
+    <dgm:scene3d>
+      <a:camera prst="orthographicFront"/>
+      <a:lightRig rig="threePt" dir="t"/>
+    </dgm:scene3d>
+    <dgm:sp3d/>
+    <dgm:txPr/>
+    <dgm:style>
+      <a:lnRef idx="2">
+        <a:scrgbClr r="0" g="0" b="0"/>
+      </a:lnRef>
+      <a:fillRef idx="1">
+        <a:scrgbClr r="0" g="0" b="0"/>
+      </a:fillRef>
+      <a:effectRef idx="0">
+        <a:scrgbClr r="0" g="0" b="0"/>
+      </a:effectRef>
+      <a:fontRef idx="minor">
+        <a:schemeClr val="lt1"/>
+      </a:fontRef>
+    </dgm:style>
+  </dgm:styleLbl>
+  <dgm:styleLbl name="parChTrans2D1">
+    <dgm:scene3d>
+      <a:camera prst="orthographicFront"/>
+      <a:lightRig rig="threePt" dir="t"/>
+    </dgm:scene3d>
+    <dgm:sp3d/>
+    <dgm:txPr/>
+    <dgm:style>
+      <a:lnRef idx="2">
+        <a:scrgbClr r="0" g="0" b="0"/>
+      </a:lnRef>
+      <a:fillRef idx="1">
+        <a:scrgbClr r="0" g="0" b="0"/>
+      </a:fillRef>
+      <a:effectRef idx="0">
+        <a:scrgbClr r="0" g="0" b="0"/>
+      </a:effectRef>
+      <a:fontRef idx="minor">
+        <a:schemeClr val="lt1"/>
+      </a:fontRef>
+    </dgm:style>
+  </dgm:styleLbl>
+  <dgm:styleLbl name="parChTrans2D2">
+    <dgm:scene3d>
+      <a:camera prst="orthographicFront"/>
+      <a:lightRig rig="threePt" dir="t"/>
+    </dgm:scene3d>
+    <dgm:sp3d/>
+    <dgm:txPr/>
+    <dgm:style>
+      <a:lnRef idx="2">
+        <a:scrgbClr r="0" g="0" b="0"/>
+      </a:lnRef>
+      <a:fillRef idx="1">
+        <a:scrgbClr r="0" g="0" b="0"/>
+      </a:fillRef>
+      <a:effectRef idx="0">
+        <a:scrgbClr r="0" g="0" b="0"/>
+      </a:effectRef>
+      <a:fontRef idx="minor">
+        <a:schemeClr val="lt1"/>
+      </a:fontRef>
+    </dgm:style>
+  </dgm:styleLbl>
+  <dgm:styleLbl name="parChTrans2D3">
+    <dgm:scene3d>
+      <a:camera prst="orthographicFront"/>
+      <a:lightRig rig="threePt" dir="t"/>
+    </dgm:scene3d>
+    <dgm:sp3d/>
+    <dgm:txPr/>
+    <dgm:style>
+      <a:lnRef idx="2">
+        <a:scrgbClr r="0" g="0" b="0"/>
+      </a:lnRef>
+      <a:fillRef idx="1">
+        <a:scrgbClr r="0" g="0" b="0"/>
+      </a:fillRef>
+      <a:effectRef idx="0">
+        <a:scrgbClr r="0" g="0" b="0"/>
+      </a:effectRef>
+      <a:fontRef idx="minor">
+        <a:schemeClr val="lt1"/>
+      </a:fontRef>
+    </dgm:style>
+  </dgm:styleLbl>
+  <dgm:styleLbl name="parChTrans2D4">
+    <dgm:scene3d>
+      <a:camera prst="orthographicFront"/>
+      <a:lightRig rig="threePt" dir="t"/>
+    </dgm:scene3d>
+    <dgm:sp3d/>
+    <dgm:txPr/>
+    <dgm:style>
+      <a:lnRef idx="2">
+        <a:scrgbClr r="0" g="0" b="0"/>
+      </a:lnRef>
+      <a:fillRef idx="1">
+        <a:scrgbClr r="0" g="0" b="0"/>
+      </a:fillRef>
+      <a:effectRef idx="0">
+        <a:scrgbClr r="0" g="0" b="0"/>
+      </a:effectRef>
+      <a:fontRef idx="minor">
+        <a:schemeClr val="lt1"/>
+      </a:fontRef>
+    </dgm:style>
+  </dgm:styleLbl>
+  <dgm:styleLbl name="parChTrans1D1">
+    <dgm:scene3d>
+      <a:camera prst="orthographicFront"/>
+      <a:lightRig rig="threePt" dir="t"/>
+    </dgm:scene3d>
+    <dgm:sp3d/>
+    <dgm:txPr/>
+    <dgm:style>
+      <a:lnRef idx="2">
+        <a:scrgbClr r="0" g="0" b="0"/>
+      </a:lnRef>
+      <a:fillRef idx="0">
+        <a:scrgbClr r="0" g="0" b="0"/>
+      </a:fillRef>
+      <a:effectRef idx="0">
+        <a:scrgbClr r="0" g="0" b="0"/>
+      </a:effectRef>
+      <a:fontRef idx="minor"/>
+    </dgm:style>
+  </dgm:styleLbl>
+  <dgm:styleLbl name="parChTrans1D2">
+    <dgm:scene3d>
+      <a:camera prst="orthographicFront"/>
+      <a:lightRig rig="threePt" dir="t"/>
+    </dgm:scene3d>
+    <dgm:sp3d/>
+    <dgm:txPr/>
+    <dgm:style>
+      <a:lnRef idx="2">
+        <a:scrgbClr r="0" g="0" b="0"/>
+      </a:lnRef>
+      <a:fillRef idx="0">
+        <a:scrgbClr r="0" g="0" b="0"/>
+      </a:fillRef>
+      <a:effectRef idx="0">
+        <a:scrgbClr r="0" g="0" b="0"/>
+      </a:effectRef>
+      <a:fontRef idx="minor"/>
+    </dgm:style>
+  </dgm:styleLbl>
+  <dgm:styleLbl name="parChTrans1D3">
+    <dgm:scene3d>
+      <a:camera prst="orthographicFront"/>
+      <a:lightRig rig="threePt" dir="t"/>
+    </dgm:scene3d>
+    <dgm:sp3d/>
+    <dgm:txPr/>
+    <dgm:style>
+      <a:lnRef idx="2">
+        <a:scrgbClr r="0" g="0" b="0"/>
+      </a:lnRef>
+      <a:fillRef idx="0">
+        <a:scrgbClr r="0" g="0" b="0"/>
+      </a:fillRef>
+      <a:effectRef idx="0">
+        <a:scrgbClr r="0" g="0" b="0"/>
+      </a:effectRef>
+      <a:fontRef idx="minor"/>
+    </dgm:style>
+  </dgm:styleLbl>
+  <dgm:styleLbl name="parChTrans1D4">
+    <dgm:scene3d>
+      <a:camera prst="orthographicFront"/>
+      <a:lightRig rig="threePt" dir="t"/>
+    </dgm:scene3d>
+    <dgm:sp3d/>
+    <dgm:txPr/>
+    <dgm:style>
+      <a:lnRef idx="2">
+        <a:scrgbClr r="0" g="0" b="0"/>
+      </a:lnRef>
+      <a:fillRef idx="0">
+        <a:scrgbClr r="0" g="0" b="0"/>
+      </a:fillRef>
+      <a:effectRef idx="0">
+        <a:scrgbClr r="0" g="0" b="0"/>
+      </a:effectRef>
+      <a:fontRef idx="minor"/>
+    </dgm:style>
+  </dgm:styleLbl>
+  <dgm:styleLbl name="fgAcc1">
+    <dgm:scene3d>
+      <a:camera prst="orthographicFront"/>
+      <a:lightRig rig="threePt" dir="t"/>
+    </dgm:scene3d>
+    <dgm:sp3d/>
+    <dgm:txPr/>
+    <dgm:style>
+      <a:lnRef idx="2">
+        <a:scrgbClr r="0" g="0" b="0"/>
+      </a:lnRef>
+      <a:fillRef idx="1">
+        <a:scrgbClr r="0" g="0" b="0"/>
+      </a:fillRef>
+      <a:effectRef idx="0">
+        <a:scrgbClr r="0" g="0" b="0"/>
+      </a:effectRef>
+      <a:fontRef idx="minor"/>
+    </dgm:style>
+  </dgm:styleLbl>
+  <dgm:styleLbl name="conFgAcc1">
+    <dgm:scene3d>
+      <a:camera prst="orthographicFront"/>
+      <a:lightRig rig="threePt" dir="t"/>
+    </dgm:scene3d>
+    <dgm:sp3d/>
+    <dgm:txPr/>
+    <dgm:style>
+      <a:lnRef idx="2">
+        <a:scrgbClr r="0" g="0" b="0"/>
+      </a:lnRef>
+      <a:fillRef idx="1">
+        <a:scrgbClr r="0" g="0" b="0"/>
+      </a:fillRef>
+      <a:effectRef idx="0">
+        <a:scrgbClr r="0" g="0" b="0"/>
+      </a:effectRef>
+      <a:fontRef idx="minor"/>
+    </dgm:style>
+  </dgm:styleLbl>
+  <dgm:styleLbl name="alignAcc1">
+    <dgm:scene3d>
+      <a:camera prst="orthographicFront"/>
+      <a:lightRig rig="threePt" dir="t"/>
+    </dgm:scene3d>
+    <dgm:sp3d/>
+    <dgm:txPr/>
+    <dgm:style>
+      <a:lnRef idx="2">
+        <a:scrgbClr r="0" g="0" b="0"/>
+      </a:lnRef>
+      <a:fillRef idx="1">
+        <a:scrgbClr r="0" g="0" b="0"/>
+      </a:fillRef>
+      <a:effectRef idx="0">
+        <a:scrgbClr r="0" g="0" b="0"/>
+      </a:effectRef>
+      <a:fontRef idx="minor"/>
+    </dgm:style>
+  </dgm:styleLbl>
+  <dgm:styleLbl name="trAlignAcc1">
+    <dgm:scene3d>
+      <a:camera prst="orthographicFront"/>
+      <a:lightRig rig="threePt" dir="t"/>
+    </dgm:scene3d>
+    <dgm:sp3d/>
+    <dgm:txPr/>
+    <dgm:style>
+      <a:lnRef idx="1">
+        <a:scrgbClr r="0" g="0" b="0"/>
+      </a:lnRef>
+      <a:fillRef idx="1">
+        <a:scrgbClr r="0" g="0" b="0"/>
+      </a:fillRef>
+      <a:effectRef idx="0">
+        <a:scrgbClr r="0" g="0" b="0"/>
+      </a:effectRef>
+      <a:fontRef idx="minor"/>
+    </dgm:style>
+  </dgm:styleLbl>
+  <dgm:styleLbl name="bgAcc1">
+    <dgm:scene3d>
+      <a:camera prst="orthographicFront"/>
+      <a:lightRig rig="threePt" dir="t"/>
+    </dgm:scene3d>
+    <dgm:sp3d/>
+    <dgm:txPr/>
+    <dgm:style>
+      <a:lnRef idx="2">
+        <a:scrgbClr r="0" g="0" b="0"/>
+      </a:lnRef>
+      <a:fillRef idx="1">
+        <a:scrgbClr r="0" g="0" b="0"/>
+      </a:fillRef>
+      <a:effectRef idx="0">
+        <a:scrgbClr r="0" g="0" b="0"/>
+      </a:effectRef>
+      <a:fontRef idx="minor"/>
+    </dgm:style>
+  </dgm:styleLbl>
+  <dgm:styleLbl name="solidFgAcc1">
+    <dgm:scene3d>
+      <a:camera prst="orthographicFront"/>
+      <a:lightRig rig="threePt" dir="t"/>
+    </dgm:scene3d>
+    <dgm:sp3d/>
+    <dgm:txPr/>
+    <dgm:style>
+      <a:lnRef idx="2">
+        <a:scrgbClr r="0" g="0" b="0"/>
+      </a:lnRef>
+      <a:fillRef idx="1">
+        <a:scrgbClr r="0" g="0" b="0"/>
+      </a:fillRef>
+      <a:effectRef idx="0">
+        <a:scrgbClr r="0" g="0" b="0"/>
+      </a:effectRef>
+      <a:fontRef idx="minor"/>
+    </dgm:style>
+  </dgm:styleLbl>
+  <dgm:styleLbl name="solidAlignAcc1">
+    <dgm:scene3d>
+      <a:camera prst="orthographicFront"/>
+      <a:lightRig rig="threePt" dir="t"/>
+    </dgm:scene3d>
+    <dgm:sp3d/>
+    <dgm:txPr/>
+    <dgm:style>
+      <a:lnRef idx="2">
+        <a:scrgbClr r="0" g="0" b="0"/>
+      </a:lnRef>
+      <a:fillRef idx="1">
+        <a:scrgbClr r="0" g="0" b="0"/>
+      </a:fillRef>
+      <a:effectRef idx="0">
+        <a:scrgbClr r="0" g="0" b="0"/>
+      </a:effectRef>
+      <a:fontRef idx="minor"/>
+    </dgm:style>
+  </dgm:styleLbl>
+  <dgm:styleLbl name="solidBgAcc1">
+    <dgm:scene3d>
+      <a:camera prst="orthographicFront"/>
+      <a:lightRig rig="threePt" dir="t"/>
+    </dgm:scene3d>
+    <dgm:sp3d/>
+    <dgm:txPr/>
+    <dgm:style>
+      <a:lnRef idx="2">
+        <a:scrgbClr r="0" g="0" b="0"/>
+      </a:lnRef>
+      <a:fillRef idx="1">
+        <a:scrgbClr r="0" g="0" b="0"/>
+      </a:fillRef>
+      <a:effectRef idx="0">
+        <a:scrgbClr r="0" g="0" b="0"/>
+      </a:effectRef>
+      <a:fontRef idx="minor"/>
+    </dgm:style>
+  </dgm:styleLbl>
+  <dgm:styleLbl name="fgAccFollowNode1">
+    <dgm:scene3d>
+      <a:camera prst="orthographicFront"/>
+      <a:lightRig rig="threePt" dir="t"/>
+    </dgm:scene3d>
+    <dgm:sp3d/>
+    <dgm:txPr/>
+    <dgm:style>
+      <a:lnRef idx="2">
+        <a:scrgbClr r="0" g="0" b="0"/>
+      </a:lnRef>
+      <a:fillRef idx="1">
+        <a:scrgbClr r="0" g="0" b="0"/>
+      </a:fillRef>
+      <a:effectRef idx="0">
+        <a:scrgbClr r="0" g="0" b="0"/>
+      </a:effectRef>
+      <a:fontRef idx="minor"/>
+    </dgm:style>
+  </dgm:styleLbl>
+  <dgm:styleLbl name="alignAccFollowNode1">
+    <dgm:scene3d>
+      <a:camera prst="orthographicFront"/>
+      <a:lightRig rig="threePt" dir="t"/>
+    </dgm:scene3d>
+    <dgm:sp3d/>
+    <dgm:txPr/>
+    <dgm:style>
+      <a:lnRef idx="2">
+        <a:scrgbClr r="0" g="0" b="0"/>
+      </a:lnRef>
+      <a:fillRef idx="1">
+        <a:scrgbClr r="0" g="0" b="0"/>
+      </a:fillRef>
+      <a:effectRef idx="0">
+        <a:scrgbClr r="0" g="0" b="0"/>
+      </a:effectRef>
+      <a:fontRef idx="minor"/>
+    </dgm:style>
+  </dgm:styleLbl>
+  <dgm:styleLbl name="bgAccFollowNode1">
+    <dgm:scene3d>
+      <a:camera prst="orthographicFront"/>
+      <a:lightRig rig="threePt" dir="t"/>
+    </dgm:scene3d>
+    <dgm:sp3d/>
+    <dgm:txPr/>
+    <dgm:style>
+      <a:lnRef idx="2">
+        <a:scrgbClr r="0" g="0" b="0"/>
+      </a:lnRef>
+      <a:fillRef idx="1">
+        <a:scrgbClr r="0" g="0" b="0"/>
+      </a:fillRef>
+      <a:effectRef idx="0">
+        <a:scrgbClr r="0" g="0" b="0"/>
+      </a:effectRef>
+      <a:fontRef idx="minor"/>
+    </dgm:style>
+  </dgm:styleLbl>
+  <dgm:styleLbl name="fgAcc0">
+    <dgm:scene3d>
+      <a:camera prst="orthographicFront"/>
+      <a:lightRig rig="threePt" dir="t"/>
+    </dgm:scene3d>
+    <dgm:sp3d/>
+    <dgm:txPr/>
+    <dgm:style>
+      <a:lnRef idx="2">
+        <a:scrgbClr r="0" g="0" b="0"/>
+      </a:lnRef>
+      <a:fillRef idx="1">
+        <a:scrgbClr r="0" g="0" b="0"/>
+      </a:fillRef>
+      <a:effectRef idx="0">
+        <a:scrgbClr r="0" g="0" b="0"/>
+      </a:effectRef>
+      <a:fontRef idx="minor"/>
+    </dgm:style>
+  </dgm:styleLbl>
+  <dgm:styleLbl name="fgAcc2">
+    <dgm:scene3d>
+      <a:camera prst="orthographicFront"/>
+      <a:lightRig rig="threePt" dir="t"/>
+    </dgm:scene3d>
+    <dgm:sp3d/>
+    <dgm:txPr/>
+    <dgm:style>
+      <a:lnRef idx="2">
+        <a:scrgbClr r="0" g="0" b="0"/>
+      </a:lnRef>
+      <a:fillRef idx="1">
+        <a:scrgbClr r="0" g="0" b="0"/>
+      </a:fillRef>
+      <a:effectRef idx="0">
+        <a:scrgbClr r="0" g="0" b="0"/>
+      </a:effectRef>
+      <a:fontRef idx="minor"/>
+    </dgm:style>
+  </dgm:styleLbl>
+  <dgm:styleLbl name="fgAcc3">
+    <dgm:scene3d>
+      <a:camera prst="orthographicFront"/>
+      <a:lightRig rig="threePt" dir="t"/>
+    </dgm:scene3d>
+    <dgm:sp3d/>
+    <dgm:txPr/>
+    <dgm:style>
+      <a:lnRef idx="2">
+        <a:scrgbClr r="0" g="0" b="0"/>
+      </a:lnRef>
+      <a:fillRef idx="1">
+        <a:scrgbClr r="0" g="0" b="0"/>
+      </a:fillRef>
+      <a:effectRef idx="0">
+        <a:scrgbClr r="0" g="0" b="0"/>
+      </a:effectRef>
+      <a:fontRef idx="minor"/>
+    </dgm:style>
+  </dgm:styleLbl>
+  <dgm:styleLbl name="fgAcc4">
+    <dgm:scene3d>
+      <a:camera prst="orthographicFront"/>
+      <a:lightRig rig="threePt" dir="t"/>
+    </dgm:scene3d>
+    <dgm:sp3d/>
+    <dgm:txPr/>
+    <dgm:style>
+      <a:lnRef idx="2">
+        <a:scrgbClr r="0" g="0" b="0"/>
+      </a:lnRef>
+      <a:fillRef idx="1">
+        <a:scrgbClr r="0" g="0" b="0"/>
+      </a:fillRef>
+      <a:effectRef idx="0">
+        <a:scrgbClr r="0" g="0" b="0"/>
+      </a:effectRef>
+      <a:fontRef idx="minor"/>
+    </dgm:style>
+  </dgm:styleLbl>
+  <dgm:styleLbl name="bgShp">
+    <dgm:scene3d>
+      <a:camera prst="orthographicFront"/>
+      <a:lightRig rig="threePt" dir="t"/>
+    </dgm:scene3d>
+    <dgm:sp3d/>
+    <dgm:txPr/>
+    <dgm:style>
+      <a:lnRef idx="0">
+        <a:scrgbClr r="0" g="0" b="0"/>
+      </a:lnRef>
+      <a:fillRef idx="1">
+        <a:scrgbClr r="0" g="0" b="0"/>
+      </a:fillRef>
+      <a:effectRef idx="0">
+        <a:scrgbClr r="0" g="0" b="0"/>
+      </a:effectRef>
+      <a:fontRef idx="minor"/>
+    </dgm:style>
+  </dgm:styleLbl>
+  <dgm:styleLbl name="dkBgShp">
+    <dgm:scene3d>
+      <a:camera prst="orthographicFront"/>
+      <a:lightRig rig="threePt" dir="t"/>
+    </dgm:scene3d>
+    <dgm:sp3d/>
+    <dgm:txPr/>
+    <dgm:style>
+      <a:lnRef idx="0">
+        <a:scrgbClr r="0" g="0" b="0"/>
+      </a:lnRef>
+      <a:fillRef idx="1">
+        <a:scrgbClr r="0" g="0" b="0"/>
+      </a:fillRef>
+      <a:effectRef idx="0">
+        <a:scrgbClr r="0" g="0" b="0"/>
+      </a:effectRef>
+      <a:fontRef idx="minor"/>
+    </dgm:style>
+  </dgm:styleLbl>
+  <dgm:styleLbl name="trBgShp">
+    <dgm:scene3d>
+      <a:camera prst="orthographicFront"/>
+      <a:lightRig rig="threePt" dir="t"/>
+    </dgm:scene3d>
+    <dgm:sp3d/>
+    <dgm:txPr/>
+    <dgm:style>
+      <a:lnRef idx="0">
+        <a:scrgbClr r="0" g="0" b="0"/>
+      </a:lnRef>
+      <a:fillRef idx="1">
+        <a:scrgbClr r="0" g="0" b="0"/>
+      </a:fillRef>
+      <a:effectRef idx="0">
+        <a:scrgbClr r="0" g="0" b="0"/>
+      </a:effectRef>
+      <a:fontRef idx="minor"/>
+    </dgm:style>
+  </dgm:styleLbl>
+  <dgm:styleLbl name="fgShp">
+    <dgm:scene3d>
+      <a:camera prst="orthographicFront"/>
+      <a:lightRig rig="threePt" dir="t"/>
+    </dgm:scene3d>
+    <dgm:sp3d/>
+    <dgm:txPr/>
+    <dgm:style>
+      <a:lnRef idx="2">
+        <a:scrgbClr r="0" g="0" b="0"/>
+      </a:lnRef>
+      <a:fillRef idx="1">
+        <a:scrgbClr r="0" g="0" b="0"/>
+      </a:fillRef>
+      <a:effectRef idx="0">
+        <a:scrgbClr r="0" g="0" b="0"/>
+      </a:effectRef>
+      <a:fontRef idx="minor"/>
+    </dgm:style>
+  </dgm:styleLbl>
+  <dgm:styleLbl name="revTx">
+    <dgm:scene3d>
+      <a:camera prst="orthographicFront"/>
+      <a:lightRig rig="threePt" dir="t"/>
+    </dgm:scene3d>
+    <dgm:sp3d/>
+    <dgm:txPr/>
+    <dgm:style>
+      <a:lnRef idx="0">
+        <a:scrgbClr r="0" g="0" b="0"/>
+      </a:lnRef>
+      <a:fillRef idx="0">
+        <a:scrgbClr r="0" g="0" b="0"/>
+      </a:fillRef>
+      <a:effectRef idx="0">
+        <a:scrgbClr r="0" g="0" b="0"/>
+      </a:effectRef>
+      <a:fontRef idx="minor"/>
+    </dgm:style>
+  </dgm:styleLbl>
+</dgm:styleDef>
+</file>
+
+<file path=ppt/diagrams/quickStyle3.xml><?xml version="1.0" encoding="utf-8"?>
 <dgm:styleDef xmlns:dgm="http://schemas.openxmlformats.org/drawingml/2006/diagram" xmlns:a="http://schemas.openxmlformats.org/drawingml/2006/main" uniqueId="urn:microsoft.com/office/officeart/2005/8/quickstyle/simple1">
   <dgm:title val=""/>
   <dgm:desc val=""/>
@@ -5987,6 +10054,121 @@
 </p:notesMaster>
 </file>
 
+<file path=ppt/notesSlides/notesSlide1.xml><?xml version="1.0" encoding="utf-8"?>
+<p:notes xmlns:a="http://schemas.openxmlformats.org/drawingml/2006/main" xmlns:r="http://schemas.openxmlformats.org/officeDocument/2006/relationships" xmlns:p="http://schemas.openxmlformats.org/presentationml/2006/main">
+  <p:cSld>
+    <p:spTree>
+      <p:nvGrpSpPr>
+        <p:cNvPr id="1" name="">
+          <a:extLst>
+            <a:ext uri="{FF2B5EF4-FFF2-40B4-BE49-F238E27FC236}">
+              <a16:creationId xmlns:a16="http://schemas.microsoft.com/office/drawing/2014/main" id="{CA7144EF-6AE6-0058-FEC4-E3804C765393}"/>
+            </a:ext>
+          </a:extLst>
+        </p:cNvPr>
+        <p:cNvGrpSpPr/>
+        <p:nvPr/>
+      </p:nvGrpSpPr>
+      <p:grpSpPr>
+        <a:xfrm>
+          <a:off x="0" y="0"/>
+          <a:ext cx="0" cy="0"/>
+          <a:chOff x="0" y="0"/>
+          <a:chExt cx="0" cy="0"/>
+        </a:xfrm>
+      </p:grpSpPr>
+      <p:sp>
+        <p:nvSpPr>
+          <p:cNvPr id="2" name="Segnaposto immagine diapositiva 1">
+            <a:extLst>
+              <a:ext uri="{FF2B5EF4-FFF2-40B4-BE49-F238E27FC236}">
+                <a16:creationId xmlns:a16="http://schemas.microsoft.com/office/drawing/2014/main" id="{755CF10D-24B3-96C6-9476-461A6877110E}"/>
+              </a:ext>
+            </a:extLst>
+          </p:cNvPr>
+          <p:cNvSpPr>
+            <a:spLocks noGrp="1" noRot="1" noChangeAspect="1"/>
+          </p:cNvSpPr>
+          <p:nvPr>
+            <p:ph type="sldImg"/>
+          </p:nvPr>
+        </p:nvSpPr>
+        <p:spPr/>
+        <p:txBody>
+          <a:bodyPr/>
+          <a:lstStyle/>
+          <a:p>
+            <a:endParaRPr lang="it-IT"/>
+          </a:p>
+        </p:txBody>
+      </p:sp>
+      <p:sp>
+        <p:nvSpPr>
+          <p:cNvPr id="3" name="Segnaposto note 2">
+            <a:extLst>
+              <a:ext uri="{FF2B5EF4-FFF2-40B4-BE49-F238E27FC236}">
+                <a16:creationId xmlns:a16="http://schemas.microsoft.com/office/drawing/2014/main" id="{BD7DE37B-95A0-3FC1-69BE-0C0C1F05A5E9}"/>
+              </a:ext>
+            </a:extLst>
+          </p:cNvPr>
+          <p:cNvSpPr>
+            <a:spLocks noGrp="1"/>
+          </p:cNvSpPr>
+          <p:nvPr>
+            <p:ph type="body" idx="1"/>
+          </p:nvPr>
+        </p:nvSpPr>
+        <p:spPr/>
+        <p:txBody>
+          <a:bodyPr/>
+          <a:lstStyle/>
+          <a:p>
+            <a:endParaRPr lang="it-IT" dirty="0"/>
+          </a:p>
+        </p:txBody>
+      </p:sp>
+      <p:sp>
+        <p:nvSpPr>
+          <p:cNvPr id="4" name="Segnaposto numero diapositiva 3">
+            <a:extLst>
+              <a:ext uri="{FF2B5EF4-FFF2-40B4-BE49-F238E27FC236}">
+                <a16:creationId xmlns:a16="http://schemas.microsoft.com/office/drawing/2014/main" id="{1C79CB28-62AF-C13D-B9E6-6B2AC160E503}"/>
+              </a:ext>
+            </a:extLst>
+          </p:cNvPr>
+          <p:cNvSpPr>
+            <a:spLocks noGrp="1"/>
+          </p:cNvSpPr>
+          <p:nvPr>
+            <p:ph type="sldNum" sz="quarter" idx="5"/>
+          </p:nvPr>
+        </p:nvSpPr>
+        <p:spPr/>
+        <p:txBody>
+          <a:bodyPr/>
+          <a:lstStyle/>
+          <a:p>
+            <a:fld id="{AC6CD09B-A72D-451B-ABEC-19F66366F3C6}" type="slidenum">
+              <a:rPr lang="it-IT" smtClean="0"/>
+              <a:t>5</a:t>
+            </a:fld>
+            <a:endParaRPr lang="it-IT"/>
+          </a:p>
+        </p:txBody>
+      </p:sp>
+    </p:spTree>
+    <p:extLst>
+      <p:ext uri="{BB962C8B-B14F-4D97-AF65-F5344CB8AC3E}">
+        <p14:creationId xmlns:p14="http://schemas.microsoft.com/office/powerpoint/2010/main" val="3753660030"/>
+      </p:ext>
+    </p:extLst>
+  </p:cSld>
+  <p:clrMapOvr>
+    <a:masterClrMapping/>
+  </p:clrMapOvr>
+</p:notes>
+</file>
+
 <file path=ppt/slideLayouts/slideLayout1.xml><?xml version="1.0" encoding="utf-8"?>
 <p:sldLayout xmlns:a="http://schemas.openxmlformats.org/drawingml/2006/main" xmlns:r="http://schemas.openxmlformats.org/officeDocument/2006/relationships" xmlns:p="http://schemas.openxmlformats.org/presentationml/2006/main" showMasterSp="0" type="title" preserve="1">
   <p:cSld name="Diapositiva titolo">
@@ -6556,6 +10738,13 @@
             <a:schemeClr val="lt1"/>
           </a:fontRef>
         </p:style>
+        <p:txBody>
+          <a:bodyPr/>
+          <a:lstStyle/>
+          <a:p>
+            <a:endParaRPr lang="it-IT"/>
+          </a:p>
+        </p:txBody>
       </p:sp>
       <p:sp>
         <p:nvSpPr>
@@ -6594,6 +10783,13 @@
             <a:schemeClr val="lt1"/>
           </a:fontRef>
         </p:style>
+        <p:txBody>
+          <a:bodyPr/>
+          <a:lstStyle/>
+          <a:p>
+            <a:endParaRPr lang="it-IT"/>
+          </a:p>
+        </p:txBody>
       </p:sp>
       <p:sp>
         <p:nvSpPr>
@@ -6996,6 +11192,13 @@
             <a:schemeClr val="lt1"/>
           </a:fontRef>
         </p:style>
+        <p:txBody>
+          <a:bodyPr/>
+          <a:lstStyle/>
+          <a:p>
+            <a:endParaRPr lang="it-IT"/>
+          </a:p>
+        </p:txBody>
       </p:sp>
       <p:sp>
         <p:nvSpPr>
@@ -7034,6 +11237,13 @@
             <a:schemeClr val="lt1"/>
           </a:fontRef>
         </p:style>
+        <p:txBody>
+          <a:bodyPr/>
+          <a:lstStyle/>
+          <a:p>
+            <a:endParaRPr lang="it-IT"/>
+          </a:p>
+        </p:txBody>
       </p:sp>
       <p:sp>
         <p:nvSpPr>
@@ -8115,6 +12325,13 @@
             <a:schemeClr val="lt1"/>
           </a:fontRef>
         </p:style>
+        <p:txBody>
+          <a:bodyPr/>
+          <a:lstStyle/>
+          <a:p>
+            <a:endParaRPr lang="it-IT"/>
+          </a:p>
+        </p:txBody>
       </p:sp>
       <p:sp>
         <p:nvSpPr>
@@ -8153,6 +12370,13 @@
             <a:schemeClr val="lt1"/>
           </a:fontRef>
         </p:style>
+        <p:txBody>
+          <a:bodyPr/>
+          <a:lstStyle/>
+          <a:p>
+            <a:endParaRPr lang="it-IT"/>
+          </a:p>
+        </p:txBody>
       </p:sp>
       <p:sp>
         <p:nvSpPr>
@@ -8297,6 +12521,13 @@
             <a:schemeClr val="lt1"/>
           </a:fontRef>
         </p:style>
+        <p:txBody>
+          <a:bodyPr/>
+          <a:lstStyle/>
+          <a:p>
+            <a:endParaRPr lang="it-IT"/>
+          </a:p>
+        </p:txBody>
       </p:sp>
       <p:sp>
         <p:nvSpPr>
@@ -8335,6 +12566,13 @@
             <a:schemeClr val="lt1"/>
           </a:fontRef>
         </p:style>
+        <p:txBody>
+          <a:bodyPr/>
+          <a:lstStyle/>
+          <a:p>
+            <a:endParaRPr lang="it-IT"/>
+          </a:p>
+        </p:txBody>
       </p:sp>
       <p:sp>
         <p:nvSpPr>
@@ -8667,6 +12905,13 @@
             <a:schemeClr val="lt1"/>
           </a:fontRef>
         </p:style>
+        <p:txBody>
+          <a:bodyPr/>
+          <a:lstStyle/>
+          <a:p>
+            <a:endParaRPr lang="it-IT"/>
+          </a:p>
+        </p:txBody>
       </p:sp>
       <p:sp>
         <p:nvSpPr>
@@ -8705,6 +12950,13 @@
             <a:schemeClr val="lt1"/>
           </a:fontRef>
         </p:style>
+        <p:txBody>
+          <a:bodyPr/>
+          <a:lstStyle/>
+          <a:p>
+            <a:endParaRPr lang="it-IT"/>
+          </a:p>
+        </p:txBody>
       </p:sp>
       <p:sp>
         <p:nvSpPr>
@@ -9740,6 +13992,53 @@
           <a:chExt cx="0" cy="0"/>
         </a:xfrm>
       </p:grpSpPr>
+      <p:pic>
+        <p:nvPicPr>
+          <p:cNvPr id="3076" name="Picture 4" descr="Sapienza Università di Roma - Rome Art Week">
+            <a:extLst>
+              <a:ext uri="{FF2B5EF4-FFF2-40B4-BE49-F238E27FC236}">
+                <a16:creationId xmlns:a16="http://schemas.microsoft.com/office/drawing/2014/main" id="{1C4FBCCB-E1DD-4CF1-24F0-A653FA2A9538}"/>
+              </a:ext>
+            </a:extLst>
+          </p:cNvPr>
+          <p:cNvPicPr>
+            <a:picLocks noChangeAspect="1" noChangeArrowheads="1"/>
+          </p:cNvPicPr>
+          <p:nvPr/>
+        </p:nvPicPr>
+        <p:blipFill rotWithShape="1">
+          <a:blip r:embed="rId2">
+            <a:extLst>
+              <a:ext uri="{28A0092B-C50C-407E-A947-70E740481C1C}">
+                <a14:useLocalDpi xmlns:a14="http://schemas.microsoft.com/office/drawing/2010/main" val="0"/>
+              </a:ext>
+            </a:extLst>
+          </a:blip>
+          <a:srcRect t="33869" b="36214"/>
+          <a:stretch>
+            <a:fillRect/>
+          </a:stretch>
+        </p:blipFill>
+        <p:spPr bwMode="auto">
+          <a:xfrm>
+            <a:off x="2184401" y="331667"/>
+            <a:ext cx="6711144" cy="2007731"/>
+          </a:xfrm>
+          <a:prstGeom prst="rect">
+            <a:avLst/>
+          </a:prstGeom>
+          <a:noFill/>
+          <a:extLst>
+            <a:ext uri="{909E8E84-426E-40DD-AFC4-6F175D3DCCD1}">
+              <a14:hiddenFill xmlns:a14="http://schemas.microsoft.com/office/drawing/2010/main">
+                <a:solidFill>
+                  <a:srgbClr val="FFFFFF"/>
+                </a:solidFill>
+              </a14:hiddenFill>
+            </a:ext>
+          </a:extLst>
+        </p:spPr>
+      </p:pic>
       <p:sp>
         <p:nvSpPr>
           <p:cNvPr id="2" name="Titolo 1">
@@ -9758,19 +14057,28 @@
         </p:nvSpPr>
         <p:spPr>
           <a:xfrm>
-            <a:off x="1288026" y="237457"/>
-            <a:ext cx="9537290" cy="2387600"/>
+            <a:off x="1212850" y="2501486"/>
+            <a:ext cx="9912350" cy="1823626"/>
           </a:xfrm>
         </p:spPr>
         <p:txBody>
-          <a:bodyPr/>
+          <a:bodyPr>
+            <a:normAutofit/>
+          </a:bodyPr>
           <a:lstStyle/>
           <a:p>
+            <a:pPr algn="ctr"/>
             <a:r>
-              <a:rPr lang="en-US" dirty="0"/>
+              <a:rPr lang="en-US" sz="5600" dirty="0">
+                <a:latin typeface="Arial" panose="020B0604020202020204" pitchFamily="34" charset="0"/>
+                <a:cs typeface="Arial" panose="020B0604020202020204" pitchFamily="34" charset="0"/>
+              </a:rPr>
               <a:t>Motion Retargeting for Grasping Tasks</a:t>
             </a:r>
-            <a:endParaRPr lang="it-IT" dirty="0"/>
+            <a:endParaRPr lang="it-IT" sz="5600" dirty="0">
+              <a:latin typeface="Arial" panose="020B0604020202020204" pitchFamily="34" charset="0"/>
+              <a:cs typeface="Arial" panose="020B0604020202020204" pitchFamily="34" charset="0"/>
+            </a:endParaRPr>
           </a:p>
         </p:txBody>
       </p:sp>
@@ -9792,27 +14100,21 @@
         </p:nvSpPr>
         <p:spPr>
           <a:xfrm>
-            <a:off x="2711450" y="4411562"/>
-            <a:ext cx="7189007" cy="1655762"/>
+            <a:off x="1066800" y="5571998"/>
+            <a:ext cx="10058400" cy="460502"/>
           </a:xfrm>
         </p:spPr>
         <p:txBody>
-          <a:bodyPr/>
+          <a:bodyPr>
+            <a:normAutofit/>
+          </a:bodyPr>
           <a:lstStyle/>
           <a:p>
             <a:r>
-              <a:rPr lang="en-US" dirty="0"/>
-              <a:t>Luca Colamarino, Giuseppe D’Addario, Federico </a:t>
+              <a:rPr lang="en-US" sz="1800" dirty="0"/>
+              <a:t>Luca Colamarino, Giuseppe D’Addario, Federico Tranzocchi, Matteo Zamponi</a:t>
             </a:r>
-            <a:r>
-              <a:rPr lang="en-US" dirty="0" err="1"/>
-              <a:t>Tranzocchi</a:t>
-            </a:r>
-            <a:r>
-              <a:rPr lang="en-US" dirty="0"/>
-              <a:t>, Matteo Zamponi</a:t>
-            </a:r>
-            <a:endParaRPr lang="it-IT" dirty="0"/>
+            <a:endParaRPr lang="it-IT" sz="1800" dirty="0"/>
           </a:p>
         </p:txBody>
       </p:sp>
@@ -9838,7 +14140,7 @@
           <a:lstStyle/>
           <a:p>
             <a:r>
-              <a:rPr lang="it-IT"/>
+              <a:rPr lang="it-IT" dirty="0"/>
               <a:t>Sapienza University of Rome – A.A. 2024-2025</a:t>
             </a:r>
           </a:p>
@@ -9887,8 +14189,8 @@
         </p:nvSpPr>
         <p:spPr>
           <a:xfrm>
-            <a:off x="2711451" y="3099178"/>
-            <a:ext cx="6769097" cy="461665"/>
+            <a:off x="0" y="4356514"/>
+            <a:ext cx="12192000" cy="646331"/>
           </a:xfrm>
           <a:prstGeom prst="rect">
             <a:avLst/>
@@ -9896,30 +14198,18 @@
           <a:noFill/>
         </p:spPr>
         <p:txBody>
-          <a:bodyPr wrap="none" rtlCol="0">
+          <a:bodyPr wrap="square" rtlCol="0">
             <a:spAutoFit/>
           </a:bodyPr>
           <a:lstStyle/>
           <a:p>
+            <a:pPr algn="ctr"/>
             <a:r>
-              <a:rPr lang="it-IT" sz="2400" dirty="0"/>
-              <a:t>Mapping </a:t>
-            </a:r>
-            <a:r>
-              <a:rPr lang="it-IT" sz="2400" dirty="0" err="1"/>
-              <a:t>Synergies</a:t>
-            </a:r>
-            <a:r>
-              <a:rPr lang="it-IT" sz="2400" dirty="0"/>
-              <a:t> from Human to </a:t>
-            </a:r>
-            <a:r>
-              <a:rPr lang="it-IT" sz="2400" dirty="0" err="1"/>
-              <a:t>Robotic</a:t>
-            </a:r>
-            <a:r>
-              <a:rPr lang="it-IT" sz="2400" dirty="0"/>
-              <a:t> Hands</a:t>
+              <a:rPr lang="it-IT" sz="3600" dirty="0">
+                <a:latin typeface="+mj-lt"/>
+                <a:cs typeface="Arial" panose="020B0604020202020204" pitchFamily="34" charset="0"/>
+              </a:rPr>
+              <a:t>Mapping Synergies from Human to Robotic Hands</a:t>
             </a:r>
           </a:p>
         </p:txBody>
@@ -10117,10 +14407,9 @@
           <a:lstStyle/>
           <a:p>
             <a:r>
-              <a:rPr lang="it-IT"/>
+              <a:rPr lang="it-IT" dirty="0"/>
               <a:t>Synergies</a:t>
             </a:r>
-            <a:endParaRPr lang="it-IT" dirty="0"/>
           </a:p>
         </p:txBody>
       </p:sp>
@@ -10140,7 +14429,7 @@
             <p:ph idx="1"/>
             <p:extLst>
               <p:ext uri="{D42A27DB-BD31-4B8C-83A1-F6EECF244321}">
-                <p14:modId xmlns:p14="http://schemas.microsoft.com/office/powerpoint/2010/main" val="3638363603"/>
+                <p14:modId xmlns:p14="http://schemas.microsoft.com/office/powerpoint/2010/main" val="1026671429"/>
               </p:ext>
             </p:extLst>
           </p:nvPr>
@@ -10180,6 +14469,7 @@
               <a:rPr lang="it-IT"/>
               <a:t>Sapienza University of Rome – A.A. 2024-2025</a:t>
             </a:r>
+            <a:endParaRPr lang="it-IT" dirty="0"/>
           </a:p>
         </p:txBody>
       </p:sp>
@@ -10332,7 +14622,7 @@
               </a:spcAft>
             </a:pPr>
             <a:r>
-              <a:rPr lang="it-IT"/>
+              <a:rPr lang="it-IT" dirty="0"/>
               <a:t>Sapienza University of Rome – A.A. 2024-2025</a:t>
             </a:r>
           </a:p>
@@ -10956,7 +15246,13 @@
     </p:bg>
     <p:spTree>
       <p:nvGrpSpPr>
-        <p:cNvPr id="1" name=""/>
+        <p:cNvPr id="1" name="">
+          <a:extLst>
+            <a:ext uri="{FF2B5EF4-FFF2-40B4-BE49-F238E27FC236}">
+              <a16:creationId xmlns:a16="http://schemas.microsoft.com/office/drawing/2014/main" id="{6D19ED09-DF48-E601-3D06-3E81ED892DE7}"/>
+            </a:ext>
+          </a:extLst>
+        </p:cNvPr>
         <p:cNvGrpSpPr/>
         <p:nvPr/>
       </p:nvGrpSpPr>
@@ -10968,12 +15264,72 @@
           <a:chExt cx="0" cy="0"/>
         </a:xfrm>
       </p:grpSpPr>
+      <p:sp useBgFill="1">
+        <p:nvSpPr>
+          <p:cNvPr id="1069" name="Rectangle 1065">
+            <a:extLst>
+              <a:ext uri="{FF2B5EF4-FFF2-40B4-BE49-F238E27FC236}">
+                <a16:creationId xmlns:a16="http://schemas.microsoft.com/office/drawing/2014/main" id="{6DF0E016-7AAA-4021-8283-4541B060B23F}"/>
+              </a:ext>
+              <a:ext uri="{C183D7F6-B498-43B3-948B-1728B52AA6E4}">
+                <adec:decorative xmlns:adec="http://schemas.microsoft.com/office/drawing/2017/decorative" val="1"/>
+              </a:ext>
+            </a:extLst>
+          </p:cNvPr>
+          <p:cNvSpPr>
+            <a:spLocks noGrp="1" noRot="1" noChangeAspect="1" noMove="1" noResize="1" noEditPoints="1" noAdjustHandles="1" noChangeArrowheads="1" noChangeShapeType="1" noTextEdit="1"/>
+          </p:cNvSpPr>
+          <p:nvPr>
+            <p:extLst>
+              <p:ext uri="{386F3935-93C4-4BCD-93E2-E3B085C9AB24}">
+                <p16:designElem xmlns:p16="http://schemas.microsoft.com/office/powerpoint/2015/main" val="1"/>
+              </p:ext>
+            </p:extLst>
+          </p:nvPr>
+        </p:nvSpPr>
+        <p:spPr>
+          <a:xfrm>
+            <a:off x="0" y="0"/>
+            <a:ext cx="12192001" cy="6334316"/>
+          </a:xfrm>
+          <a:prstGeom prst="rect">
+            <a:avLst/>
+          </a:prstGeom>
+          <a:ln>
+            <a:noFill/>
+          </a:ln>
+        </p:spPr>
+        <p:style>
+          <a:lnRef idx="2">
+            <a:schemeClr val="accent1">
+              <a:shade val="50000"/>
+            </a:schemeClr>
+          </a:lnRef>
+          <a:fillRef idx="1">
+            <a:schemeClr val="accent1"/>
+          </a:fillRef>
+          <a:effectRef idx="0">
+            <a:schemeClr val="accent1"/>
+          </a:effectRef>
+          <a:fontRef idx="minor">
+            <a:schemeClr val="lt1"/>
+          </a:fontRef>
+        </p:style>
+        <p:txBody>
+          <a:bodyPr rtlCol="0" anchor="ctr"/>
+          <a:lstStyle/>
+          <a:p>
+            <a:pPr algn="ctr"/>
+            <a:endParaRPr lang="en-US" dirty="0"/>
+          </a:p>
+        </p:txBody>
+      </p:sp>
       <p:sp>
         <p:nvSpPr>
           <p:cNvPr id="2" name="Titolo 1">
             <a:extLst>
               <a:ext uri="{FF2B5EF4-FFF2-40B4-BE49-F238E27FC236}">
-                <a16:creationId xmlns:a16="http://schemas.microsoft.com/office/drawing/2014/main" id="{3394DF59-757D-75B4-E9EB-B4BE317F6095}"/>
+                <a16:creationId xmlns:a16="http://schemas.microsoft.com/office/drawing/2014/main" id="{1E7CC6E5-7B08-CE8D-CC29-9D9D9B626867}"/>
               </a:ext>
             </a:extLst>
           </p:cNvPr>
@@ -10986,12 +15342,12 @@
         </p:nvSpPr>
         <p:spPr>
           <a:xfrm>
-            <a:off x="1097280" y="286603"/>
-            <a:ext cx="10058400" cy="1450757"/>
+            <a:off x="8508989" y="634946"/>
+            <a:ext cx="3040752" cy="5055904"/>
           </a:xfrm>
         </p:spPr>
         <p:txBody>
-          <a:bodyPr>
+          <a:bodyPr anchor="ctr">
             <a:normAutofit/>
           </a:bodyPr>
           <a:lstStyle/>
@@ -11004,212 +15360,191 @@
           </a:p>
         </p:txBody>
       </p:sp>
+      <p:cxnSp>
+        <p:nvCxnSpPr>
+          <p:cNvPr id="1068" name="Straight Connector 1067">
+            <a:extLst>
+              <a:ext uri="{FF2B5EF4-FFF2-40B4-BE49-F238E27FC236}">
+                <a16:creationId xmlns:a16="http://schemas.microsoft.com/office/drawing/2014/main" id="{1ED7C93A-082F-4C56-B282-DBEA4A168B74}"/>
+              </a:ext>
+              <a:ext uri="{C183D7F6-B498-43B3-948B-1728B52AA6E4}">
+                <adec:decorative xmlns:adec="http://schemas.microsoft.com/office/drawing/2017/decorative" val="1"/>
+              </a:ext>
+            </a:extLst>
+          </p:cNvPr>
+          <p:cNvCxnSpPr>
+            <a:cxnSpLocks noGrp="1" noRot="1" noChangeAspect="1" noMove="1" noResize="1" noEditPoints="1" noAdjustHandles="1" noChangeArrowheads="1" noChangeShapeType="1"/>
+          </p:cNvCxnSpPr>
+          <p:nvPr>
+            <p:extLst>
+              <p:ext uri="{386F3935-93C4-4BCD-93E2-E3B085C9AB24}">
+                <p16:designElem xmlns:p16="http://schemas.microsoft.com/office/powerpoint/2015/main" val="1"/>
+              </p:ext>
+            </p:extLst>
+          </p:nvPr>
+        </p:nvCxnSpPr>
+        <p:spPr>
+          <a:xfrm>
+            <a:off x="7856978" y="1791298"/>
+            <a:ext cx="0" cy="2743200"/>
+          </a:xfrm>
+          <a:prstGeom prst="line">
+            <a:avLst/>
+          </a:prstGeom>
+          <a:ln w="6350">
+            <a:solidFill>
+              <a:schemeClr val="tx1">
+                <a:lumMod val="50000"/>
+                <a:lumOff val="50000"/>
+              </a:schemeClr>
+            </a:solidFill>
+          </a:ln>
+        </p:spPr>
+        <p:style>
+          <a:lnRef idx="1">
+            <a:schemeClr val="accent1"/>
+          </a:lnRef>
+          <a:fillRef idx="0">
+            <a:schemeClr val="accent1"/>
+          </a:fillRef>
+          <a:effectRef idx="0">
+            <a:schemeClr val="accent1"/>
+          </a:effectRef>
+          <a:fontRef idx="minor">
+            <a:schemeClr val="tx1"/>
+          </a:fontRef>
+        </p:style>
+      </p:cxnSp>
       <p:sp>
         <p:nvSpPr>
-          <p:cNvPr id="3" name="Segnaposto contenuto 2">
+          <p:cNvPr id="1070" name="Rectangle 1069">
             <a:extLst>
               <a:ext uri="{FF2B5EF4-FFF2-40B4-BE49-F238E27FC236}">
-                <a16:creationId xmlns:a16="http://schemas.microsoft.com/office/drawing/2014/main" id="{120498D6-26FF-E960-0026-0FF676BA3AA6}"/>
+                <a16:creationId xmlns:a16="http://schemas.microsoft.com/office/drawing/2014/main" id="{C1548FC5-3294-4768-A652-ADA82AE2244B}"/>
+              </a:ext>
+              <a:ext uri="{C183D7F6-B498-43B3-948B-1728B52AA6E4}">
+                <adec:decorative xmlns:adec="http://schemas.microsoft.com/office/drawing/2017/decorative" val="1"/>
               </a:ext>
             </a:extLst>
           </p:cNvPr>
           <p:cNvSpPr>
-            <a:spLocks noGrp="1"/>
+            <a:spLocks noGrp="1" noRot="1" noChangeAspect="1" noMove="1" noResize="1" noEditPoints="1" noAdjustHandles="1" noChangeArrowheads="1" noChangeShapeType="1" noTextEdit="1"/>
           </p:cNvSpPr>
           <p:nvPr>
-            <p:ph idx="1"/>
+            <p:extLst>
+              <p:ext uri="{386F3935-93C4-4BCD-93E2-E3B085C9AB24}">
+                <p16:designElem xmlns:p16="http://schemas.microsoft.com/office/powerpoint/2015/main" val="1"/>
+              </p:ext>
+            </p:extLst>
           </p:nvPr>
         </p:nvSpPr>
         <p:spPr>
           <a:xfrm>
-            <a:off x="1097279" y="1845734"/>
-            <a:ext cx="6454987" cy="4023360"/>
-          </a:xfrm>
-        </p:spPr>
-        <p:txBody>
-          <a:bodyPr>
-            <a:normAutofit/>
-          </a:bodyPr>
-          <a:lstStyle/>
-          <a:p>
-            <a:r>
-              <a:rPr lang="it-IT" b="1" dirty="0"/>
-              <a:t>Input:</a:t>
-            </a:r>
-            <a:r>
-              <a:rPr lang="it-IT" dirty="0"/>
-              <a:t> </a:t>
-            </a:r>
-            <a:r>
-              <a:rPr lang="it-IT" dirty="0" err="1"/>
-              <a:t>Weart</a:t>
-            </a:r>
-            <a:r>
-              <a:rPr lang="it-IT" dirty="0"/>
-              <a:t> </a:t>
-            </a:r>
-            <a:r>
-              <a:rPr lang="it-IT" dirty="0" err="1"/>
-              <a:t>TouchDIVER</a:t>
-            </a:r>
-            <a:r>
-              <a:rPr lang="it-IT" dirty="0"/>
-              <a:t> G1 (</a:t>
-            </a:r>
-            <a:r>
-              <a:rPr lang="it-IT" dirty="0" err="1"/>
-              <a:t>Haptic</a:t>
-            </a:r>
-            <a:r>
-              <a:rPr lang="it-IT" dirty="0"/>
-              <a:t> </a:t>
-            </a:r>
-            <a:r>
-              <a:rPr lang="it-IT" dirty="0" err="1"/>
-              <a:t>Glove</a:t>
-            </a:r>
-            <a:r>
-              <a:rPr lang="it-IT" dirty="0"/>
-              <a:t>).</a:t>
-            </a:r>
-          </a:p>
-          <a:p>
-            <a:r>
-              <a:rPr lang="it-IT" b="1" dirty="0"/>
-              <a:t>Processing:</a:t>
-            </a:r>
-            <a:r>
-              <a:rPr lang="it-IT" dirty="0"/>
-              <a:t> </a:t>
-            </a:r>
-            <a:r>
-              <a:rPr lang="it-IT" dirty="0" err="1"/>
-              <a:t>Neural</a:t>
-            </a:r>
-            <a:r>
-              <a:rPr lang="it-IT" dirty="0"/>
-              <a:t> Network </a:t>
-            </a:r>
-            <a:r>
-              <a:rPr lang="it-IT" dirty="0" err="1"/>
-              <a:t>reconstructs</a:t>
-            </a:r>
-            <a:r>
-              <a:rPr lang="it-IT" dirty="0"/>
-              <a:t> full hand pose (Python).</a:t>
-            </a:r>
-          </a:p>
-          <a:p>
-            <a:r>
-              <a:rPr lang="it-IT" b="1" dirty="0" err="1"/>
-              <a:t>Retargeting</a:t>
-            </a:r>
-            <a:r>
-              <a:rPr lang="it-IT" b="1" dirty="0"/>
-              <a:t>:</a:t>
-            </a:r>
-            <a:r>
-              <a:rPr lang="it-IT" dirty="0"/>
-              <a:t> </a:t>
-            </a:r>
-            <a:r>
-              <a:rPr lang="it-IT" dirty="0" err="1"/>
-              <a:t>Unity</a:t>
-            </a:r>
-            <a:r>
-              <a:rPr lang="it-IT" dirty="0"/>
-              <a:t> </a:t>
-            </a:r>
-            <a:r>
-              <a:rPr lang="it-IT" dirty="0" err="1"/>
-              <a:t>simulation</a:t>
-            </a:r>
-            <a:r>
-              <a:rPr lang="it-IT" dirty="0"/>
-              <a:t> </a:t>
-            </a:r>
-            <a:r>
-              <a:rPr lang="it-IT" dirty="0" err="1"/>
-              <a:t>computes</a:t>
-            </a:r>
-            <a:r>
-              <a:rPr lang="it-IT" dirty="0"/>
-              <a:t> Interaction Matrix.</a:t>
-            </a:r>
-          </a:p>
-          <a:p>
-            <a:r>
-              <a:rPr lang="it-IT" b="1" dirty="0"/>
-              <a:t>Output:</a:t>
-            </a:r>
-            <a:r>
-              <a:rPr lang="it-IT" dirty="0"/>
-              <a:t> Robot joint </a:t>
-            </a:r>
-            <a:r>
-              <a:rPr lang="it-IT" dirty="0" err="1"/>
-              <a:t>velocities</a:t>
-            </a:r>
-            <a:r>
-              <a:rPr lang="it-IT" dirty="0"/>
-              <a:t>.</a:t>
-            </a:r>
-          </a:p>
-        </p:txBody>
-      </p:sp>
-      <p:pic>
-        <p:nvPicPr>
-          <p:cNvPr id="2050" name="Picture 2" descr="Buy TouchDIVER haptic glove | WEART">
-            <a:extLst>
-              <a:ext uri="{FF2B5EF4-FFF2-40B4-BE49-F238E27FC236}">
-                <a16:creationId xmlns:a16="http://schemas.microsoft.com/office/drawing/2014/main" id="{120586E3-21AA-4690-610D-F5B9473C421F}"/>
-              </a:ext>
-            </a:extLst>
-          </p:cNvPr>
-          <p:cNvPicPr>
-            <a:picLocks noChangeAspect="1" noChangeArrowheads="1"/>
-          </p:cNvPicPr>
-          <p:nvPr/>
-        </p:nvPicPr>
-        <p:blipFill>
-          <a:blip r:embed="rId2">
-            <a:extLst>
-              <a:ext uri="{28A0092B-C50C-407E-A947-70E740481C1C}">
-                <a14:useLocalDpi xmlns:a14="http://schemas.microsoft.com/office/drawing/2010/main" val="0"/>
-              </a:ext>
-            </a:extLst>
-          </a:blip>
-          <a:srcRect l="24109" r="24408" b="2"/>
-          <a:stretch>
-            <a:fillRect/>
-          </a:stretch>
-        </p:blipFill>
-        <p:spPr bwMode="auto">
-          <a:xfrm>
-            <a:off x="8020570" y="1916318"/>
-            <a:ext cx="3135109" cy="3471012"/>
+            <a:off x="15" y="6334316"/>
+            <a:ext cx="12191985" cy="66484"/>
           </a:xfrm>
           <a:prstGeom prst="rect">
             <a:avLst/>
           </a:prstGeom>
-          <a:noFill/>
-          <a:extLst>
-            <a:ext uri="{909E8E84-426E-40DD-AFC4-6F175D3DCCD1}">
-              <a14:hiddenFill xmlns:a14="http://schemas.microsoft.com/office/drawing/2010/main">
-                <a:solidFill>
-                  <a:srgbClr val="FFFFFF"/>
-                </a:solidFill>
-              </a14:hiddenFill>
-            </a:ext>
-          </a:extLst>
+          <a:solidFill>
+            <a:schemeClr val="accent1"/>
+          </a:solidFill>
+          <a:ln>
+            <a:noFill/>
+          </a:ln>
         </p:spPr>
-      </p:pic>
+        <p:style>
+          <a:lnRef idx="2">
+            <a:schemeClr val="accent1">
+              <a:shade val="50000"/>
+            </a:schemeClr>
+          </a:lnRef>
+          <a:fillRef idx="1">
+            <a:schemeClr val="accent1"/>
+          </a:fillRef>
+          <a:effectRef idx="0">
+            <a:schemeClr val="accent1"/>
+          </a:effectRef>
+          <a:fontRef idx="minor">
+            <a:schemeClr val="lt1"/>
+          </a:fontRef>
+        </p:style>
+        <p:txBody>
+          <a:bodyPr/>
+          <a:lstStyle/>
+          <a:p>
+            <a:endParaRPr lang="it-IT"/>
+          </a:p>
+        </p:txBody>
+      </p:sp>
+      <p:sp>
+        <p:nvSpPr>
+          <p:cNvPr id="1072" name="Rectangle 1071">
+            <a:extLst>
+              <a:ext uri="{FF2B5EF4-FFF2-40B4-BE49-F238E27FC236}">
+                <a16:creationId xmlns:a16="http://schemas.microsoft.com/office/drawing/2014/main" id="{3D3A9120-D290-43FB-863E-28A45D2D3585}"/>
+              </a:ext>
+              <a:ext uri="{C183D7F6-B498-43B3-948B-1728B52AA6E4}">
+                <adec:decorative xmlns:adec="http://schemas.microsoft.com/office/drawing/2017/decorative" val="1"/>
+              </a:ext>
+            </a:extLst>
+          </p:cNvPr>
+          <p:cNvSpPr>
+            <a:spLocks noGrp="1" noRot="1" noChangeAspect="1" noMove="1" noResize="1" noEditPoints="1" noAdjustHandles="1" noChangeArrowheads="1" noChangeShapeType="1" noTextEdit="1"/>
+          </p:cNvSpPr>
+          <p:nvPr>
+            <p:extLst>
+              <p:ext uri="{386F3935-93C4-4BCD-93E2-E3B085C9AB24}">
+                <p16:designElem xmlns:p16="http://schemas.microsoft.com/office/powerpoint/2015/main" val="1"/>
+              </p:ext>
+            </p:extLst>
+          </p:nvPr>
+        </p:nvSpPr>
+        <p:spPr>
+          <a:xfrm>
+            <a:off x="1" y="6400800"/>
+            <a:ext cx="12192000" cy="457200"/>
+          </a:xfrm>
+          <a:prstGeom prst="rect">
+            <a:avLst/>
+          </a:prstGeom>
+          <a:solidFill>
+            <a:schemeClr val="accent2"/>
+          </a:solidFill>
+          <a:ln>
+            <a:noFill/>
+          </a:ln>
+        </p:spPr>
+        <p:style>
+          <a:lnRef idx="2">
+            <a:schemeClr val="accent1">
+              <a:shade val="50000"/>
+            </a:schemeClr>
+          </a:lnRef>
+          <a:fillRef idx="1">
+            <a:schemeClr val="accent1"/>
+          </a:fillRef>
+          <a:effectRef idx="0">
+            <a:schemeClr val="accent1"/>
+          </a:effectRef>
+          <a:fontRef idx="minor">
+            <a:schemeClr val="lt1"/>
+          </a:fontRef>
+        </p:style>
+        <p:txBody>
+          <a:bodyPr/>
+          <a:lstStyle/>
+          <a:p>
+            <a:endParaRPr lang="it-IT"/>
+          </a:p>
+        </p:txBody>
+      </p:sp>
       <p:sp>
         <p:nvSpPr>
           <p:cNvPr id="4" name="Segnaposto piè di pagina 3">
             <a:extLst>
               <a:ext uri="{FF2B5EF4-FFF2-40B4-BE49-F238E27FC236}">
-                <a16:creationId xmlns:a16="http://schemas.microsoft.com/office/drawing/2014/main" id="{C67F9807-866D-0D69-C0E1-ACD61036FB38}"/>
+                <a16:creationId xmlns:a16="http://schemas.microsoft.com/office/drawing/2014/main" id="{574A7444-4C5B-F9DC-66C0-B033A89FBC84}"/>
               </a:ext>
             </a:extLst>
           </p:cNvPr>
@@ -11249,7 +15584,7 @@
           <p:cNvPr id="5" name="Segnaposto numero diapositiva 4">
             <a:extLst>
               <a:ext uri="{FF2B5EF4-FFF2-40B4-BE49-F238E27FC236}">
-                <a16:creationId xmlns:a16="http://schemas.microsoft.com/office/drawing/2014/main" id="{7EA53147-688C-94C8-1CE3-82A7BF02B6FF}"/>
+                <a16:creationId xmlns:a16="http://schemas.microsoft.com/office/drawing/2014/main" id="{22CBC15E-4BFD-A99F-5E21-B29EACB494EC}"/>
               </a:ext>
             </a:extLst>
           </p:cNvPr>
@@ -11290,10 +15625,83 @@
           </a:p>
         </p:txBody>
       </p:sp>
+      <p:sp>
+        <p:nvSpPr>
+          <p:cNvPr id="15" name="AutoShape 10" descr="Generazione immagine completata">
+            <a:extLst>
+              <a:ext uri="{FF2B5EF4-FFF2-40B4-BE49-F238E27FC236}">
+                <a16:creationId xmlns:a16="http://schemas.microsoft.com/office/drawing/2014/main" id="{34770B9B-3085-9B48-8241-825D84E726E4}"/>
+              </a:ext>
+            </a:extLst>
+          </p:cNvPr>
+          <p:cNvSpPr>
+            <a:spLocks noChangeAspect="1" noChangeArrowheads="1"/>
+          </p:cNvSpPr>
+          <p:nvPr/>
+        </p:nvSpPr>
+        <p:spPr bwMode="auto">
+          <a:xfrm>
+            <a:off x="5943600" y="-107950"/>
+            <a:ext cx="3689350" cy="3689350"/>
+          </a:xfrm>
+          <a:prstGeom prst="rect">
+            <a:avLst/>
+          </a:prstGeom>
+          <a:noFill/>
+          <a:extLst>
+            <a:ext uri="{909E8E84-426E-40DD-AFC4-6F175D3DCCD1}">
+              <a14:hiddenFill xmlns:a14="http://schemas.microsoft.com/office/drawing/2010/main">
+                <a:solidFill>
+                  <a:srgbClr val="FFFFFF"/>
+                </a:solidFill>
+              </a14:hiddenFill>
+            </a:ext>
+          </a:extLst>
+        </p:spPr>
+        <p:txBody>
+          <a:bodyPr vert="horz" wrap="square" lIns="91440" tIns="45720" rIns="91440" bIns="45720" numCol="1" anchor="t" anchorCtr="0" compatLnSpc="1">
+            <a:prstTxWarp prst="textNoShape">
+              <a:avLst/>
+            </a:prstTxWarp>
+          </a:bodyPr>
+          <a:lstStyle/>
+          <a:p>
+            <a:endParaRPr lang="it-IT"/>
+          </a:p>
+        </p:txBody>
+      </p:sp>
+      <p:graphicFrame>
+        <p:nvGraphicFramePr>
+          <p:cNvPr id="11" name="Diagramma 10">
+            <a:extLst>
+              <a:ext uri="{FF2B5EF4-FFF2-40B4-BE49-F238E27FC236}">
+                <a16:creationId xmlns:a16="http://schemas.microsoft.com/office/drawing/2014/main" id="{A0BBC1E4-755A-2949-E587-93909DACA1FF}"/>
+              </a:ext>
+            </a:extLst>
+          </p:cNvPr>
+          <p:cNvGraphicFramePr/>
+          <p:nvPr>
+            <p:extLst>
+              <p:ext uri="{D42A27DB-BD31-4B8C-83A1-F6EECF244321}">
+                <p14:modId xmlns:p14="http://schemas.microsoft.com/office/powerpoint/2010/main" val="1983207926"/>
+              </p:ext>
+            </p:extLst>
+          </p:nvPr>
+        </p:nvGraphicFramePr>
+        <p:xfrm>
+          <a:off x="633413" y="639763"/>
+          <a:ext cx="7164385" cy="5051425"/>
+        </p:xfrm>
+        <a:graphic>
+          <a:graphicData uri="http://schemas.openxmlformats.org/drawingml/2006/diagram">
+            <dgm:relIds xmlns:dgm="http://schemas.openxmlformats.org/drawingml/2006/diagram" xmlns:r="http://schemas.openxmlformats.org/officeDocument/2006/relationships" r:dm="rId3" r:lo="rId4" r:qs="rId5" r:cs="rId6"/>
+          </a:graphicData>
+        </a:graphic>
+      </p:graphicFrame>
     </p:spTree>
     <p:extLst>
       <p:ext uri="{BB962C8B-B14F-4D97-AF65-F5344CB8AC3E}">
-        <p14:creationId xmlns:p14="http://schemas.microsoft.com/office/powerpoint/2010/main" val="3652635793"/>
+        <p14:creationId xmlns:p14="http://schemas.microsoft.com/office/powerpoint/2010/main" val="1839309086"/>
       </p:ext>
     </p:extLst>
   </p:cSld>
@@ -11623,6 +16031,51 @@
               <a:rPr lang="it-IT" smtClean="0"/>
               <a:t>6</a:t>
             </a:fld>
+            <a:endParaRPr lang="it-IT"/>
+          </a:p>
+        </p:txBody>
+      </p:sp>
+      <p:sp>
+        <p:nvSpPr>
+          <p:cNvPr id="6" name="AutoShape 2" descr="Generazione immagine completata">
+            <a:extLst>
+              <a:ext uri="{FF2B5EF4-FFF2-40B4-BE49-F238E27FC236}">
+                <a16:creationId xmlns:a16="http://schemas.microsoft.com/office/drawing/2014/main" id="{98DF1F17-B124-1076-57C8-D8E4181CADBC}"/>
+              </a:ext>
+            </a:extLst>
+          </p:cNvPr>
+          <p:cNvSpPr>
+            <a:spLocks noChangeAspect="1" noChangeArrowheads="1"/>
+          </p:cNvSpPr>
+          <p:nvPr/>
+        </p:nvSpPr>
+        <p:spPr bwMode="auto">
+          <a:xfrm>
+            <a:off x="5943600" y="3276600"/>
+            <a:ext cx="304800" cy="304800"/>
+          </a:xfrm>
+          <a:prstGeom prst="rect">
+            <a:avLst/>
+          </a:prstGeom>
+          <a:noFill/>
+          <a:extLst>
+            <a:ext uri="{909E8E84-426E-40DD-AFC4-6F175D3DCCD1}">
+              <a14:hiddenFill xmlns:a14="http://schemas.microsoft.com/office/drawing/2010/main">
+                <a:solidFill>
+                  <a:srgbClr val="FFFFFF"/>
+                </a:solidFill>
+              </a14:hiddenFill>
+            </a:ext>
+          </a:extLst>
+        </p:spPr>
+        <p:txBody>
+          <a:bodyPr vert="horz" wrap="square" lIns="91440" tIns="45720" rIns="91440" bIns="45720" numCol="1" anchor="t" anchorCtr="0" compatLnSpc="1">
+            <a:prstTxWarp prst="textNoShape">
+              <a:avLst/>
+            </a:prstTxWarp>
+          </a:bodyPr>
+          <a:lstStyle/>
+          <a:p>
             <a:endParaRPr lang="it-IT"/>
           </a:p>
         </p:txBody>
